--- a/Images Source/GravitySlides.pptx
+++ b/Images Source/GravitySlides.pptx
@@ -8605,7 +8605,7 @@
         </p:nvSpPr>
         <p:spPr>
           <a:xfrm>
-            <a:off x="4288685" y="1594271"/>
+            <a:off x="4365601" y="1976936"/>
             <a:ext cx="3711762" cy="3669459"/>
           </a:xfrm>
           <a:prstGeom prst="ellipse">
@@ -8657,7 +8657,7 @@
         </p:nvSpPr>
         <p:spPr>
           <a:xfrm rot="-10536482">
-            <a:off x="4826368" y="1862382"/>
+            <a:off x="4903284" y="2245047"/>
             <a:ext cx="310667" cy="350975"/>
           </a:xfrm>
           <a:prstGeom prst="corner">
@@ -8708,7 +8708,7 @@
         </p:nvSpPr>
         <p:spPr>
           <a:xfrm rot="-5691000">
-            <a:off x="7262851" y="1961895"/>
+            <a:off x="7339767" y="2344560"/>
             <a:ext cx="310667" cy="350975"/>
           </a:xfrm>
           <a:prstGeom prst="corner">
@@ -8759,7 +8759,7 @@
         </p:nvSpPr>
         <p:spPr>
           <a:xfrm rot="262322">
-            <a:off x="7359610" y="4507523"/>
+            <a:off x="7436526" y="4890188"/>
             <a:ext cx="310667" cy="350975"/>
           </a:xfrm>
           <a:prstGeom prst="corner">
@@ -8810,7 +8810,7 @@
         </p:nvSpPr>
         <p:spPr>
           <a:xfrm rot="5400000">
-            <a:off x="4953226" y="4781885"/>
+            <a:off x="5030142" y="5164550"/>
             <a:ext cx="310667" cy="350975"/>
           </a:xfrm>
           <a:prstGeom prst="corner">
@@ -8861,7 +8861,7 @@
         </p:nvSpPr>
         <p:spPr>
           <a:xfrm rot="-10536482">
-            <a:off x="4900328" y="1790316"/>
+            <a:off x="4977244" y="2172981"/>
             <a:ext cx="310667" cy="350975"/>
           </a:xfrm>
           <a:prstGeom prst="corner">
@@ -8912,7 +8912,7 @@
         </p:nvSpPr>
         <p:spPr>
           <a:xfrm rot="-5633214">
-            <a:off x="7341423" y="2026169"/>
+            <a:off x="7418339" y="2408834"/>
             <a:ext cx="310667" cy="350975"/>
           </a:xfrm>
           <a:prstGeom prst="corner">
@@ -8963,7 +8963,7 @@
         </p:nvSpPr>
         <p:spPr>
           <a:xfrm>
-            <a:off x="5584728" y="873125"/>
+            <a:off x="3005683" y="4125615"/>
             <a:ext cx="1408012" cy="369332"/>
           </a:xfrm>
           <a:prstGeom prst="rect">
@@ -8990,7 +8990,7 @@
               <a:buNone/>
             </a:pPr>
             <a:r>
-              <a:rPr lang="en-US" sz="1800" b="1" i="0" u="none" strike="noStrike" cap="none">
+              <a:rPr lang="en-US" sz="1800" b="1" i="0" u="none" strike="noStrike" cap="none" dirty="0">
                 <a:solidFill>
                   <a:srgbClr val="44546A"/>
                 </a:solidFill>
@@ -9001,7 +9001,7 @@
               </a:rPr>
               <a:t>Screening</a:t>
             </a:r>
-            <a:endParaRPr/>
+            <a:endParaRPr dirty="0"/>
           </a:p>
         </p:txBody>
       </p:sp>
@@ -9013,8 +9013,8 @@
         </p:nvSpPr>
         <p:spPr>
           <a:xfrm>
-            <a:off x="8581135" y="3059667"/>
-            <a:ext cx="2471178" cy="307777"/>
+            <a:off x="5135716" y="443049"/>
+            <a:ext cx="3093328" cy="369291"/>
           </a:xfrm>
           <a:prstGeom prst="rect">
             <a:avLst/>
@@ -9040,7 +9040,7 @@
               <a:buNone/>
             </a:pPr>
             <a:r>
-              <a:rPr lang="en-US" sz="1800" b="1" i="0" u="none" strike="noStrike" cap="none">
+              <a:rPr lang="en-US" sz="1800" b="1" i="0" u="none" strike="noStrike" cap="none" dirty="0">
                 <a:solidFill>
                   <a:srgbClr val="44546A"/>
                 </a:solidFill>
@@ -9049,9 +9049,9 @@
                 <a:cs typeface="Arial"/>
                 <a:sym typeface="Arial"/>
               </a:rPr>
-              <a:t>Assessment/ Diagnosis</a:t>
+              <a:t>Assessment/Diagnosis</a:t>
             </a:r>
-            <a:endParaRPr/>
+            <a:endParaRPr dirty="0"/>
           </a:p>
         </p:txBody>
       </p:sp>
@@ -9063,7 +9063,7 @@
         </p:nvSpPr>
         <p:spPr>
           <a:xfrm>
-            <a:off x="4761700" y="5669102"/>
+            <a:off x="7251432" y="4268860"/>
             <a:ext cx="3183337" cy="369332"/>
           </a:xfrm>
           <a:prstGeom prst="rect">
@@ -9090,7 +9090,7 @@
               <a:buNone/>
             </a:pPr>
             <a:r>
-              <a:rPr lang="en-US" sz="1800" b="1" i="0" u="none" strike="noStrike" cap="none">
+              <a:rPr lang="en-US" sz="1800" b="1" i="0" u="none" strike="noStrike" cap="none" dirty="0">
                 <a:solidFill>
                   <a:srgbClr val="44546A"/>
                 </a:solidFill>
@@ -9101,7 +9101,7 @@
               </a:rPr>
               <a:t>Goals Setting</a:t>
             </a:r>
-            <a:endParaRPr/>
+            <a:endParaRPr dirty="0"/>
           </a:p>
         </p:txBody>
       </p:sp>
@@ -9113,8 +9113,8 @@
         </p:nvSpPr>
         <p:spPr>
           <a:xfrm>
-            <a:off x="674473" y="3213555"/>
-            <a:ext cx="2620125" cy="307777"/>
+            <a:off x="6787107" y="6414951"/>
+            <a:ext cx="3116250" cy="369291"/>
           </a:xfrm>
           <a:prstGeom prst="rect">
             <a:avLst/>
@@ -9140,7 +9140,7 @@
               <a:buNone/>
             </a:pPr>
             <a:r>
-              <a:rPr lang="en-US" sz="1800" b="1" i="0" u="none" strike="noStrike" cap="none">
+              <a:rPr lang="en-US" sz="1800" b="1" i="0" u="none" strike="noStrike" cap="none" dirty="0">
                 <a:solidFill>
                   <a:srgbClr val="44546A"/>
                 </a:solidFill>
@@ -9149,9 +9149,9 @@
                 <a:cs typeface="Arial"/>
                 <a:sym typeface="Arial"/>
               </a:rPr>
-              <a:t>Treatment/ Interventions</a:t>
+              <a:t>Treatment/Interventions</a:t>
             </a:r>
-            <a:endParaRPr/>
+            <a:endParaRPr dirty="0"/>
           </a:p>
         </p:txBody>
       </p:sp>
@@ -9163,7 +9163,7 @@
         </p:nvSpPr>
         <p:spPr>
           <a:xfrm rot="220145">
-            <a:off x="7272342" y="4584141"/>
+            <a:off x="7349258" y="4966806"/>
             <a:ext cx="310667" cy="350975"/>
           </a:xfrm>
           <a:prstGeom prst="corner">
@@ -9214,7 +9214,7 @@
         </p:nvSpPr>
         <p:spPr>
           <a:xfrm rot="5400000">
-            <a:off x="4877316" y="4717827"/>
+            <a:off x="4954232" y="5100492"/>
             <a:ext cx="310667" cy="350975"/>
           </a:xfrm>
           <a:prstGeom prst="corner">
@@ -9272,7 +9272,7 @@
         </p:blipFill>
         <p:spPr>
           <a:xfrm>
-            <a:off x="3928458" y="3337385"/>
+            <a:off x="5376502" y="5079925"/>
             <a:ext cx="871176" cy="906980"/>
           </a:xfrm>
           <a:prstGeom prst="ellipse">
@@ -9299,7 +9299,7 @@
         </p:blipFill>
         <p:spPr>
           <a:xfrm>
-            <a:off x="3020078" y="2965269"/>
+            <a:off x="6502433" y="5023568"/>
             <a:ext cx="941343" cy="860592"/>
           </a:xfrm>
           <a:prstGeom prst="ellipse">
@@ -9326,7 +9326,7 @@
         </p:blipFill>
         <p:spPr>
           <a:xfrm>
-            <a:off x="3792161" y="2323662"/>
+            <a:off x="5915931" y="5750409"/>
             <a:ext cx="969539" cy="897116"/>
           </a:xfrm>
           <a:prstGeom prst="ellipse">
@@ -9338,87 +9338,108 @@
           </a:ln>
         </p:spPr>
       </p:pic>
-      <p:sp>
-        <p:nvSpPr>
-          <p:cNvPr id="468" name="Google Shape;468;p10"/>
-          <p:cNvSpPr/>
+      <p:grpSp>
+        <p:nvGrpSpPr>
+          <p:cNvPr id="3" name="Group 2">
+            <a:extLst>
+              <a:ext uri="{FF2B5EF4-FFF2-40B4-BE49-F238E27FC236}">
+                <a16:creationId xmlns:a16="http://schemas.microsoft.com/office/drawing/2014/main" id="{90785A58-5E14-6112-3128-8DF1B64E4CDE}"/>
+              </a:ext>
+            </a:extLst>
+          </p:cNvPr>
+          <p:cNvGrpSpPr/>
           <p:nvPr/>
-        </p:nvSpPr>
-        <p:spPr>
+        </p:nvGrpSpPr>
+        <p:grpSpPr>
           <a:xfrm>
-            <a:off x="5688474" y="1215717"/>
+            <a:off x="3206984" y="3118493"/>
             <a:ext cx="901661" cy="897115"/>
+            <a:chOff x="3206984" y="3294283"/>
+            <a:chExt cx="901661" cy="897115"/>
           </a:xfrm>
-          <a:prstGeom prst="ellipse">
-            <a:avLst/>
-          </a:prstGeom>
-          <a:solidFill>
-            <a:schemeClr val="lt1"/>
-          </a:solidFill>
-          <a:ln w="25400" cap="flat" cmpd="sng">
+        </p:grpSpPr>
+        <p:sp>
+          <p:nvSpPr>
+            <p:cNvPr id="468" name="Google Shape;468;p10"/>
+            <p:cNvSpPr/>
+            <p:nvPr/>
+          </p:nvSpPr>
+          <p:spPr>
+            <a:xfrm>
+              <a:off x="3206984" y="3294283"/>
+              <a:ext cx="901661" cy="897115"/>
+            </a:xfrm>
+            <a:prstGeom prst="ellipse">
+              <a:avLst/>
+            </a:prstGeom>
             <a:solidFill>
-              <a:srgbClr val="050913"/>
+              <a:schemeClr val="lt1"/>
             </a:solidFill>
-            <a:prstDash val="solid"/>
-            <a:round/>
-            <a:headEnd type="none" w="sm" len="sm"/>
-            <a:tailEnd type="none" w="sm" len="sm"/>
-          </a:ln>
-        </p:spPr>
-        <p:txBody>
-          <a:bodyPr spcFirstLastPara="1" wrap="square" lIns="91425" tIns="45700" rIns="91425" bIns="45700" anchor="ctr" anchorCtr="0">
-            <a:noAutofit/>
-          </a:bodyPr>
-          <a:lstStyle/>
-          <a:p>
-            <a:pPr marL="0" marR="0" lvl="0" indent="0" algn="ctr" rtl="0">
-              <a:spcBef>
-                <a:spcPts val="0"/>
-              </a:spcBef>
-              <a:spcAft>
-                <a:spcPts val="0"/>
-              </a:spcAft>
-              <a:buNone/>
-            </a:pPr>
-            <a:endParaRPr sz="1800" b="0" i="0" u="none" strike="noStrike" cap="none">
+            <a:ln w="25400" cap="flat" cmpd="sng">
               <a:solidFill>
-                <a:schemeClr val="lt1"/>
+                <a:srgbClr val="050913"/>
               </a:solidFill>
-              <a:latin typeface="Arial"/>
-              <a:ea typeface="Arial"/>
-              <a:cs typeface="Arial"/>
-              <a:sym typeface="Arial"/>
-            </a:endParaRPr>
-          </a:p>
-        </p:txBody>
-      </p:sp>
-      <p:pic>
-        <p:nvPicPr>
-          <p:cNvPr id="469" name="Google Shape;469;p10"/>
-          <p:cNvPicPr preferRelativeResize="0"/>
-          <p:nvPr/>
-        </p:nvPicPr>
-        <p:blipFill rotWithShape="1">
-          <a:blip r:embed="rId6">
-            <a:alphaModFix/>
-          </a:blip>
-          <a:srcRect/>
-          <a:stretch/>
-        </p:blipFill>
-        <p:spPr>
-          <a:xfrm>
-            <a:off x="5835172" y="1356238"/>
-            <a:ext cx="610812" cy="610812"/>
-          </a:xfrm>
-          <a:prstGeom prst="rect">
-            <a:avLst/>
-          </a:prstGeom>
-          <a:noFill/>
-          <a:ln>
+              <a:prstDash val="solid"/>
+              <a:round/>
+              <a:headEnd type="none" w="sm" len="sm"/>
+              <a:tailEnd type="none" w="sm" len="sm"/>
+            </a:ln>
+          </p:spPr>
+          <p:txBody>
+            <a:bodyPr spcFirstLastPara="1" wrap="square" lIns="91425" tIns="45700" rIns="91425" bIns="45700" anchor="ctr" anchorCtr="0">
+              <a:noAutofit/>
+            </a:bodyPr>
+            <a:lstStyle/>
+            <a:p>
+              <a:pPr marL="0" marR="0" lvl="0" indent="0" algn="ctr" rtl="0">
+                <a:spcBef>
+                  <a:spcPts val="0"/>
+                </a:spcBef>
+                <a:spcAft>
+                  <a:spcPts val="0"/>
+                </a:spcAft>
+                <a:buNone/>
+              </a:pPr>
+              <a:endParaRPr sz="1800" b="0" i="0" u="none" strike="noStrike" cap="none">
+                <a:solidFill>
+                  <a:schemeClr val="lt1"/>
+                </a:solidFill>
+                <a:latin typeface="Arial"/>
+                <a:ea typeface="Arial"/>
+                <a:cs typeface="Arial"/>
+                <a:sym typeface="Arial"/>
+              </a:endParaRPr>
+            </a:p>
+          </p:txBody>
+        </p:sp>
+        <p:pic>
+          <p:nvPicPr>
+            <p:cNvPr id="469" name="Google Shape;469;p10"/>
+            <p:cNvPicPr preferRelativeResize="0"/>
+            <p:nvPr/>
+          </p:nvPicPr>
+          <p:blipFill rotWithShape="1">
+            <a:blip r:embed="rId6">
+              <a:alphaModFix/>
+            </a:blip>
+            <a:srcRect/>
+            <a:stretch/>
+          </p:blipFill>
+          <p:spPr>
+            <a:xfrm>
+              <a:off x="3346684" y="3473005"/>
+              <a:ext cx="610812" cy="610812"/>
+            </a:xfrm>
+            <a:prstGeom prst="rect">
+              <a:avLst/>
+            </a:prstGeom>
             <a:noFill/>
-          </a:ln>
-        </p:spPr>
-      </p:pic>
+            <a:ln>
+              <a:noFill/>
+            </a:ln>
+          </p:spPr>
+        </p:pic>
+      </p:grpSp>
       <p:pic>
         <p:nvPicPr>
           <p:cNvPr id="470" name="Google Shape;470;p10"/>
@@ -9434,7 +9455,7 @@
         </p:blipFill>
         <p:spPr>
           <a:xfrm>
-            <a:off x="5628189" y="4610508"/>
+            <a:off x="8006152" y="3118493"/>
             <a:ext cx="1270000" cy="1270000"/>
           </a:xfrm>
           <a:prstGeom prst="rect">
@@ -9454,7 +9475,7 @@
         </p:nvSpPr>
         <p:spPr>
           <a:xfrm>
-            <a:off x="7547100" y="2909633"/>
+            <a:off x="5915931" y="918800"/>
             <a:ext cx="871176" cy="951352"/>
           </a:xfrm>
           <a:prstGeom prst="ellipse">
@@ -9515,7 +9536,7 @@
         </p:blipFill>
         <p:spPr>
           <a:xfrm>
-            <a:off x="7682370" y="3092609"/>
+            <a:off x="6051201" y="1101776"/>
             <a:ext cx="625287" cy="625287"/>
           </a:xfrm>
           <a:prstGeom prst="rect">
@@ -9535,7 +9556,7 @@
         </p:nvSpPr>
         <p:spPr>
           <a:xfrm>
-            <a:off x="8321151" y="3756407"/>
+            <a:off x="4807595" y="1526578"/>
             <a:ext cx="560393" cy="589024"/>
           </a:xfrm>
           <a:prstGeom prst="ellipse">
@@ -9572,7 +9593,7 @@
               <a:buNone/>
             </a:pPr>
             <a:r>
-              <a:rPr lang="en-US" sz="2400" b="0" i="0" u="none" strike="noStrike" cap="none">
+              <a:rPr lang="en-US" sz="2400" b="0" i="0" u="none" strike="noStrike" cap="none" dirty="0">
                 <a:solidFill>
                   <a:srgbClr val="1F3764"/>
                 </a:solidFill>
@@ -9583,20 +9604,20 @@
               </a:rPr>
               <a:t>1</a:t>
             </a:r>
-            <a:endParaRPr/>
+            <a:endParaRPr dirty="0"/>
           </a:p>
         </p:txBody>
       </p:sp>
       <p:sp>
         <p:nvSpPr>
-          <p:cNvPr id="475" name="Google Shape;475;p10"/>
+          <p:cNvPr id="476" name="Google Shape;476;p10"/>
           <p:cNvSpPr txBox="1"/>
           <p:nvPr/>
         </p:nvSpPr>
         <p:spPr>
           <a:xfrm>
-            <a:off x="8321151" y="4477644"/>
-            <a:ext cx="3623978" cy="646331"/>
+            <a:off x="8598129" y="4919284"/>
+            <a:ext cx="3280607" cy="923289"/>
           </a:xfrm>
           <a:prstGeom prst="rect">
             <a:avLst/>
@@ -9612,7 +9633,7 @@
           </a:bodyPr>
           <a:lstStyle/>
           <a:p>
-            <a:pPr marL="0" marR="0" lvl="0" indent="0" algn="l" rtl="0">
+            <a:pPr marL="0" marR="0" lvl="0" indent="0" rtl="0">
               <a:spcBef>
                 <a:spcPts val="0"/>
               </a:spcBef>
@@ -9622,57 +9643,7 @@
               <a:buNone/>
             </a:pPr>
             <a:r>
-              <a:rPr lang="en-US" sz="1800" b="0" i="0" u="none" strike="noStrike" cap="none">
-                <a:solidFill>
-                  <a:srgbClr val="555857"/>
-                </a:solidFill>
-                <a:latin typeface="Arial"/>
-                <a:ea typeface="Arial"/>
-                <a:cs typeface="Arial"/>
-                <a:sym typeface="Arial"/>
-              </a:rPr>
-              <a:t>Gather SDOH data in conjunction with a patient encounter.</a:t>
-            </a:r>
-            <a:endParaRPr/>
-          </a:p>
-        </p:txBody>
-      </p:sp>
-      <p:sp>
-        <p:nvSpPr>
-          <p:cNvPr id="476" name="Google Shape;476;p10"/>
-          <p:cNvSpPr txBox="1"/>
-          <p:nvPr/>
-        </p:nvSpPr>
-        <p:spPr>
-          <a:xfrm>
-            <a:off x="499143" y="4233163"/>
-            <a:ext cx="2667208" cy="1200329"/>
-          </a:xfrm>
-          <a:prstGeom prst="rect">
-            <a:avLst/>
-          </a:prstGeom>
-          <a:noFill/>
-          <a:ln>
-            <a:noFill/>
-          </a:ln>
-        </p:spPr>
-        <p:txBody>
-          <a:bodyPr spcFirstLastPara="1" wrap="square" lIns="91425" tIns="45700" rIns="91425" bIns="45700" anchor="t" anchorCtr="0">
-            <a:spAutoFit/>
-          </a:bodyPr>
-          <a:lstStyle/>
-          <a:p>
-            <a:pPr marL="0" marR="0" lvl="0" indent="0" algn="r" rtl="0">
-              <a:spcBef>
-                <a:spcPts val="0"/>
-              </a:spcBef>
-              <a:spcAft>
-                <a:spcPts val="0"/>
-              </a:spcAft>
-              <a:buNone/>
-            </a:pPr>
-            <a:r>
-              <a:rPr lang="en-US" sz="1800" b="0" i="0" u="none" strike="noStrike" cap="none">
+              <a:rPr lang="en-US" sz="1800" b="0" i="0" u="none" strike="noStrike" cap="none" dirty="0">
                 <a:solidFill>
                   <a:srgbClr val="555857"/>
                 </a:solidFill>
@@ -9683,7 +9654,7 @@
               </a:rPr>
               <a:t>Document and track SDOH related interventions to completion. </a:t>
             </a:r>
-            <a:endParaRPr/>
+            <a:endParaRPr dirty="0"/>
           </a:p>
         </p:txBody>
       </p:sp>
@@ -9695,7 +9666,7 @@
         </p:nvSpPr>
         <p:spPr>
           <a:xfrm>
-            <a:off x="3294598" y="4257954"/>
+            <a:off x="7946357" y="5086416"/>
             <a:ext cx="560393" cy="589024"/>
           </a:xfrm>
           <a:prstGeom prst="ellipse">
@@ -9732,7 +9703,7 @@
               <a:buNone/>
             </a:pPr>
             <a:r>
-              <a:rPr lang="en-US" sz="2400" b="0" i="0" u="none" strike="noStrike" cap="none">
+              <a:rPr lang="en-US" sz="2400" b="0" i="0" u="none" strike="noStrike" cap="none" dirty="0">
                 <a:solidFill>
                   <a:srgbClr val="1F3764"/>
                 </a:solidFill>
@@ -9743,7 +9714,7 @@
               </a:rPr>
               <a:t>2</a:t>
             </a:r>
-            <a:endParaRPr/>
+            <a:endParaRPr dirty="0"/>
           </a:p>
         </p:txBody>
       </p:sp>
@@ -9755,7 +9726,7 @@
         </p:nvSpPr>
         <p:spPr>
           <a:xfrm>
-            <a:off x="1424881" y="1136123"/>
+            <a:off x="1140087" y="4919243"/>
             <a:ext cx="2667208" cy="923330"/>
           </a:xfrm>
           <a:prstGeom prst="rect">
@@ -9782,7 +9753,7 @@
               <a:buNone/>
             </a:pPr>
             <a:r>
-              <a:rPr lang="en-US" sz="1800" b="0" i="0" u="none" strike="noStrike" cap="none">
+              <a:rPr lang="en-US" sz="1800" b="0" i="0" u="none" strike="noStrike" cap="none" dirty="0">
                 <a:solidFill>
                   <a:srgbClr val="555857"/>
                 </a:solidFill>
@@ -9793,7 +9764,7 @@
               </a:rPr>
               <a:t>Gather and aggregate SDOH data for uses beyond point of care.</a:t>
             </a:r>
-            <a:endParaRPr/>
+            <a:endParaRPr dirty="0"/>
           </a:p>
         </p:txBody>
       </p:sp>
@@ -9805,7 +9776,7 @@
         </p:nvSpPr>
         <p:spPr>
           <a:xfrm>
-            <a:off x="4220336" y="1160914"/>
+            <a:off x="4151300" y="5049446"/>
             <a:ext cx="560393" cy="589024"/>
           </a:xfrm>
           <a:prstGeom prst="ellipse">
@@ -9842,7 +9813,7 @@
               <a:buNone/>
             </a:pPr>
             <a:r>
-              <a:rPr lang="en-US" sz="2400" b="0" i="0" u="none" strike="noStrike" cap="none">
+              <a:rPr lang="en-US" sz="2400" b="0" i="0" u="none" strike="noStrike" cap="none" dirty="0">
                 <a:solidFill>
                   <a:srgbClr val="1F3764"/>
                 </a:solidFill>
@@ -9853,109 +9824,7 @@
               </a:rPr>
               <a:t>3</a:t>
             </a:r>
-            <a:endParaRPr/>
-          </a:p>
-        </p:txBody>
-      </p:sp>
-      <p:sp>
-        <p:nvSpPr>
-          <p:cNvPr id="480" name="Google Shape;480;p10"/>
-          <p:cNvSpPr txBox="1"/>
-          <p:nvPr/>
-        </p:nvSpPr>
-        <p:spPr>
-          <a:xfrm>
-            <a:off x="8708707" y="1160807"/>
-            <a:ext cx="2848865" cy="1477328"/>
-          </a:xfrm>
-          <a:prstGeom prst="rect">
-            <a:avLst/>
-          </a:prstGeom>
-          <a:noFill/>
-          <a:ln>
-            <a:noFill/>
-          </a:ln>
-        </p:spPr>
-        <p:txBody>
-          <a:bodyPr spcFirstLastPara="1" wrap="square" lIns="91425" tIns="45700" rIns="91425" bIns="45700" anchor="t" anchorCtr="0">
-            <a:spAutoFit/>
-          </a:bodyPr>
-          <a:lstStyle/>
-          <a:p>
-            <a:pPr marL="0" marR="0" lvl="0" indent="0" algn="l" rtl="0">
-              <a:spcBef>
-                <a:spcPts val="0"/>
-              </a:spcBef>
-              <a:spcAft>
-                <a:spcPts val="0"/>
-              </a:spcAft>
-              <a:buNone/>
-            </a:pPr>
-            <a:r>
-              <a:rPr lang="en-US" sz="1800" b="0" i="0" u="none" strike="noStrike" cap="none">
-                <a:solidFill>
-                  <a:schemeClr val="accent1"/>
-                </a:solidFill>
-                <a:latin typeface="Arial"/>
-                <a:ea typeface="Arial"/>
-                <a:cs typeface="Arial"/>
-                <a:sym typeface="Arial"/>
-              </a:rPr>
-              <a:t>Gravity is AGNOSTIC to the systems and tools used to collect, exchange, aggregate, and analyze social care data. </a:t>
-            </a:r>
-            <a:endParaRPr/>
-          </a:p>
-        </p:txBody>
-      </p:sp>
-      <p:sp>
-        <p:nvSpPr>
-          <p:cNvPr id="481" name="Google Shape;481;p10"/>
-          <p:cNvSpPr/>
-          <p:nvPr/>
-        </p:nvSpPr>
-        <p:spPr>
-          <a:xfrm>
-            <a:off x="8412002" y="1178961"/>
-            <a:ext cx="284491" cy="307777"/>
-          </a:xfrm>
-          <a:prstGeom prst="star5">
-            <a:avLst>
-              <a:gd name="adj" fmla="val 19098"/>
-              <a:gd name="hf" fmla="val 105146"/>
-              <a:gd name="vf" fmla="val 110557"/>
-            </a:avLst>
-          </a:prstGeom>
-          <a:solidFill>
-            <a:srgbClr val="FFC000"/>
-          </a:solidFill>
-          <a:ln>
-            <a:noFill/>
-          </a:ln>
-        </p:spPr>
-        <p:txBody>
-          <a:bodyPr spcFirstLastPara="1" wrap="square" lIns="91425" tIns="45700" rIns="91425" bIns="45700" anchor="ctr" anchorCtr="0">
-            <a:noAutofit/>
-          </a:bodyPr>
-          <a:lstStyle/>
-          <a:p>
-            <a:pPr marL="0" marR="0" lvl="0" indent="0" algn="ctr" rtl="0">
-              <a:spcBef>
-                <a:spcPts val="0"/>
-              </a:spcBef>
-              <a:spcAft>
-                <a:spcPts val="0"/>
-              </a:spcAft>
-              <a:buNone/>
-            </a:pPr>
-            <a:endParaRPr sz="1800">
-              <a:solidFill>
-                <a:schemeClr val="lt1"/>
-              </a:solidFill>
-              <a:latin typeface="Arial"/>
-              <a:ea typeface="Arial"/>
-              <a:cs typeface="Arial"/>
-              <a:sym typeface="Arial"/>
-            </a:endParaRPr>
+            <a:endParaRPr dirty="0"/>
           </a:p>
         </p:txBody>
       </p:sp>
@@ -10007,6 +9876,62 @@
               <a:t>1</a:t>
             </a:fld>
             <a:endParaRPr/>
+          </a:p>
+        </p:txBody>
+      </p:sp>
+      <p:sp>
+        <p:nvSpPr>
+          <p:cNvPr id="2" name="Google Shape;478;p10">
+            <a:extLst>
+              <a:ext uri="{FF2B5EF4-FFF2-40B4-BE49-F238E27FC236}">
+                <a16:creationId xmlns:a16="http://schemas.microsoft.com/office/drawing/2014/main" id="{A28EFB0E-210E-E444-393D-296BE5EADA4D}"/>
+              </a:ext>
+            </a:extLst>
+          </p:cNvPr>
+          <p:cNvSpPr txBox="1"/>
+          <p:nvPr/>
+        </p:nvSpPr>
+        <p:spPr>
+          <a:xfrm>
+            <a:off x="1698013" y="1219530"/>
+            <a:ext cx="2667208" cy="923289"/>
+          </a:xfrm>
+          <a:prstGeom prst="rect">
+            <a:avLst/>
+          </a:prstGeom>
+          <a:noFill/>
+          <a:ln>
+            <a:noFill/>
+          </a:ln>
+        </p:spPr>
+        <p:txBody>
+          <a:bodyPr spcFirstLastPara="1" wrap="square" lIns="91425" tIns="45700" rIns="91425" bIns="45700" anchor="t" anchorCtr="0">
+            <a:spAutoFit/>
+          </a:bodyPr>
+          <a:lstStyle/>
+          <a:p>
+            <a:pPr marL="0" marR="0" lvl="0" indent="0" algn="r" rtl="0">
+              <a:spcBef>
+                <a:spcPts val="0"/>
+              </a:spcBef>
+              <a:spcAft>
+                <a:spcPts val="0"/>
+              </a:spcAft>
+              <a:buNone/>
+            </a:pPr>
+            <a:r>
+              <a:rPr lang="en-US" sz="1800" b="0" i="0" u="none" strike="noStrike" cap="none" dirty="0">
+                <a:solidFill>
+                  <a:srgbClr val="555857"/>
+                </a:solidFill>
+                <a:latin typeface="Arial"/>
+                <a:ea typeface="Arial"/>
+                <a:cs typeface="Arial"/>
+                <a:sym typeface="Arial"/>
+              </a:rPr>
+              <a:t>Gather SDOH data in conjunction with a patient encounter.</a:t>
+            </a:r>
+            <a:endParaRPr dirty="0"/>
           </a:p>
         </p:txBody>
       </p:sp>
@@ -10090,7 +10015,9 @@
           <a:noFill/>
           <a:ln w="152400" cap="flat" cmpd="sng">
             <a:solidFill>
-              <a:srgbClr val="DCDDF2"/>
+              <a:schemeClr val="tx2">
+                <a:lumMod val="90000"/>
+              </a:schemeClr>
             </a:solidFill>
             <a:prstDash val="solid"/>
             <a:round/>
@@ -10180,7 +10107,9 @@
           <a:noFill/>
           <a:ln w="152400" cap="flat" cmpd="sng">
             <a:solidFill>
-              <a:srgbClr val="DCDDF2"/>
+              <a:schemeClr val="tx2">
+                <a:lumMod val="90000"/>
+              </a:schemeClr>
             </a:solidFill>
             <a:prstDash val="solid"/>
             <a:round/>
@@ -11147,454 +11076,14 @@
       </p:sp>
       <p:sp>
         <p:nvSpPr>
-          <p:cNvPr id="504" name="Google Shape;504;p11"/>
-          <p:cNvSpPr/>
-          <p:nvPr/>
-        </p:nvSpPr>
-        <p:spPr>
-          <a:xfrm>
-            <a:off x="3390634" y="3937726"/>
-            <a:ext cx="68661" cy="68661"/>
-          </a:xfrm>
-          <a:prstGeom prst="ellipse">
-            <a:avLst/>
-          </a:prstGeom>
-          <a:solidFill>
-            <a:schemeClr val="lt1"/>
-          </a:solidFill>
-          <a:ln>
-            <a:noFill/>
-          </a:ln>
-          <a:effectLst>
-            <a:outerShdw blurRad="76200" dist="88900" dir="6420000" sx="90000" sy="90000" kx="-1200000" algn="bl" rotWithShape="0">
-              <a:srgbClr val="000000">
-                <a:alpha val="27843"/>
-              </a:srgbClr>
-            </a:outerShdw>
-          </a:effectLst>
-        </p:spPr>
-        <p:txBody>
-          <a:bodyPr spcFirstLastPara="1" wrap="square" lIns="91425" tIns="45700" rIns="91425" bIns="45700" anchor="ctr" anchorCtr="0">
-            <a:noAutofit/>
-          </a:bodyPr>
-          <a:lstStyle/>
-          <a:p>
-            <a:pPr marL="0" marR="0" lvl="0" indent="0" algn="ctr" rtl="0">
-              <a:spcBef>
-                <a:spcPts val="0"/>
-              </a:spcBef>
-              <a:spcAft>
-                <a:spcPts val="0"/>
-              </a:spcAft>
-              <a:buNone/>
-            </a:pPr>
-            <a:endParaRPr sz="1350">
-              <a:solidFill>
-                <a:schemeClr val="lt1"/>
-              </a:solidFill>
-              <a:latin typeface="Arial"/>
-              <a:ea typeface="Arial"/>
-              <a:cs typeface="Arial"/>
-              <a:sym typeface="Arial"/>
-            </a:endParaRPr>
-          </a:p>
-        </p:txBody>
-      </p:sp>
-      <p:sp>
-        <p:nvSpPr>
-          <p:cNvPr id="505" name="Google Shape;505;p11"/>
-          <p:cNvSpPr/>
-          <p:nvPr/>
-        </p:nvSpPr>
-        <p:spPr>
-          <a:xfrm>
-            <a:off x="3390634" y="2718208"/>
-            <a:ext cx="68661" cy="68661"/>
-          </a:xfrm>
-          <a:prstGeom prst="ellipse">
-            <a:avLst/>
-          </a:prstGeom>
-          <a:solidFill>
-            <a:schemeClr val="lt1"/>
-          </a:solidFill>
-          <a:ln>
-            <a:noFill/>
-          </a:ln>
-          <a:effectLst>
-            <a:outerShdw blurRad="76200" dist="88900" dir="6420000" sx="90000" sy="90000" kx="-1200000" algn="bl" rotWithShape="0">
-              <a:srgbClr val="000000">
-                <a:alpha val="27843"/>
-              </a:srgbClr>
-            </a:outerShdw>
-          </a:effectLst>
-        </p:spPr>
-        <p:txBody>
-          <a:bodyPr spcFirstLastPara="1" wrap="square" lIns="91425" tIns="45700" rIns="91425" bIns="45700" anchor="ctr" anchorCtr="0">
-            <a:noAutofit/>
-          </a:bodyPr>
-          <a:lstStyle/>
-          <a:p>
-            <a:pPr marL="0" marR="0" lvl="0" indent="0" algn="ctr" rtl="0">
-              <a:spcBef>
-                <a:spcPts val="0"/>
-              </a:spcBef>
-              <a:spcAft>
-                <a:spcPts val="0"/>
-              </a:spcAft>
-              <a:buNone/>
-            </a:pPr>
-            <a:endParaRPr sz="1350">
-              <a:solidFill>
-                <a:schemeClr val="lt1"/>
-              </a:solidFill>
-              <a:latin typeface="Arial"/>
-              <a:ea typeface="Arial"/>
-              <a:cs typeface="Arial"/>
-              <a:sym typeface="Arial"/>
-            </a:endParaRPr>
-          </a:p>
-        </p:txBody>
-      </p:sp>
-      <p:sp>
-        <p:nvSpPr>
-          <p:cNvPr id="506" name="Google Shape;506;p11"/>
-          <p:cNvSpPr/>
-          <p:nvPr/>
-        </p:nvSpPr>
-        <p:spPr>
-          <a:xfrm>
-            <a:off x="4533932" y="4397599"/>
-            <a:ext cx="68661" cy="68661"/>
-          </a:xfrm>
-          <a:prstGeom prst="ellipse">
-            <a:avLst/>
-          </a:prstGeom>
-          <a:solidFill>
-            <a:schemeClr val="lt1"/>
-          </a:solidFill>
-          <a:ln>
-            <a:noFill/>
-          </a:ln>
-          <a:effectLst>
-            <a:outerShdw blurRad="76200" dist="88900" dir="6420000" sx="90000" sy="90000" kx="-1200000" algn="bl" rotWithShape="0">
-              <a:srgbClr val="000000">
-                <a:alpha val="27843"/>
-              </a:srgbClr>
-            </a:outerShdw>
-          </a:effectLst>
-        </p:spPr>
-        <p:txBody>
-          <a:bodyPr spcFirstLastPara="1" wrap="square" lIns="91425" tIns="45700" rIns="91425" bIns="45700" anchor="ctr" anchorCtr="0">
-            <a:noAutofit/>
-          </a:bodyPr>
-          <a:lstStyle/>
-          <a:p>
-            <a:pPr marL="0" marR="0" lvl="0" indent="0" algn="ctr" rtl="0">
-              <a:spcBef>
-                <a:spcPts val="0"/>
-              </a:spcBef>
-              <a:spcAft>
-                <a:spcPts val="0"/>
-              </a:spcAft>
-              <a:buNone/>
-            </a:pPr>
-            <a:endParaRPr sz="1350">
-              <a:solidFill>
-                <a:schemeClr val="lt1"/>
-              </a:solidFill>
-              <a:latin typeface="Arial"/>
-              <a:ea typeface="Arial"/>
-              <a:cs typeface="Arial"/>
-              <a:sym typeface="Arial"/>
-            </a:endParaRPr>
-          </a:p>
-        </p:txBody>
-      </p:sp>
-      <p:sp>
-        <p:nvSpPr>
-          <p:cNvPr id="507" name="Google Shape;507;p11"/>
-          <p:cNvSpPr/>
-          <p:nvPr/>
-        </p:nvSpPr>
-        <p:spPr>
-          <a:xfrm>
-            <a:off x="4569414" y="2272173"/>
-            <a:ext cx="68661" cy="68661"/>
-          </a:xfrm>
-          <a:prstGeom prst="ellipse">
-            <a:avLst/>
-          </a:prstGeom>
-          <a:solidFill>
-            <a:schemeClr val="lt1"/>
-          </a:solidFill>
-          <a:ln>
-            <a:noFill/>
-          </a:ln>
-          <a:effectLst>
-            <a:outerShdw blurRad="76200" dist="88900" dir="6420000" sx="90000" sy="90000" kx="-1200000" algn="bl" rotWithShape="0">
-              <a:srgbClr val="000000">
-                <a:alpha val="27843"/>
-              </a:srgbClr>
-            </a:outerShdw>
-          </a:effectLst>
-        </p:spPr>
-        <p:txBody>
-          <a:bodyPr spcFirstLastPara="1" wrap="square" lIns="91425" tIns="45700" rIns="91425" bIns="45700" anchor="ctr" anchorCtr="0">
-            <a:noAutofit/>
-          </a:bodyPr>
-          <a:lstStyle/>
-          <a:p>
-            <a:pPr marL="0" marR="0" lvl="0" indent="0" algn="ctr" rtl="0">
-              <a:spcBef>
-                <a:spcPts val="0"/>
-              </a:spcBef>
-              <a:spcAft>
-                <a:spcPts val="0"/>
-              </a:spcAft>
-              <a:buNone/>
-            </a:pPr>
-            <a:endParaRPr sz="1350">
-              <a:solidFill>
-                <a:schemeClr val="lt1"/>
-              </a:solidFill>
-              <a:latin typeface="Arial"/>
-              <a:ea typeface="Arial"/>
-              <a:cs typeface="Arial"/>
-              <a:sym typeface="Arial"/>
-            </a:endParaRPr>
-          </a:p>
-        </p:txBody>
-      </p:sp>
-      <p:sp>
-        <p:nvSpPr>
-          <p:cNvPr id="508" name="Google Shape;508;p11"/>
-          <p:cNvSpPr/>
-          <p:nvPr/>
-        </p:nvSpPr>
-        <p:spPr>
-          <a:xfrm>
-            <a:off x="7106241" y="2272173"/>
-            <a:ext cx="68661" cy="68661"/>
-          </a:xfrm>
-          <a:prstGeom prst="ellipse">
-            <a:avLst/>
-          </a:prstGeom>
-          <a:solidFill>
-            <a:schemeClr val="lt1"/>
-          </a:solidFill>
-          <a:ln>
-            <a:noFill/>
-          </a:ln>
-          <a:effectLst>
-            <a:outerShdw blurRad="76200" dist="88900" dir="6420000" sx="90000" sy="90000" kx="-1200000" algn="bl" rotWithShape="0">
-              <a:srgbClr val="000000">
-                <a:alpha val="27843"/>
-              </a:srgbClr>
-            </a:outerShdw>
-          </a:effectLst>
-        </p:spPr>
-        <p:txBody>
-          <a:bodyPr spcFirstLastPara="1" wrap="square" lIns="91425" tIns="45700" rIns="91425" bIns="45700" anchor="ctr" anchorCtr="0">
-            <a:noAutofit/>
-          </a:bodyPr>
-          <a:lstStyle/>
-          <a:p>
-            <a:pPr marL="0" marR="0" lvl="0" indent="0" algn="ctr" rtl="0">
-              <a:spcBef>
-                <a:spcPts val="0"/>
-              </a:spcBef>
-              <a:spcAft>
-                <a:spcPts val="0"/>
-              </a:spcAft>
-              <a:buNone/>
-            </a:pPr>
-            <a:endParaRPr sz="1350">
-              <a:solidFill>
-                <a:schemeClr val="lt1"/>
-              </a:solidFill>
-              <a:latin typeface="Arial"/>
-              <a:ea typeface="Arial"/>
-              <a:cs typeface="Arial"/>
-              <a:sym typeface="Arial"/>
-            </a:endParaRPr>
-          </a:p>
-        </p:txBody>
-      </p:sp>
-      <p:sp>
-        <p:nvSpPr>
-          <p:cNvPr id="509" name="Google Shape;509;p11"/>
-          <p:cNvSpPr/>
-          <p:nvPr/>
-        </p:nvSpPr>
-        <p:spPr>
-          <a:xfrm>
-            <a:off x="7202733" y="4397599"/>
-            <a:ext cx="68661" cy="68661"/>
-          </a:xfrm>
-          <a:prstGeom prst="ellipse">
-            <a:avLst/>
-          </a:prstGeom>
-          <a:solidFill>
-            <a:schemeClr val="lt1"/>
-          </a:solidFill>
-          <a:ln>
-            <a:noFill/>
-          </a:ln>
-          <a:effectLst>
-            <a:outerShdw blurRad="76200" dist="88900" dir="6420000" sx="90000" sy="90000" kx="-1200000" algn="bl" rotWithShape="0">
-              <a:srgbClr val="000000">
-                <a:alpha val="27843"/>
-              </a:srgbClr>
-            </a:outerShdw>
-          </a:effectLst>
-        </p:spPr>
-        <p:txBody>
-          <a:bodyPr spcFirstLastPara="1" wrap="square" lIns="91425" tIns="45700" rIns="91425" bIns="45700" anchor="ctr" anchorCtr="0">
-            <a:noAutofit/>
-          </a:bodyPr>
-          <a:lstStyle/>
-          <a:p>
-            <a:pPr marL="0" marR="0" lvl="0" indent="0" algn="ctr" rtl="0">
-              <a:spcBef>
-                <a:spcPts val="0"/>
-              </a:spcBef>
-              <a:spcAft>
-                <a:spcPts val="0"/>
-              </a:spcAft>
-              <a:buNone/>
-            </a:pPr>
-            <a:endParaRPr sz="1350">
-              <a:solidFill>
-                <a:schemeClr val="lt1"/>
-              </a:solidFill>
-              <a:latin typeface="Arial"/>
-              <a:ea typeface="Arial"/>
-              <a:cs typeface="Arial"/>
-              <a:sym typeface="Arial"/>
-            </a:endParaRPr>
-          </a:p>
-        </p:txBody>
-      </p:sp>
-      <p:sp>
-        <p:nvSpPr>
-          <p:cNvPr id="510" name="Google Shape;510;p11"/>
-          <p:cNvSpPr/>
-          <p:nvPr/>
-        </p:nvSpPr>
-        <p:spPr>
-          <a:xfrm>
-            <a:off x="8304736" y="3937726"/>
-            <a:ext cx="68661" cy="68661"/>
-          </a:xfrm>
-          <a:prstGeom prst="ellipse">
-            <a:avLst/>
-          </a:prstGeom>
-          <a:solidFill>
-            <a:schemeClr val="lt1"/>
-          </a:solidFill>
-          <a:ln>
-            <a:noFill/>
-          </a:ln>
-          <a:effectLst>
-            <a:outerShdw blurRad="76200" dist="88900" dir="6420000" sx="90000" sy="90000" kx="-1200000" algn="bl" rotWithShape="0">
-              <a:srgbClr val="000000">
-                <a:alpha val="27843"/>
-              </a:srgbClr>
-            </a:outerShdw>
-          </a:effectLst>
-        </p:spPr>
-        <p:txBody>
-          <a:bodyPr spcFirstLastPara="1" wrap="square" lIns="91425" tIns="45700" rIns="91425" bIns="45700" anchor="ctr" anchorCtr="0">
-            <a:noAutofit/>
-          </a:bodyPr>
-          <a:lstStyle/>
-          <a:p>
-            <a:pPr marL="0" marR="0" lvl="0" indent="0" algn="ctr" rtl="0">
-              <a:spcBef>
-                <a:spcPts val="0"/>
-              </a:spcBef>
-              <a:spcAft>
-                <a:spcPts val="0"/>
-              </a:spcAft>
-              <a:buNone/>
-            </a:pPr>
-            <a:endParaRPr sz="1350">
-              <a:solidFill>
-                <a:schemeClr val="lt1"/>
-              </a:solidFill>
-              <a:latin typeface="Arial"/>
-              <a:ea typeface="Arial"/>
-              <a:cs typeface="Arial"/>
-              <a:sym typeface="Arial"/>
-            </a:endParaRPr>
-          </a:p>
-        </p:txBody>
-      </p:sp>
-      <p:sp>
-        <p:nvSpPr>
-          <p:cNvPr id="511" name="Google Shape;511;p11"/>
-          <p:cNvSpPr/>
-          <p:nvPr/>
-        </p:nvSpPr>
-        <p:spPr>
-          <a:xfrm>
-            <a:off x="8298500" y="2718208"/>
-            <a:ext cx="68661" cy="68661"/>
-          </a:xfrm>
-          <a:prstGeom prst="ellipse">
-            <a:avLst/>
-          </a:prstGeom>
-          <a:solidFill>
-            <a:schemeClr val="lt1"/>
-          </a:solidFill>
-          <a:ln>
-            <a:noFill/>
-          </a:ln>
-          <a:effectLst>
-            <a:outerShdw blurRad="76200" dist="88900" dir="6420000" sx="90000" sy="90000" kx="-1200000" algn="bl" rotWithShape="0">
-              <a:srgbClr val="000000">
-                <a:alpha val="27843"/>
-              </a:srgbClr>
-            </a:outerShdw>
-          </a:effectLst>
-        </p:spPr>
-        <p:txBody>
-          <a:bodyPr spcFirstLastPara="1" wrap="square" lIns="91425" tIns="45700" rIns="91425" bIns="45700" anchor="ctr" anchorCtr="0">
-            <a:noAutofit/>
-          </a:bodyPr>
-          <a:lstStyle/>
-          <a:p>
-            <a:pPr marL="0" marR="0" lvl="0" indent="0" algn="ctr" rtl="0">
-              <a:spcBef>
-                <a:spcPts val="0"/>
-              </a:spcBef>
-              <a:spcAft>
-                <a:spcPts val="0"/>
-              </a:spcAft>
-              <a:buNone/>
-            </a:pPr>
-            <a:endParaRPr sz="1350">
-              <a:solidFill>
-                <a:schemeClr val="lt1"/>
-              </a:solidFill>
-              <a:latin typeface="Arial"/>
-              <a:ea typeface="Arial"/>
-              <a:cs typeface="Arial"/>
-              <a:sym typeface="Arial"/>
-            </a:endParaRPr>
-          </a:p>
-        </p:txBody>
-      </p:sp>
-      <p:sp>
-        <p:nvSpPr>
           <p:cNvPr id="512" name="Google Shape;512;p11"/>
           <p:cNvSpPr/>
           <p:nvPr/>
         </p:nvSpPr>
         <p:spPr>
           <a:xfrm>
-            <a:off x="6628387" y="2928271"/>
-            <a:ext cx="1595324" cy="467051"/>
+            <a:off x="6628386" y="2928271"/>
+            <a:ext cx="1670113" cy="904823"/>
           </a:xfrm>
           <a:prstGeom prst="rect">
             <a:avLst/>
@@ -11623,7 +11112,7 @@
               <a:buNone/>
             </a:pPr>
             <a:r>
-              <a:rPr lang="en-US" sz="2400">
+              <a:rPr lang="en-US" sz="2400" dirty="0">
                 <a:solidFill>
                   <a:schemeClr val="accent1"/>
                 </a:solidFill>
@@ -11632,9 +11121,32 @@
                 <a:cs typeface="Arial"/>
                 <a:sym typeface="Arial"/>
               </a:rPr>
-              <a:t>Technical</a:t>
+              <a:t>Technical </a:t>
             </a:r>
-            <a:endParaRPr sz="1800">
+            <a:br>
+              <a:rPr lang="en-US" sz="2400" dirty="0">
+                <a:solidFill>
+                  <a:schemeClr val="accent1"/>
+                </a:solidFill>
+                <a:latin typeface="Arial"/>
+                <a:ea typeface="Arial"/>
+                <a:cs typeface="Arial"/>
+                <a:sym typeface="Arial"/>
+              </a:rPr>
+            </a:br>
+            <a:r>
+              <a:rPr lang="en-US" sz="2400" dirty="0">
+                <a:solidFill>
+                  <a:schemeClr val="accent1"/>
+                </a:solidFill>
+                <a:latin typeface="Arial"/>
+                <a:ea typeface="Arial"/>
+                <a:cs typeface="Arial"/>
+                <a:sym typeface="Arial"/>
+              </a:rPr>
+              <a:t>Workstream</a:t>
+            </a:r>
+            <a:endParaRPr sz="1800" dirty="0">
               <a:solidFill>
                 <a:schemeClr val="accent1"/>
               </a:solidFill>
@@ -11655,7 +11167,7 @@
         <p:spPr>
           <a:xfrm>
             <a:off x="3230992" y="2894544"/>
-            <a:ext cx="2228197" cy="847091"/>
+            <a:ext cx="2228197" cy="972534"/>
           </a:xfrm>
           <a:prstGeom prst="rect">
             <a:avLst/>
@@ -11684,7 +11196,7 @@
               <a:buNone/>
             </a:pPr>
             <a:r>
-              <a:rPr lang="en-US" sz="2400">
+              <a:rPr lang="en-US" sz="2400" dirty="0">
                 <a:solidFill>
                   <a:schemeClr val="accent1"/>
                 </a:solidFill>
@@ -11696,7 +11208,7 @@
               <a:t>Terminology</a:t>
             </a:r>
             <a:r>
-              <a:rPr lang="en-US" sz="2800">
+              <a:rPr lang="en-US" sz="2800" dirty="0">
                 <a:solidFill>
                   <a:schemeClr val="accent1"/>
                 </a:solidFill>
@@ -11708,7 +11220,7 @@
               <a:t> </a:t>
             </a:r>
             <a:r>
-              <a:rPr lang="en-US" sz="1800">
+              <a:rPr lang="en-US" sz="2400" dirty="0">
                 <a:solidFill>
                   <a:schemeClr val="accent1"/>
                 </a:solidFill>
@@ -11717,9 +11229,9 @@
                 <a:cs typeface="Arial"/>
                 <a:sym typeface="Arial"/>
               </a:rPr>
-              <a:t>(SDOH Domains)</a:t>
+              <a:t>Workstream</a:t>
             </a:r>
-            <a:endParaRPr/>
+            <a:endParaRPr dirty="0"/>
           </a:p>
         </p:txBody>
       </p:sp>
@@ -12178,13 +11690,13 @@
       </p:sp>
       <p:sp>
         <p:nvSpPr>
-          <p:cNvPr id="523" name="Google Shape;523;p11"/>
+          <p:cNvPr id="528" name="Google Shape;528;p11"/>
           <p:cNvSpPr/>
           <p:nvPr/>
         </p:nvSpPr>
         <p:spPr>
           <a:xfrm>
-            <a:off x="4353422" y="4272757"/>
+            <a:off x="4145222" y="2413258"/>
             <a:ext cx="350683" cy="348551"/>
           </a:xfrm>
           <a:prstGeom prst="ellipse">
@@ -12222,7 +11734,7 @@
                 <a:cs typeface="Arial"/>
                 <a:sym typeface="Arial"/>
               </a:rPr>
-              <a:t>4</a:t>
+              <a:t>1</a:t>
             </a:r>
             <a:endParaRPr/>
           </a:p>
@@ -12230,13 +11742,13 @@
       </p:sp>
       <p:sp>
         <p:nvSpPr>
-          <p:cNvPr id="524" name="Google Shape;524;p11"/>
+          <p:cNvPr id="529" name="Google Shape;529;p11"/>
           <p:cNvSpPr/>
           <p:nvPr/>
         </p:nvSpPr>
         <p:spPr>
           <a:xfrm>
-            <a:off x="3302788" y="3831676"/>
+            <a:off x="7224535" y="2422500"/>
             <a:ext cx="350683" cy="348551"/>
           </a:xfrm>
           <a:prstGeom prst="ellipse">
@@ -12274,266 +11786,6 @@
                 <a:cs typeface="Arial"/>
                 <a:sym typeface="Arial"/>
               </a:rPr>
-              <a:t>1</a:t>
-            </a:r>
-            <a:endParaRPr/>
-          </a:p>
-        </p:txBody>
-      </p:sp>
-      <p:sp>
-        <p:nvSpPr>
-          <p:cNvPr id="525" name="Google Shape;525;p11"/>
-          <p:cNvSpPr/>
-          <p:nvPr/>
-        </p:nvSpPr>
-        <p:spPr>
-          <a:xfrm>
-            <a:off x="3302788" y="2555326"/>
-            <a:ext cx="350683" cy="348551"/>
-          </a:xfrm>
-          <a:prstGeom prst="ellipse">
-            <a:avLst/>
-          </a:prstGeom>
-          <a:solidFill>
-            <a:schemeClr val="accent1"/>
-          </a:solidFill>
-          <a:ln>
-            <a:noFill/>
-          </a:ln>
-        </p:spPr>
-        <p:txBody>
-          <a:bodyPr spcFirstLastPara="1" wrap="square" lIns="91425" tIns="45700" rIns="91425" bIns="45700" anchor="ctr" anchorCtr="0">
-            <a:noAutofit/>
-          </a:bodyPr>
-          <a:lstStyle/>
-          <a:p>
-            <a:pPr marL="0" marR="0" lvl="0" indent="0" algn="ctr" rtl="0">
-              <a:spcBef>
-                <a:spcPts val="0"/>
-              </a:spcBef>
-              <a:spcAft>
-                <a:spcPts val="0"/>
-              </a:spcAft>
-              <a:buNone/>
-            </a:pPr>
-            <a:r>
-              <a:rPr lang="en-US" sz="1400">
-                <a:solidFill>
-                  <a:schemeClr val="lt1"/>
-                </a:solidFill>
-                <a:latin typeface="Arial"/>
-                <a:ea typeface="Arial"/>
-                <a:cs typeface="Arial"/>
-                <a:sym typeface="Arial"/>
-              </a:rPr>
-              <a:t>2</a:t>
-            </a:r>
-            <a:endParaRPr/>
-          </a:p>
-        </p:txBody>
-      </p:sp>
-      <p:sp>
-        <p:nvSpPr>
-          <p:cNvPr id="526" name="Google Shape;526;p11"/>
-          <p:cNvSpPr/>
-          <p:nvPr/>
-        </p:nvSpPr>
-        <p:spPr>
-          <a:xfrm>
-            <a:off x="4438144" y="2153466"/>
-            <a:ext cx="350683" cy="348551"/>
-          </a:xfrm>
-          <a:prstGeom prst="ellipse">
-            <a:avLst/>
-          </a:prstGeom>
-          <a:solidFill>
-            <a:schemeClr val="accent1"/>
-          </a:solidFill>
-          <a:ln>
-            <a:noFill/>
-          </a:ln>
-        </p:spPr>
-        <p:txBody>
-          <a:bodyPr spcFirstLastPara="1" wrap="square" lIns="91425" tIns="45700" rIns="91425" bIns="45700" anchor="ctr" anchorCtr="0">
-            <a:noAutofit/>
-          </a:bodyPr>
-          <a:lstStyle/>
-          <a:p>
-            <a:pPr marL="0" marR="0" lvl="0" indent="0" algn="ctr" rtl="0">
-              <a:spcBef>
-                <a:spcPts val="0"/>
-              </a:spcBef>
-              <a:spcAft>
-                <a:spcPts val="0"/>
-              </a:spcAft>
-              <a:buNone/>
-            </a:pPr>
-            <a:r>
-              <a:rPr lang="en-US" sz="1400">
-                <a:solidFill>
-                  <a:schemeClr val="lt1"/>
-                </a:solidFill>
-                <a:latin typeface="Arial"/>
-                <a:ea typeface="Arial"/>
-                <a:cs typeface="Arial"/>
-                <a:sym typeface="Arial"/>
-              </a:rPr>
-              <a:t>3</a:t>
-            </a:r>
-            <a:endParaRPr/>
-          </a:p>
-        </p:txBody>
-      </p:sp>
-      <p:sp>
-        <p:nvSpPr>
-          <p:cNvPr id="527" name="Google Shape;527;p11"/>
-          <p:cNvSpPr/>
-          <p:nvPr/>
-        </p:nvSpPr>
-        <p:spPr>
-          <a:xfrm>
-            <a:off x="7113862" y="4305468"/>
-            <a:ext cx="350683" cy="348551"/>
-          </a:xfrm>
-          <a:prstGeom prst="ellipse">
-            <a:avLst/>
-          </a:prstGeom>
-          <a:solidFill>
-            <a:schemeClr val="accent1"/>
-          </a:solidFill>
-          <a:ln>
-            <a:noFill/>
-          </a:ln>
-        </p:spPr>
-        <p:txBody>
-          <a:bodyPr spcFirstLastPara="1" wrap="square" lIns="91425" tIns="45700" rIns="91425" bIns="45700" anchor="ctr" anchorCtr="0">
-            <a:noAutofit/>
-          </a:bodyPr>
-          <a:lstStyle/>
-          <a:p>
-            <a:pPr marL="0" marR="0" lvl="0" indent="0" algn="ctr" rtl="0">
-              <a:spcBef>
-                <a:spcPts val="0"/>
-              </a:spcBef>
-              <a:spcAft>
-                <a:spcPts val="0"/>
-              </a:spcAft>
-              <a:buNone/>
-            </a:pPr>
-            <a:r>
-              <a:rPr lang="en-US" sz="1400">
-                <a:solidFill>
-                  <a:schemeClr val="lt1"/>
-                </a:solidFill>
-                <a:latin typeface="Arial"/>
-                <a:ea typeface="Arial"/>
-                <a:cs typeface="Arial"/>
-                <a:sym typeface="Arial"/>
-              </a:rPr>
-              <a:t>4</a:t>
-            </a:r>
-            <a:endParaRPr/>
-          </a:p>
-        </p:txBody>
-      </p:sp>
-      <p:sp>
-        <p:nvSpPr>
-          <p:cNvPr id="528" name="Google Shape;528;p11"/>
-          <p:cNvSpPr/>
-          <p:nvPr/>
-        </p:nvSpPr>
-        <p:spPr>
-          <a:xfrm>
-            <a:off x="8165193" y="3865349"/>
-            <a:ext cx="350683" cy="348551"/>
-          </a:xfrm>
-          <a:prstGeom prst="ellipse">
-            <a:avLst/>
-          </a:prstGeom>
-          <a:solidFill>
-            <a:schemeClr val="accent1"/>
-          </a:solidFill>
-          <a:ln>
-            <a:noFill/>
-          </a:ln>
-        </p:spPr>
-        <p:txBody>
-          <a:bodyPr spcFirstLastPara="1" wrap="square" lIns="91425" tIns="45700" rIns="91425" bIns="45700" anchor="ctr" anchorCtr="0">
-            <a:noAutofit/>
-          </a:bodyPr>
-          <a:lstStyle/>
-          <a:p>
-            <a:pPr marL="0" marR="0" lvl="0" indent="0" algn="ctr" rtl="0">
-              <a:spcBef>
-                <a:spcPts val="0"/>
-              </a:spcBef>
-              <a:spcAft>
-                <a:spcPts val="0"/>
-              </a:spcAft>
-              <a:buNone/>
-            </a:pPr>
-            <a:r>
-              <a:rPr lang="en-US" sz="1400">
-                <a:solidFill>
-                  <a:schemeClr val="lt1"/>
-                </a:solidFill>
-                <a:latin typeface="Arial"/>
-                <a:ea typeface="Arial"/>
-                <a:cs typeface="Arial"/>
-                <a:sym typeface="Arial"/>
-              </a:rPr>
-              <a:t>1</a:t>
-            </a:r>
-            <a:endParaRPr/>
-          </a:p>
-        </p:txBody>
-      </p:sp>
-      <p:sp>
-        <p:nvSpPr>
-          <p:cNvPr id="529" name="Google Shape;529;p11"/>
-          <p:cNvSpPr/>
-          <p:nvPr/>
-        </p:nvSpPr>
-        <p:spPr>
-          <a:xfrm>
-            <a:off x="8165193" y="2631006"/>
-            <a:ext cx="350683" cy="348551"/>
-          </a:xfrm>
-          <a:prstGeom prst="ellipse">
-            <a:avLst/>
-          </a:prstGeom>
-          <a:solidFill>
-            <a:schemeClr val="accent1"/>
-          </a:solidFill>
-          <a:ln>
-            <a:noFill/>
-          </a:ln>
-        </p:spPr>
-        <p:txBody>
-          <a:bodyPr spcFirstLastPara="1" wrap="square" lIns="91425" tIns="45700" rIns="91425" bIns="45700" anchor="ctr" anchorCtr="0">
-            <a:noAutofit/>
-          </a:bodyPr>
-          <a:lstStyle/>
-          <a:p>
-            <a:pPr marL="0" marR="0" lvl="0" indent="0" algn="ctr" rtl="0">
-              <a:spcBef>
-                <a:spcPts val="0"/>
-              </a:spcBef>
-              <a:spcAft>
-                <a:spcPts val="0"/>
-              </a:spcAft>
-              <a:buNone/>
-            </a:pPr>
-            <a:r>
-              <a:rPr lang="en-US" sz="1400">
-                <a:solidFill>
-                  <a:schemeClr val="lt1"/>
-                </a:solidFill>
-                <a:latin typeface="Arial"/>
-                <a:ea typeface="Arial"/>
-                <a:cs typeface="Arial"/>
-                <a:sym typeface="Arial"/>
-              </a:rPr>
               <a:t>2</a:t>
             </a:r>
             <a:endParaRPr/>
@@ -12548,7 +11800,7 @@
         </p:nvSpPr>
         <p:spPr>
           <a:xfrm>
-            <a:off x="6997450" y="2153466"/>
+            <a:off x="7703085" y="5892360"/>
             <a:ext cx="350683" cy="348551"/>
           </a:xfrm>
           <a:prstGeom prst="ellipse">
@@ -12651,19 +11903,21 @@
         </p:nvSpPr>
         <p:spPr>
           <a:xfrm>
-            <a:off x="2718179" y="5762598"/>
-            <a:ext cx="6755642" cy="384187"/>
+            <a:off x="2718178" y="5762598"/>
+            <a:ext cx="6836129" cy="608077"/>
           </a:xfrm>
           <a:prstGeom prst="roundRect">
             <a:avLst>
               <a:gd name="adj" fmla="val 100000"/>
             </a:avLst>
           </a:prstGeom>
-          <a:solidFill>
-            <a:srgbClr val="C95725"/>
-          </a:solidFill>
-          <a:ln>
-            <a:noFill/>
+          <a:noFill/>
+          <a:ln w="117475">
+            <a:solidFill>
+              <a:schemeClr val="tx2">
+                <a:lumMod val="90000"/>
+              </a:schemeClr>
+            </a:solidFill>
           </a:ln>
         </p:spPr>
         <p:txBody>
@@ -12674,7 +11928,7 @@
           <a:p>
             <a:pPr marL="0" marR="0" lvl="0" indent="0" algn="ctr" rtl="0">
               <a:lnSpc>
-                <a:spcPct val="100000"/>
+                <a:spcPct val="110000"/>
               </a:lnSpc>
               <a:spcBef>
                 <a:spcPts val="0"/>
@@ -12682,21 +11936,28 @@
               <a:spcAft>
                 <a:spcPts val="0"/>
               </a:spcAft>
-              <a:buClr>
-                <a:schemeClr val="dk1"/>
-              </a:buClr>
-              <a:buSzPts val="1000"/>
-              <a:buFont typeface="Arial"/>
               <a:buNone/>
             </a:pPr>
-            <a:endParaRPr sz="1000" b="1" i="0" u="none" strike="noStrike" cap="none">
+            <a:r>
+              <a:rPr lang="en-US" sz="2400" dirty="0">
+                <a:solidFill>
+                  <a:schemeClr val="accent1"/>
+                </a:solidFill>
+                <a:latin typeface="Arial"/>
+                <a:ea typeface="Arial"/>
+                <a:cs typeface="Arial"/>
+                <a:sym typeface="Arial"/>
+              </a:rPr>
+              <a:t>Technical Workstream</a:t>
+            </a:r>
+            <a:endParaRPr lang="en-US" sz="1800" dirty="0">
               <a:solidFill>
-                <a:srgbClr val="FFFFFF"/>
+                <a:schemeClr val="accent1"/>
               </a:solidFill>
-              <a:latin typeface="Calibri"/>
-              <a:ea typeface="Calibri"/>
-              <a:cs typeface="Calibri"/>
-              <a:sym typeface="Calibri"/>
+              <a:latin typeface="Arial"/>
+              <a:ea typeface="Arial"/>
+              <a:cs typeface="Arial"/>
+              <a:sym typeface="Arial"/>
             </a:endParaRPr>
           </a:p>
         </p:txBody>
@@ -12709,7 +11970,7 @@
         </p:nvSpPr>
         <p:spPr>
           <a:xfrm>
-            <a:off x="2847832" y="5778291"/>
+            <a:off x="6522935" y="6514570"/>
             <a:ext cx="6496335" cy="369332"/>
           </a:xfrm>
           <a:prstGeom prst="rect">
@@ -12769,7 +12030,9 @@
             </a:avLst>
           </a:prstGeom>
           <a:solidFill>
-            <a:srgbClr val="C43A28"/>
+            <a:schemeClr val="tx2">
+              <a:lumMod val="50000"/>
+            </a:schemeClr>
           </a:solidFill>
           <a:ln>
             <a:noFill/>
@@ -12820,7 +12083,9 @@
             </a:avLst>
           </a:prstGeom>
           <a:solidFill>
-            <a:srgbClr val="C43A28"/>
+            <a:schemeClr val="tx2">
+              <a:lumMod val="50000"/>
+            </a:schemeClr>
           </a:solidFill>
           <a:ln>
             <a:noFill/>
@@ -12868,7 +12133,7 @@
         </p:blipFill>
         <p:spPr>
           <a:xfrm>
-            <a:off x="6846097" y="3411015"/>
+            <a:off x="6799094" y="3727541"/>
             <a:ext cx="1156891" cy="410589"/>
           </a:xfrm>
           <a:prstGeom prst="rect">

--- a/Images Source/GravitySlides.pptx
+++ b/Images Source/GravitySlides.pptx
@@ -11273,7 +11273,7 @@
               <a:buNone/>
             </a:pPr>
             <a:r>
-              <a:rPr lang="en-US" sz="1200">
+              <a:rPr lang="en-US" sz="1200" dirty="0">
                 <a:solidFill>
                   <a:schemeClr val="dk1"/>
                 </a:solidFill>
@@ -11284,7 +11284,7 @@
               </a:rPr>
               <a:t>CODED VALUE SETS</a:t>
             </a:r>
-            <a:endParaRPr/>
+            <a:endParaRPr dirty="0"/>
           </a:p>
         </p:txBody>
       </p:sp>
@@ -11373,7 +11373,7 @@
               <a:buNone/>
             </a:pPr>
             <a:r>
-              <a:rPr lang="en-US" sz="1800">
+              <a:rPr lang="en-US" sz="1800" dirty="0">
                 <a:solidFill>
                   <a:schemeClr val="accent6"/>
                 </a:solidFill>
@@ -11384,7 +11384,7 @@
               </a:rPr>
               <a:t>Publication in NLM VSAC &amp; ONC ISA</a:t>
             </a:r>
-            <a:endParaRPr/>
+            <a:endParaRPr dirty="0"/>
           </a:p>
         </p:txBody>
       </p:sp>
@@ -11423,7 +11423,7 @@
               <a:buNone/>
             </a:pPr>
             <a:r>
-              <a:rPr lang="en-US" sz="1800">
+              <a:rPr lang="en-US" sz="1800" dirty="0">
                 <a:solidFill>
                   <a:schemeClr val="dk1"/>
                 </a:solidFill>
@@ -11434,7 +11434,7 @@
               </a:rPr>
               <a:t>Community &amp; FHIR Coordination </a:t>
             </a:r>
-            <a:endParaRPr/>
+            <a:endParaRPr dirty="0"/>
           </a:p>
         </p:txBody>
       </p:sp>
@@ -11800,7 +11800,7 @@
         </p:nvSpPr>
         <p:spPr>
           <a:xfrm>
-            <a:off x="7703085" y="5892360"/>
+            <a:off x="7991265" y="5917173"/>
             <a:ext cx="350683" cy="348551"/>
           </a:xfrm>
           <a:prstGeom prst="ellipse">
@@ -11829,7 +11829,7 @@
               <a:buNone/>
             </a:pPr>
             <a:r>
-              <a:rPr lang="en-US" sz="1400">
+              <a:rPr lang="en-US" sz="1400" dirty="0">
                 <a:solidFill>
                   <a:schemeClr val="lt1"/>
                 </a:solidFill>
@@ -11840,7 +11840,7 @@
               </a:rPr>
               <a:t>3</a:t>
             </a:r>
-            <a:endParaRPr/>
+            <a:endParaRPr dirty="0"/>
           </a:p>
         </p:txBody>
       </p:sp>
@@ -11903,8 +11903,8 @@
         </p:nvSpPr>
         <p:spPr>
           <a:xfrm>
-            <a:off x="2718178" y="5762598"/>
-            <a:ext cx="6836129" cy="608077"/>
+            <a:off x="3506610" y="5797755"/>
+            <a:ext cx="5015136" cy="608077"/>
           </a:xfrm>
           <a:prstGeom prst="roundRect">
             <a:avLst>
@@ -11948,7 +11948,7 @@
                 <a:cs typeface="Arial"/>
                 <a:sym typeface="Arial"/>
               </a:rPr>
-              <a:t>Technical Workstream</a:t>
+              <a:t>Pilot Workstream</a:t>
             </a:r>
             <a:endParaRPr lang="en-US" sz="1800" dirty="0">
               <a:solidFill>
@@ -12020,7 +12020,7 @@
         </p:nvSpPr>
         <p:spPr>
           <a:xfrm>
-            <a:off x="4265751" y="5467184"/>
+            <a:off x="4257419" y="5428481"/>
             <a:ext cx="175341" cy="287567"/>
           </a:xfrm>
           <a:prstGeom prst="downArrow">
@@ -12226,6 +12226,58 @@
           </a:ln>
         </p:spPr>
       </p:pic>
+      <p:sp>
+        <p:nvSpPr>
+          <p:cNvPr id="7" name="Google Shape;517;p11">
+            <a:extLst>
+              <a:ext uri="{FF2B5EF4-FFF2-40B4-BE49-F238E27FC236}">
+                <a16:creationId xmlns:a16="http://schemas.microsoft.com/office/drawing/2014/main" id="{C883572E-E70A-5294-9A7B-A91B03B59DB7}"/>
+              </a:ext>
+            </a:extLst>
+          </p:cNvPr>
+          <p:cNvSpPr/>
+          <p:nvPr/>
+        </p:nvSpPr>
+        <p:spPr>
+          <a:xfrm>
+            <a:off x="4489754" y="6474166"/>
+            <a:ext cx="2986754" cy="369291"/>
+          </a:xfrm>
+          <a:prstGeom prst="rect">
+            <a:avLst/>
+          </a:prstGeom>
+          <a:noFill/>
+          <a:ln>
+            <a:noFill/>
+          </a:ln>
+        </p:spPr>
+        <p:txBody>
+          <a:bodyPr spcFirstLastPara="1" wrap="square" lIns="0" tIns="45700" rIns="0" bIns="45700" anchor="t" anchorCtr="0">
+            <a:spAutoFit/>
+          </a:bodyPr>
+          <a:lstStyle/>
+          <a:p>
+            <a:pPr marL="0" marR="0" lvl="0" indent="0" algn="ctr" rtl="0">
+              <a:spcBef>
+                <a:spcPts val="0"/>
+              </a:spcBef>
+              <a:spcAft>
+                <a:spcPts val="0"/>
+              </a:spcAft>
+              <a:buNone/>
+            </a:pPr>
+            <a:r>
+              <a:rPr lang="en-US" sz="1800" dirty="0">
+                <a:solidFill>
+                  <a:schemeClr val="dk1"/>
+                </a:solidFill>
+              </a:rPr>
+              <a:t>Testing and Implementation</a:t>
+            </a:r>
+            <a:endParaRPr dirty="0"/>
+          </a:p>
+        </p:txBody>
+      </p:sp>
     </p:spTree>
   </p:cSld>
   <p:clrMapOvr>

--- a/Images Source/GravitySlides.pptx
+++ b/Images Source/GravitySlides.pptx
@@ -257,8 +257,11 @@
     </a:lvl9pPr>
   </p:defaultTextStyle>
   <p:extLst>
+    <p:ext uri="{EFAFB233-063F-42B5-8137-9DF3F51BA10A}">
+      <p15:sldGuideLst xmlns:p15="http://schemas.microsoft.com/office/powerpoint/2012/main"/>
+    </p:ext>
     <p:ext uri="http://customooxmlschemas.google.com/">
-      <go:slidesCustomData xmlns:go="http://customooxmlschemas.google.com/" xmlns:ahyp="http://schemas.microsoft.com/office/drawing/2018/hyperlinkcolor" xmlns:p15="http://schemas.microsoft.com/office/powerpoint/2012/main" xmlns:p14="http://schemas.microsoft.com/office/powerpoint/2010/main" xmlns:com="http://schemas.openxmlformats.org/drawingml/2006/compatibility" xmlns:pvml="urn:schemas-microsoft-com:office:powerpoint" xmlns:v="urn:schemas-microsoft-com:vml" xmlns:o="urn:schemas-microsoft-com:office:office" xmlns:dgm="http://schemas.openxmlformats.org/drawingml/2006/diagram" xmlns:c="http://schemas.openxmlformats.org/drawingml/2006/chart" xmlns:mv="urn:schemas-microsoft-com:mac:vml" xmlns:mc="http://schemas.openxmlformats.org/markup-compatibility/2006" xmlns="" r:id="rId44" roundtripDataSignature="AMtx7mhurd1H7GBQRbcnBHxCnCHdMa4/Ag=="/>
+      <go:slidesCustomData xmlns="" xmlns:mc="http://schemas.openxmlformats.org/markup-compatibility/2006" xmlns:mv="urn:schemas-microsoft-com:mac:vml" xmlns:c="http://schemas.openxmlformats.org/drawingml/2006/chart" xmlns:dgm="http://schemas.openxmlformats.org/drawingml/2006/diagram" xmlns:o="urn:schemas-microsoft-com:office:office" xmlns:v="urn:schemas-microsoft-com:vml" xmlns:pvml="urn:schemas-microsoft-com:office:powerpoint" xmlns:com="http://schemas.openxmlformats.org/drawingml/2006/compatibility" xmlns:p14="http://schemas.microsoft.com/office/powerpoint/2010/main" xmlns:p15="http://schemas.microsoft.com/office/powerpoint/2012/main" xmlns:ahyp="http://schemas.microsoft.com/office/drawing/2018/hyperlinkcolor" xmlns:go="http://customooxmlschemas.google.com/" r:id="rId44" roundtripDataSignature="AMtx7mhurd1H7GBQRbcnBHxCnCHdMa4/Ag=="/>
     </p:ext>
   </p:extLst>
 </p:presentation>
@@ -8599,372 +8602,14 @@
       </p:grpSpPr>
       <p:sp>
         <p:nvSpPr>
-          <p:cNvPr id="452" name="Google Shape;452;p10"/>
-          <p:cNvSpPr/>
-          <p:nvPr/>
-        </p:nvSpPr>
-        <p:spPr>
-          <a:xfrm>
-            <a:off x="4365601" y="1976936"/>
-            <a:ext cx="3711762" cy="3669459"/>
-          </a:xfrm>
-          <a:prstGeom prst="ellipse">
-            <a:avLst/>
-          </a:prstGeom>
-          <a:noFill/>
-          <a:ln w="98425" cap="flat" cmpd="sng">
-            <a:solidFill>
-              <a:srgbClr val="BFBFBF"/>
-            </a:solidFill>
-            <a:prstDash val="solid"/>
-            <a:round/>
-            <a:headEnd type="none" w="sm" len="sm"/>
-            <a:tailEnd type="none" w="sm" len="sm"/>
-          </a:ln>
-        </p:spPr>
-        <p:txBody>
-          <a:bodyPr spcFirstLastPara="1" wrap="square" lIns="91425" tIns="45700" rIns="91425" bIns="45700" anchor="ctr" anchorCtr="0">
-            <a:noAutofit/>
-          </a:bodyPr>
-          <a:lstStyle/>
-          <a:p>
-            <a:pPr marL="0" marR="0" lvl="0" indent="0" algn="ctr" rtl="0">
-              <a:spcBef>
-                <a:spcPts val="0"/>
-              </a:spcBef>
-              <a:spcAft>
-                <a:spcPts val="0"/>
-              </a:spcAft>
-              <a:buNone/>
-            </a:pPr>
-            <a:endParaRPr sz="1800" b="0" i="0" u="none" strike="noStrike" cap="none">
-              <a:solidFill>
-                <a:srgbClr val="FFFFFF"/>
-              </a:solidFill>
-              <a:latin typeface="Calibri"/>
-              <a:ea typeface="Calibri"/>
-              <a:cs typeface="Calibri"/>
-              <a:sym typeface="Calibri"/>
-            </a:endParaRPr>
-          </a:p>
-        </p:txBody>
-      </p:sp>
-      <p:sp>
-        <p:nvSpPr>
-          <p:cNvPr id="453" name="Google Shape;453;p10"/>
-          <p:cNvSpPr/>
-          <p:nvPr/>
-        </p:nvSpPr>
-        <p:spPr>
-          <a:xfrm rot="-10536482">
-            <a:off x="4903284" y="2245047"/>
-            <a:ext cx="310667" cy="350975"/>
-          </a:xfrm>
-          <a:prstGeom prst="corner">
-            <a:avLst>
-              <a:gd name="adj1" fmla="val 25260"/>
-              <a:gd name="adj2" fmla="val 23011"/>
-            </a:avLst>
-          </a:prstGeom>
-          <a:solidFill>
-            <a:srgbClr val="BFBFBF"/>
-          </a:solidFill>
-          <a:ln>
-            <a:noFill/>
-          </a:ln>
-        </p:spPr>
-        <p:txBody>
-          <a:bodyPr spcFirstLastPara="1" wrap="square" lIns="91425" tIns="45700" rIns="91425" bIns="45700" anchor="ctr" anchorCtr="0">
-            <a:noAutofit/>
-          </a:bodyPr>
-          <a:lstStyle/>
-          <a:p>
-            <a:pPr marL="0" marR="0" lvl="0" indent="0" algn="ctr" rtl="0">
-              <a:spcBef>
-                <a:spcPts val="0"/>
-              </a:spcBef>
-              <a:spcAft>
-                <a:spcPts val="0"/>
-              </a:spcAft>
-              <a:buNone/>
-            </a:pPr>
-            <a:endParaRPr sz="1800" b="0" i="0" u="none" strike="noStrike" cap="none">
-              <a:solidFill>
-                <a:srgbClr val="FFFFFF"/>
-              </a:solidFill>
-              <a:latin typeface="Arial"/>
-              <a:ea typeface="Arial"/>
-              <a:cs typeface="Arial"/>
-              <a:sym typeface="Arial"/>
-            </a:endParaRPr>
-          </a:p>
-        </p:txBody>
-      </p:sp>
-      <p:sp>
-        <p:nvSpPr>
-          <p:cNvPr id="454" name="Google Shape;454;p10"/>
-          <p:cNvSpPr/>
-          <p:nvPr/>
-        </p:nvSpPr>
-        <p:spPr>
-          <a:xfrm rot="-5691000">
-            <a:off x="7339767" y="2344560"/>
-            <a:ext cx="310667" cy="350975"/>
-          </a:xfrm>
-          <a:prstGeom prst="corner">
-            <a:avLst>
-              <a:gd name="adj1" fmla="val 25260"/>
-              <a:gd name="adj2" fmla="val 23011"/>
-            </a:avLst>
-          </a:prstGeom>
-          <a:solidFill>
-            <a:srgbClr val="BFBFBF"/>
-          </a:solidFill>
-          <a:ln>
-            <a:noFill/>
-          </a:ln>
-        </p:spPr>
-        <p:txBody>
-          <a:bodyPr spcFirstLastPara="1" wrap="square" lIns="91425" tIns="45700" rIns="91425" bIns="45700" anchor="ctr" anchorCtr="0">
-            <a:noAutofit/>
-          </a:bodyPr>
-          <a:lstStyle/>
-          <a:p>
-            <a:pPr marL="0" marR="0" lvl="0" indent="0" algn="ctr" rtl="0">
-              <a:spcBef>
-                <a:spcPts val="0"/>
-              </a:spcBef>
-              <a:spcAft>
-                <a:spcPts val="0"/>
-              </a:spcAft>
-              <a:buNone/>
-            </a:pPr>
-            <a:endParaRPr sz="1800" b="0" i="0" u="none" strike="noStrike" cap="none">
-              <a:solidFill>
-                <a:srgbClr val="FFFFFF"/>
-              </a:solidFill>
-              <a:latin typeface="Calibri"/>
-              <a:ea typeface="Calibri"/>
-              <a:cs typeface="Calibri"/>
-              <a:sym typeface="Calibri"/>
-            </a:endParaRPr>
-          </a:p>
-        </p:txBody>
-      </p:sp>
-      <p:sp>
-        <p:nvSpPr>
-          <p:cNvPr id="455" name="Google Shape;455;p10"/>
-          <p:cNvSpPr/>
-          <p:nvPr/>
-        </p:nvSpPr>
-        <p:spPr>
-          <a:xfrm rot="262322">
-            <a:off x="7436526" y="4890188"/>
-            <a:ext cx="310667" cy="350975"/>
-          </a:xfrm>
-          <a:prstGeom prst="corner">
-            <a:avLst>
-              <a:gd name="adj1" fmla="val 25260"/>
-              <a:gd name="adj2" fmla="val 23011"/>
-            </a:avLst>
-          </a:prstGeom>
-          <a:solidFill>
-            <a:srgbClr val="BFBFBF"/>
-          </a:solidFill>
-          <a:ln>
-            <a:noFill/>
-          </a:ln>
-        </p:spPr>
-        <p:txBody>
-          <a:bodyPr spcFirstLastPara="1" wrap="square" lIns="91425" tIns="45700" rIns="91425" bIns="45700" anchor="ctr" anchorCtr="0">
-            <a:noAutofit/>
-          </a:bodyPr>
-          <a:lstStyle/>
-          <a:p>
-            <a:pPr marL="0" marR="0" lvl="0" indent="0" algn="ctr" rtl="0">
-              <a:spcBef>
-                <a:spcPts val="0"/>
-              </a:spcBef>
-              <a:spcAft>
-                <a:spcPts val="0"/>
-              </a:spcAft>
-              <a:buNone/>
-            </a:pPr>
-            <a:endParaRPr sz="1800" b="0" i="0" u="none" strike="noStrike" cap="none">
-              <a:solidFill>
-                <a:srgbClr val="FFFFFF"/>
-              </a:solidFill>
-              <a:latin typeface="Calibri"/>
-              <a:ea typeface="Calibri"/>
-              <a:cs typeface="Calibri"/>
-              <a:sym typeface="Calibri"/>
-            </a:endParaRPr>
-          </a:p>
-        </p:txBody>
-      </p:sp>
-      <p:sp>
-        <p:nvSpPr>
-          <p:cNvPr id="456" name="Google Shape;456;p10"/>
-          <p:cNvSpPr/>
-          <p:nvPr/>
-        </p:nvSpPr>
-        <p:spPr>
-          <a:xfrm rot="5400000">
-            <a:off x="5030142" y="5164550"/>
-            <a:ext cx="310667" cy="350975"/>
-          </a:xfrm>
-          <a:prstGeom prst="corner">
-            <a:avLst>
-              <a:gd name="adj1" fmla="val 25260"/>
-              <a:gd name="adj2" fmla="val 23011"/>
-            </a:avLst>
-          </a:prstGeom>
-          <a:solidFill>
-            <a:srgbClr val="BFBFBF"/>
-          </a:solidFill>
-          <a:ln>
-            <a:noFill/>
-          </a:ln>
-        </p:spPr>
-        <p:txBody>
-          <a:bodyPr spcFirstLastPara="1" wrap="square" lIns="91425" tIns="45700" rIns="91425" bIns="45700" anchor="ctr" anchorCtr="0">
-            <a:noAutofit/>
-          </a:bodyPr>
-          <a:lstStyle/>
-          <a:p>
-            <a:pPr marL="0" marR="0" lvl="0" indent="0" algn="ctr" rtl="0">
-              <a:spcBef>
-                <a:spcPts val="0"/>
-              </a:spcBef>
-              <a:spcAft>
-                <a:spcPts val="0"/>
-              </a:spcAft>
-              <a:buNone/>
-            </a:pPr>
-            <a:endParaRPr sz="1800" b="0" i="0" u="none" strike="noStrike" cap="none">
-              <a:solidFill>
-                <a:srgbClr val="FFFFFF"/>
-              </a:solidFill>
-              <a:latin typeface="Calibri"/>
-              <a:ea typeface="Calibri"/>
-              <a:cs typeface="Calibri"/>
-              <a:sym typeface="Calibri"/>
-            </a:endParaRPr>
-          </a:p>
-        </p:txBody>
-      </p:sp>
-      <p:sp>
-        <p:nvSpPr>
-          <p:cNvPr id="457" name="Google Shape;457;p10"/>
-          <p:cNvSpPr/>
-          <p:nvPr/>
-        </p:nvSpPr>
-        <p:spPr>
-          <a:xfrm rot="-10536482">
-            <a:off x="4977244" y="2172981"/>
-            <a:ext cx="310667" cy="350975"/>
-          </a:xfrm>
-          <a:prstGeom prst="corner">
-            <a:avLst>
-              <a:gd name="adj1" fmla="val 25260"/>
-              <a:gd name="adj2" fmla="val 23011"/>
-            </a:avLst>
-          </a:prstGeom>
-          <a:solidFill>
-            <a:schemeClr val="lt1"/>
-          </a:solidFill>
-          <a:ln>
-            <a:noFill/>
-          </a:ln>
-        </p:spPr>
-        <p:txBody>
-          <a:bodyPr spcFirstLastPara="1" wrap="square" lIns="91425" tIns="45700" rIns="91425" bIns="45700" anchor="ctr" anchorCtr="0">
-            <a:noAutofit/>
-          </a:bodyPr>
-          <a:lstStyle/>
-          <a:p>
-            <a:pPr marL="0" marR="0" lvl="0" indent="0" algn="ctr" rtl="0">
-              <a:spcBef>
-                <a:spcPts val="0"/>
-              </a:spcBef>
-              <a:spcAft>
-                <a:spcPts val="0"/>
-              </a:spcAft>
-              <a:buNone/>
-            </a:pPr>
-            <a:endParaRPr sz="1800" b="0" i="0" u="none" strike="noStrike" cap="none">
-              <a:solidFill>
-                <a:srgbClr val="FFFFFF"/>
-              </a:solidFill>
-              <a:latin typeface="Arial"/>
-              <a:ea typeface="Arial"/>
-              <a:cs typeface="Arial"/>
-              <a:sym typeface="Arial"/>
-            </a:endParaRPr>
-          </a:p>
-        </p:txBody>
-      </p:sp>
-      <p:sp>
-        <p:nvSpPr>
-          <p:cNvPr id="458" name="Google Shape;458;p10"/>
-          <p:cNvSpPr/>
-          <p:nvPr/>
-        </p:nvSpPr>
-        <p:spPr>
-          <a:xfrm rot="-5633214">
-            <a:off x="7418339" y="2408834"/>
-            <a:ext cx="310667" cy="350975"/>
-          </a:xfrm>
-          <a:prstGeom prst="corner">
-            <a:avLst>
-              <a:gd name="adj1" fmla="val 25260"/>
-              <a:gd name="adj2" fmla="val 23011"/>
-            </a:avLst>
-          </a:prstGeom>
-          <a:solidFill>
-            <a:schemeClr val="lt1"/>
-          </a:solidFill>
-          <a:ln>
-            <a:noFill/>
-          </a:ln>
-        </p:spPr>
-        <p:txBody>
-          <a:bodyPr spcFirstLastPara="1" wrap="square" lIns="91425" tIns="45700" rIns="91425" bIns="45700" anchor="ctr" anchorCtr="0">
-            <a:noAutofit/>
-          </a:bodyPr>
-          <a:lstStyle/>
-          <a:p>
-            <a:pPr marL="0" marR="0" lvl="0" indent="0" algn="ctr" rtl="0">
-              <a:spcBef>
-                <a:spcPts val="0"/>
-              </a:spcBef>
-              <a:spcAft>
-                <a:spcPts val="0"/>
-              </a:spcAft>
-              <a:buNone/>
-            </a:pPr>
-            <a:endParaRPr sz="1800" b="0" i="0" u="none" strike="noStrike" cap="none">
-              <a:solidFill>
-                <a:srgbClr val="FFFFFF"/>
-              </a:solidFill>
-              <a:latin typeface="Calibri"/>
-              <a:ea typeface="Calibri"/>
-              <a:cs typeface="Calibri"/>
-              <a:sym typeface="Calibri"/>
-            </a:endParaRPr>
-          </a:p>
-        </p:txBody>
-      </p:sp>
-      <p:sp>
-        <p:nvSpPr>
-          <p:cNvPr id="459" name="Google Shape;459;p10"/>
+          <p:cNvPr id="476" name="Google Shape;476;p10"/>
           <p:cNvSpPr txBox="1"/>
           <p:nvPr/>
         </p:nvSpPr>
         <p:spPr>
           <a:xfrm>
-            <a:off x="3005683" y="4125615"/>
-            <a:ext cx="1408012" cy="369332"/>
+            <a:off x="7705016" y="4760457"/>
+            <a:ext cx="3280607" cy="923289"/>
           </a:xfrm>
           <a:prstGeom prst="rect">
             <a:avLst/>
@@ -8980,7 +8625,7 @@
           </a:bodyPr>
           <a:lstStyle/>
           <a:p>
-            <a:pPr marL="0" marR="0" lvl="0" indent="0" algn="l" rtl="0">
+            <a:pPr marL="0" marR="0" lvl="0" indent="0" rtl="0">
               <a:spcBef>
                 <a:spcPts val="0"/>
               </a:spcBef>
@@ -8990,360 +8635,27 @@
               <a:buNone/>
             </a:pPr>
             <a:r>
-              <a:rPr lang="en-US" sz="1800" b="1" i="0" u="none" strike="noStrike" cap="none" dirty="0">
-                <a:solidFill>
-                  <a:srgbClr val="44546A"/>
+              <a:rPr lang="en-US" sz="1800" b="0" i="0" u="none" strike="noStrike" cap="none" dirty="0">
+                <a:solidFill>
+                  <a:srgbClr val="555857"/>
                 </a:solidFill>
                 <a:latin typeface="Arial"/>
                 <a:ea typeface="Arial"/>
                 <a:cs typeface="Arial"/>
                 <a:sym typeface="Arial"/>
               </a:rPr>
-              <a:t>Screening</a:t>
+              <a:t>Document and track SDOH related interventions to completion. </a:t>
             </a:r>
             <a:endParaRPr dirty="0"/>
           </a:p>
         </p:txBody>
       </p:sp>
-      <p:sp>
-        <p:nvSpPr>
-          <p:cNvPr id="460" name="Google Shape;460;p10"/>
-          <p:cNvSpPr txBox="1"/>
-          <p:nvPr/>
-        </p:nvSpPr>
-        <p:spPr>
-          <a:xfrm>
-            <a:off x="5135716" y="443049"/>
-            <a:ext cx="3093328" cy="369291"/>
-          </a:xfrm>
-          <a:prstGeom prst="rect">
-            <a:avLst/>
-          </a:prstGeom>
-          <a:noFill/>
-          <a:ln>
-            <a:noFill/>
-          </a:ln>
-        </p:spPr>
-        <p:txBody>
-          <a:bodyPr spcFirstLastPara="1" wrap="square" lIns="91425" tIns="45700" rIns="91425" bIns="45700" anchor="t" anchorCtr="0">
-            <a:spAutoFit/>
-          </a:bodyPr>
-          <a:lstStyle/>
-          <a:p>
-            <a:pPr marL="0" marR="0" lvl="0" indent="0" algn="l" rtl="0">
-              <a:spcBef>
-                <a:spcPts val="0"/>
-              </a:spcBef>
-              <a:spcAft>
-                <a:spcPts val="0"/>
-              </a:spcAft>
-              <a:buNone/>
-            </a:pPr>
-            <a:r>
-              <a:rPr lang="en-US" sz="1800" b="1" i="0" u="none" strike="noStrike" cap="none" dirty="0">
-                <a:solidFill>
-                  <a:srgbClr val="44546A"/>
-                </a:solidFill>
-                <a:latin typeface="Arial"/>
-                <a:ea typeface="Arial"/>
-                <a:cs typeface="Arial"/>
-                <a:sym typeface="Arial"/>
-              </a:rPr>
-              <a:t>Assessment/Diagnosis</a:t>
-            </a:r>
-            <a:endParaRPr dirty="0"/>
-          </a:p>
-        </p:txBody>
-      </p:sp>
-      <p:sp>
-        <p:nvSpPr>
-          <p:cNvPr id="461" name="Google Shape;461;p10"/>
-          <p:cNvSpPr txBox="1"/>
-          <p:nvPr/>
-        </p:nvSpPr>
-        <p:spPr>
-          <a:xfrm>
-            <a:off x="7251432" y="4268860"/>
-            <a:ext cx="3183337" cy="369332"/>
-          </a:xfrm>
-          <a:prstGeom prst="rect">
-            <a:avLst/>
-          </a:prstGeom>
-          <a:noFill/>
-          <a:ln>
-            <a:noFill/>
-          </a:ln>
-        </p:spPr>
-        <p:txBody>
-          <a:bodyPr spcFirstLastPara="1" wrap="square" lIns="91425" tIns="45700" rIns="91425" bIns="45700" anchor="t" anchorCtr="0">
-            <a:spAutoFit/>
-          </a:bodyPr>
-          <a:lstStyle/>
-          <a:p>
-            <a:pPr marL="0" marR="0" lvl="0" indent="0" algn="ctr" rtl="0">
-              <a:spcBef>
-                <a:spcPts val="0"/>
-              </a:spcBef>
-              <a:spcAft>
-                <a:spcPts val="0"/>
-              </a:spcAft>
-              <a:buNone/>
-            </a:pPr>
-            <a:r>
-              <a:rPr lang="en-US" sz="1800" b="1" i="0" u="none" strike="noStrike" cap="none" dirty="0">
-                <a:solidFill>
-                  <a:srgbClr val="44546A"/>
-                </a:solidFill>
-                <a:latin typeface="Arial"/>
-                <a:ea typeface="Arial"/>
-                <a:cs typeface="Arial"/>
-                <a:sym typeface="Arial"/>
-              </a:rPr>
-              <a:t>Goals Setting</a:t>
-            </a:r>
-            <a:endParaRPr dirty="0"/>
-          </a:p>
-        </p:txBody>
-      </p:sp>
-      <p:sp>
-        <p:nvSpPr>
-          <p:cNvPr id="462" name="Google Shape;462;p10"/>
-          <p:cNvSpPr txBox="1"/>
-          <p:nvPr/>
-        </p:nvSpPr>
-        <p:spPr>
-          <a:xfrm>
-            <a:off x="6787107" y="6414951"/>
-            <a:ext cx="3116250" cy="369291"/>
-          </a:xfrm>
-          <a:prstGeom prst="rect">
-            <a:avLst/>
-          </a:prstGeom>
-          <a:noFill/>
-          <a:ln>
-            <a:noFill/>
-          </a:ln>
-        </p:spPr>
-        <p:txBody>
-          <a:bodyPr spcFirstLastPara="1" wrap="square" lIns="91425" tIns="45700" rIns="91425" bIns="45700" anchor="t" anchorCtr="0">
-            <a:spAutoFit/>
-          </a:bodyPr>
-          <a:lstStyle/>
-          <a:p>
-            <a:pPr marL="0" marR="0" lvl="0" indent="0" algn="l" rtl="0">
-              <a:spcBef>
-                <a:spcPts val="0"/>
-              </a:spcBef>
-              <a:spcAft>
-                <a:spcPts val="0"/>
-              </a:spcAft>
-              <a:buNone/>
-            </a:pPr>
-            <a:r>
-              <a:rPr lang="en-US" sz="1800" b="1" i="0" u="none" strike="noStrike" cap="none" dirty="0">
-                <a:solidFill>
-                  <a:srgbClr val="44546A"/>
-                </a:solidFill>
-                <a:latin typeface="Arial"/>
-                <a:ea typeface="Arial"/>
-                <a:cs typeface="Arial"/>
-                <a:sym typeface="Arial"/>
-              </a:rPr>
-              <a:t>Treatment/Interventions</a:t>
-            </a:r>
-            <a:endParaRPr dirty="0"/>
-          </a:p>
-        </p:txBody>
-      </p:sp>
-      <p:sp>
-        <p:nvSpPr>
-          <p:cNvPr id="463" name="Google Shape;463;p10"/>
-          <p:cNvSpPr/>
-          <p:nvPr/>
-        </p:nvSpPr>
-        <p:spPr>
-          <a:xfrm rot="220145">
-            <a:off x="7349258" y="4966806"/>
-            <a:ext cx="310667" cy="350975"/>
-          </a:xfrm>
-          <a:prstGeom prst="corner">
-            <a:avLst>
-              <a:gd name="adj1" fmla="val 25260"/>
-              <a:gd name="adj2" fmla="val 23011"/>
-            </a:avLst>
-          </a:prstGeom>
-          <a:solidFill>
-            <a:schemeClr val="lt1"/>
-          </a:solidFill>
-          <a:ln>
-            <a:noFill/>
-          </a:ln>
-        </p:spPr>
-        <p:txBody>
-          <a:bodyPr spcFirstLastPara="1" wrap="square" lIns="91425" tIns="45700" rIns="91425" bIns="45700" anchor="ctr" anchorCtr="0">
-            <a:noAutofit/>
-          </a:bodyPr>
-          <a:lstStyle/>
-          <a:p>
-            <a:pPr marL="0" marR="0" lvl="0" indent="0" algn="ctr" rtl="0">
-              <a:spcBef>
-                <a:spcPts val="0"/>
-              </a:spcBef>
-              <a:spcAft>
-                <a:spcPts val="0"/>
-              </a:spcAft>
-              <a:buNone/>
-            </a:pPr>
-            <a:endParaRPr sz="1800" b="0" i="0" u="none" strike="noStrike" cap="none">
-              <a:solidFill>
-                <a:srgbClr val="FFFFFF"/>
-              </a:solidFill>
-              <a:latin typeface="Calibri"/>
-              <a:ea typeface="Calibri"/>
-              <a:cs typeface="Calibri"/>
-              <a:sym typeface="Calibri"/>
-            </a:endParaRPr>
-          </a:p>
-        </p:txBody>
-      </p:sp>
-      <p:sp>
-        <p:nvSpPr>
-          <p:cNvPr id="464" name="Google Shape;464;p10"/>
-          <p:cNvSpPr/>
-          <p:nvPr/>
-        </p:nvSpPr>
-        <p:spPr>
-          <a:xfrm rot="5400000">
-            <a:off x="4954232" y="5100492"/>
-            <a:ext cx="310667" cy="350975"/>
-          </a:xfrm>
-          <a:prstGeom prst="corner">
-            <a:avLst>
-              <a:gd name="adj1" fmla="val 25260"/>
-              <a:gd name="adj2" fmla="val 23011"/>
-            </a:avLst>
-          </a:prstGeom>
-          <a:solidFill>
-            <a:schemeClr val="lt1"/>
-          </a:solidFill>
-          <a:ln>
-            <a:noFill/>
-          </a:ln>
-        </p:spPr>
-        <p:txBody>
-          <a:bodyPr spcFirstLastPara="1" wrap="square" lIns="91425" tIns="45700" rIns="91425" bIns="45700" anchor="ctr" anchorCtr="0">
-            <a:noAutofit/>
-          </a:bodyPr>
-          <a:lstStyle/>
-          <a:p>
-            <a:pPr marL="0" marR="0" lvl="0" indent="0" algn="ctr" rtl="0">
-              <a:spcBef>
-                <a:spcPts val="0"/>
-              </a:spcBef>
-              <a:spcAft>
-                <a:spcPts val="0"/>
-              </a:spcAft>
-              <a:buNone/>
-            </a:pPr>
-            <a:endParaRPr sz="1800" b="0" i="0" u="none" strike="noStrike" cap="none">
-              <a:solidFill>
-                <a:srgbClr val="FFFFFF"/>
-              </a:solidFill>
-              <a:latin typeface="Calibri"/>
-              <a:ea typeface="Calibri"/>
-              <a:cs typeface="Calibri"/>
-              <a:sym typeface="Calibri"/>
-            </a:endParaRPr>
-          </a:p>
-        </p:txBody>
-      </p:sp>
-      <p:pic>
-        <p:nvPicPr>
-          <p:cNvPr id="465" name="Google Shape;465;p10"/>
-          <p:cNvPicPr preferRelativeResize="0"/>
-          <p:nvPr/>
-        </p:nvPicPr>
-        <p:blipFill rotWithShape="1">
-          <a:blip r:embed="rId3">
-            <a:alphaModFix/>
-          </a:blip>
-          <a:srcRect l="77039" t="13946" r="6848" b="38447"/>
-          <a:stretch/>
-        </p:blipFill>
-        <p:spPr>
-          <a:xfrm>
-            <a:off x="5376502" y="5079925"/>
-            <a:ext cx="871176" cy="906980"/>
-          </a:xfrm>
-          <a:prstGeom prst="ellipse">
-            <a:avLst/>
-          </a:prstGeom>
-          <a:noFill/>
-          <a:ln>
-            <a:noFill/>
-          </a:ln>
-        </p:spPr>
-      </p:pic>
-      <p:pic>
-        <p:nvPicPr>
-          <p:cNvPr id="466" name="Google Shape;466;p10"/>
-          <p:cNvPicPr preferRelativeResize="0"/>
-          <p:nvPr/>
-        </p:nvPicPr>
-        <p:blipFill rotWithShape="1">
-          <a:blip r:embed="rId4">
-            <a:alphaModFix/>
-          </a:blip>
-          <a:srcRect l="39145" t="8981" r="40382" b="40117"/>
-          <a:stretch/>
-        </p:blipFill>
-        <p:spPr>
-          <a:xfrm>
-            <a:off x="6502433" y="5023568"/>
-            <a:ext cx="941343" cy="860592"/>
-          </a:xfrm>
-          <a:prstGeom prst="ellipse">
-            <a:avLst/>
-          </a:prstGeom>
-          <a:noFill/>
-          <a:ln>
-            <a:noFill/>
-          </a:ln>
-        </p:spPr>
-      </p:pic>
-      <p:pic>
-        <p:nvPicPr>
-          <p:cNvPr id="467" name="Google Shape;467;p10"/>
-          <p:cNvPicPr preferRelativeResize="0"/>
-          <p:nvPr/>
-        </p:nvPicPr>
-        <p:blipFill rotWithShape="1">
-          <a:blip r:embed="rId5">
-            <a:alphaModFix/>
-          </a:blip>
-          <a:srcRect l="5058" t="15016" r="75824" b="40244"/>
-          <a:stretch/>
-        </p:blipFill>
-        <p:spPr>
-          <a:xfrm>
-            <a:off x="5915931" y="5750409"/>
-            <a:ext cx="969539" cy="897116"/>
-          </a:xfrm>
-          <a:prstGeom prst="ellipse">
-            <a:avLst/>
-          </a:prstGeom>
-          <a:noFill/>
-          <a:ln>
-            <a:noFill/>
-          </a:ln>
-        </p:spPr>
-      </p:pic>
       <p:grpSp>
         <p:nvGrpSpPr>
-          <p:cNvPr id="3" name="Group 2">
+          <p:cNvPr id="4" name="Group 3">
             <a:extLst>
               <a:ext uri="{FF2B5EF4-FFF2-40B4-BE49-F238E27FC236}">
-                <a16:creationId xmlns:a16="http://schemas.microsoft.com/office/drawing/2014/main" id="{90785A58-5E14-6112-3128-8DF1B64E4CDE}"/>
+                <a16:creationId xmlns:a16="http://schemas.microsoft.com/office/drawing/2014/main" id="{E381D142-6B99-D50C-2C25-197A9FA20C49}"/>
               </a:ext>
             </a:extLst>
           </p:cNvPr>
@@ -9352,32 +8664,30 @@
         </p:nvGrpSpPr>
         <p:grpSpPr>
           <a:xfrm>
-            <a:off x="3206984" y="3118493"/>
-            <a:ext cx="901661" cy="897115"/>
-            <a:chOff x="3206984" y="3294283"/>
-            <a:chExt cx="901661" cy="897115"/>
+            <a:off x="152115" y="258403"/>
+            <a:ext cx="9294682" cy="6341193"/>
+            <a:chOff x="1140087" y="443049"/>
+            <a:chExt cx="9294682" cy="6341193"/>
           </a:xfrm>
         </p:grpSpPr>
         <p:sp>
           <p:nvSpPr>
-            <p:cNvPr id="468" name="Google Shape;468;p10"/>
+            <p:cNvPr id="452" name="Google Shape;452;p10"/>
             <p:cNvSpPr/>
             <p:nvPr/>
           </p:nvSpPr>
           <p:spPr>
             <a:xfrm>
-              <a:off x="3206984" y="3294283"/>
-              <a:ext cx="901661" cy="897115"/>
+              <a:off x="4365601" y="1976936"/>
+              <a:ext cx="3711762" cy="3669459"/>
             </a:xfrm>
             <a:prstGeom prst="ellipse">
               <a:avLst/>
             </a:prstGeom>
-            <a:solidFill>
-              <a:schemeClr val="lt1"/>
-            </a:solidFill>
-            <a:ln w="25400" cap="flat" cmpd="sng">
+            <a:noFill/>
+            <a:ln w="98425" cap="flat" cmpd="sng">
               <a:solidFill>
-                <a:srgbClr val="050913"/>
+                <a:srgbClr val="BFBFBF"/>
               </a:solidFill>
               <a:prstDash val="solid"/>
               <a:round/>
@@ -9402,6 +8712,878 @@
               </a:pPr>
               <a:endParaRPr sz="1800" b="0" i="0" u="none" strike="noStrike" cap="none">
                 <a:solidFill>
+                  <a:srgbClr val="FFFFFF"/>
+                </a:solidFill>
+                <a:latin typeface="Calibri"/>
+                <a:ea typeface="Calibri"/>
+                <a:cs typeface="Calibri"/>
+                <a:sym typeface="Calibri"/>
+              </a:endParaRPr>
+            </a:p>
+          </p:txBody>
+        </p:sp>
+        <p:sp>
+          <p:nvSpPr>
+            <p:cNvPr id="453" name="Google Shape;453;p10"/>
+            <p:cNvSpPr/>
+            <p:nvPr/>
+          </p:nvSpPr>
+          <p:spPr>
+            <a:xfrm rot="-10536482">
+              <a:off x="4903284" y="2245047"/>
+              <a:ext cx="310667" cy="350975"/>
+            </a:xfrm>
+            <a:prstGeom prst="corner">
+              <a:avLst>
+                <a:gd name="adj1" fmla="val 25260"/>
+                <a:gd name="adj2" fmla="val 23011"/>
+              </a:avLst>
+            </a:prstGeom>
+            <a:solidFill>
+              <a:srgbClr val="BFBFBF"/>
+            </a:solidFill>
+            <a:ln>
+              <a:noFill/>
+            </a:ln>
+          </p:spPr>
+          <p:txBody>
+            <a:bodyPr spcFirstLastPara="1" wrap="square" lIns="91425" tIns="45700" rIns="91425" bIns="45700" anchor="ctr" anchorCtr="0">
+              <a:noAutofit/>
+            </a:bodyPr>
+            <a:lstStyle/>
+            <a:p>
+              <a:pPr marL="0" marR="0" lvl="0" indent="0" algn="ctr" rtl="0">
+                <a:spcBef>
+                  <a:spcPts val="0"/>
+                </a:spcBef>
+                <a:spcAft>
+                  <a:spcPts val="0"/>
+                </a:spcAft>
+                <a:buNone/>
+              </a:pPr>
+              <a:endParaRPr sz="1800" b="0" i="0" u="none" strike="noStrike" cap="none">
+                <a:solidFill>
+                  <a:srgbClr val="FFFFFF"/>
+                </a:solidFill>
+                <a:latin typeface="Arial"/>
+                <a:ea typeface="Arial"/>
+                <a:cs typeface="Arial"/>
+                <a:sym typeface="Arial"/>
+              </a:endParaRPr>
+            </a:p>
+          </p:txBody>
+        </p:sp>
+        <p:sp>
+          <p:nvSpPr>
+            <p:cNvPr id="454" name="Google Shape;454;p10"/>
+            <p:cNvSpPr/>
+            <p:nvPr/>
+          </p:nvSpPr>
+          <p:spPr>
+            <a:xfrm rot="-5691000">
+              <a:off x="7339767" y="2344560"/>
+              <a:ext cx="310667" cy="350975"/>
+            </a:xfrm>
+            <a:prstGeom prst="corner">
+              <a:avLst>
+                <a:gd name="adj1" fmla="val 25260"/>
+                <a:gd name="adj2" fmla="val 23011"/>
+              </a:avLst>
+            </a:prstGeom>
+            <a:solidFill>
+              <a:srgbClr val="BFBFBF"/>
+            </a:solidFill>
+            <a:ln>
+              <a:noFill/>
+            </a:ln>
+          </p:spPr>
+          <p:txBody>
+            <a:bodyPr spcFirstLastPara="1" wrap="square" lIns="91425" tIns="45700" rIns="91425" bIns="45700" anchor="ctr" anchorCtr="0">
+              <a:noAutofit/>
+            </a:bodyPr>
+            <a:lstStyle/>
+            <a:p>
+              <a:pPr marL="0" marR="0" lvl="0" indent="0" algn="ctr" rtl="0">
+                <a:spcBef>
+                  <a:spcPts val="0"/>
+                </a:spcBef>
+                <a:spcAft>
+                  <a:spcPts val="0"/>
+                </a:spcAft>
+                <a:buNone/>
+              </a:pPr>
+              <a:endParaRPr sz="1800" b="0" i="0" u="none" strike="noStrike" cap="none">
+                <a:solidFill>
+                  <a:srgbClr val="FFFFFF"/>
+                </a:solidFill>
+                <a:latin typeface="Calibri"/>
+                <a:ea typeface="Calibri"/>
+                <a:cs typeface="Calibri"/>
+                <a:sym typeface="Calibri"/>
+              </a:endParaRPr>
+            </a:p>
+          </p:txBody>
+        </p:sp>
+        <p:sp>
+          <p:nvSpPr>
+            <p:cNvPr id="455" name="Google Shape;455;p10"/>
+            <p:cNvSpPr/>
+            <p:nvPr/>
+          </p:nvSpPr>
+          <p:spPr>
+            <a:xfrm rot="262322">
+              <a:off x="7436526" y="4890188"/>
+              <a:ext cx="310667" cy="350975"/>
+            </a:xfrm>
+            <a:prstGeom prst="corner">
+              <a:avLst>
+                <a:gd name="adj1" fmla="val 25260"/>
+                <a:gd name="adj2" fmla="val 23011"/>
+              </a:avLst>
+            </a:prstGeom>
+            <a:solidFill>
+              <a:srgbClr val="BFBFBF"/>
+            </a:solidFill>
+            <a:ln>
+              <a:noFill/>
+            </a:ln>
+          </p:spPr>
+          <p:txBody>
+            <a:bodyPr spcFirstLastPara="1" wrap="square" lIns="91425" tIns="45700" rIns="91425" bIns="45700" anchor="ctr" anchorCtr="0">
+              <a:noAutofit/>
+            </a:bodyPr>
+            <a:lstStyle/>
+            <a:p>
+              <a:pPr marL="0" marR="0" lvl="0" indent="0" algn="ctr" rtl="0">
+                <a:spcBef>
+                  <a:spcPts val="0"/>
+                </a:spcBef>
+                <a:spcAft>
+                  <a:spcPts val="0"/>
+                </a:spcAft>
+                <a:buNone/>
+              </a:pPr>
+              <a:endParaRPr sz="1800" b="0" i="0" u="none" strike="noStrike" cap="none">
+                <a:solidFill>
+                  <a:srgbClr val="FFFFFF"/>
+                </a:solidFill>
+                <a:latin typeface="Calibri"/>
+                <a:ea typeface="Calibri"/>
+                <a:cs typeface="Calibri"/>
+                <a:sym typeface="Calibri"/>
+              </a:endParaRPr>
+            </a:p>
+          </p:txBody>
+        </p:sp>
+        <p:sp>
+          <p:nvSpPr>
+            <p:cNvPr id="456" name="Google Shape;456;p10"/>
+            <p:cNvSpPr/>
+            <p:nvPr/>
+          </p:nvSpPr>
+          <p:spPr>
+            <a:xfrm rot="5400000">
+              <a:off x="5030142" y="5164550"/>
+              <a:ext cx="310667" cy="350975"/>
+            </a:xfrm>
+            <a:prstGeom prst="corner">
+              <a:avLst>
+                <a:gd name="adj1" fmla="val 25260"/>
+                <a:gd name="adj2" fmla="val 23011"/>
+              </a:avLst>
+            </a:prstGeom>
+            <a:solidFill>
+              <a:srgbClr val="BFBFBF"/>
+            </a:solidFill>
+            <a:ln>
+              <a:noFill/>
+            </a:ln>
+          </p:spPr>
+          <p:txBody>
+            <a:bodyPr spcFirstLastPara="1" wrap="square" lIns="91425" tIns="45700" rIns="91425" bIns="45700" anchor="ctr" anchorCtr="0">
+              <a:noAutofit/>
+            </a:bodyPr>
+            <a:lstStyle/>
+            <a:p>
+              <a:pPr marL="0" marR="0" lvl="0" indent="0" algn="ctr" rtl="0">
+                <a:spcBef>
+                  <a:spcPts val="0"/>
+                </a:spcBef>
+                <a:spcAft>
+                  <a:spcPts val="0"/>
+                </a:spcAft>
+                <a:buNone/>
+              </a:pPr>
+              <a:endParaRPr sz="1800" b="0" i="0" u="none" strike="noStrike" cap="none">
+                <a:solidFill>
+                  <a:srgbClr val="FFFFFF"/>
+                </a:solidFill>
+                <a:latin typeface="Calibri"/>
+                <a:ea typeface="Calibri"/>
+                <a:cs typeface="Calibri"/>
+                <a:sym typeface="Calibri"/>
+              </a:endParaRPr>
+            </a:p>
+          </p:txBody>
+        </p:sp>
+        <p:sp>
+          <p:nvSpPr>
+            <p:cNvPr id="457" name="Google Shape;457;p10"/>
+            <p:cNvSpPr/>
+            <p:nvPr/>
+          </p:nvSpPr>
+          <p:spPr>
+            <a:xfrm rot="-10536482">
+              <a:off x="4977244" y="2172981"/>
+              <a:ext cx="310667" cy="350975"/>
+            </a:xfrm>
+            <a:prstGeom prst="corner">
+              <a:avLst>
+                <a:gd name="adj1" fmla="val 25260"/>
+                <a:gd name="adj2" fmla="val 23011"/>
+              </a:avLst>
+            </a:prstGeom>
+            <a:solidFill>
+              <a:schemeClr val="lt1"/>
+            </a:solidFill>
+            <a:ln>
+              <a:noFill/>
+            </a:ln>
+          </p:spPr>
+          <p:txBody>
+            <a:bodyPr spcFirstLastPara="1" wrap="square" lIns="91425" tIns="45700" rIns="91425" bIns="45700" anchor="ctr" anchorCtr="0">
+              <a:noAutofit/>
+            </a:bodyPr>
+            <a:lstStyle/>
+            <a:p>
+              <a:pPr marL="0" marR="0" lvl="0" indent="0" algn="ctr" rtl="0">
+                <a:spcBef>
+                  <a:spcPts val="0"/>
+                </a:spcBef>
+                <a:spcAft>
+                  <a:spcPts val="0"/>
+                </a:spcAft>
+                <a:buNone/>
+              </a:pPr>
+              <a:endParaRPr sz="1800" b="0" i="0" u="none" strike="noStrike" cap="none">
+                <a:solidFill>
+                  <a:srgbClr val="FFFFFF"/>
+                </a:solidFill>
+                <a:latin typeface="Arial"/>
+                <a:ea typeface="Arial"/>
+                <a:cs typeface="Arial"/>
+                <a:sym typeface="Arial"/>
+              </a:endParaRPr>
+            </a:p>
+          </p:txBody>
+        </p:sp>
+        <p:sp>
+          <p:nvSpPr>
+            <p:cNvPr id="458" name="Google Shape;458;p10"/>
+            <p:cNvSpPr/>
+            <p:nvPr/>
+          </p:nvSpPr>
+          <p:spPr>
+            <a:xfrm rot="-5633214">
+              <a:off x="7418339" y="2408834"/>
+              <a:ext cx="310667" cy="350975"/>
+            </a:xfrm>
+            <a:prstGeom prst="corner">
+              <a:avLst>
+                <a:gd name="adj1" fmla="val 25260"/>
+                <a:gd name="adj2" fmla="val 23011"/>
+              </a:avLst>
+            </a:prstGeom>
+            <a:solidFill>
+              <a:schemeClr val="lt1"/>
+            </a:solidFill>
+            <a:ln>
+              <a:noFill/>
+            </a:ln>
+          </p:spPr>
+          <p:txBody>
+            <a:bodyPr spcFirstLastPara="1" wrap="square" lIns="91425" tIns="45700" rIns="91425" bIns="45700" anchor="ctr" anchorCtr="0">
+              <a:noAutofit/>
+            </a:bodyPr>
+            <a:lstStyle/>
+            <a:p>
+              <a:pPr marL="0" marR="0" lvl="0" indent="0" algn="ctr" rtl="0">
+                <a:spcBef>
+                  <a:spcPts val="0"/>
+                </a:spcBef>
+                <a:spcAft>
+                  <a:spcPts val="0"/>
+                </a:spcAft>
+                <a:buNone/>
+              </a:pPr>
+              <a:endParaRPr sz="1800" b="0" i="0" u="none" strike="noStrike" cap="none">
+                <a:solidFill>
+                  <a:srgbClr val="FFFFFF"/>
+                </a:solidFill>
+                <a:latin typeface="Calibri"/>
+                <a:ea typeface="Calibri"/>
+                <a:cs typeface="Calibri"/>
+                <a:sym typeface="Calibri"/>
+              </a:endParaRPr>
+            </a:p>
+          </p:txBody>
+        </p:sp>
+        <p:sp>
+          <p:nvSpPr>
+            <p:cNvPr id="459" name="Google Shape;459;p10"/>
+            <p:cNvSpPr txBox="1"/>
+            <p:nvPr/>
+          </p:nvSpPr>
+          <p:spPr>
+            <a:xfrm>
+              <a:off x="3005683" y="4125615"/>
+              <a:ext cx="1408012" cy="369332"/>
+            </a:xfrm>
+            <a:prstGeom prst="rect">
+              <a:avLst/>
+            </a:prstGeom>
+            <a:noFill/>
+            <a:ln>
+              <a:noFill/>
+            </a:ln>
+          </p:spPr>
+          <p:txBody>
+            <a:bodyPr spcFirstLastPara="1" wrap="square" lIns="91425" tIns="45700" rIns="91425" bIns="45700" anchor="t" anchorCtr="0">
+              <a:spAutoFit/>
+            </a:bodyPr>
+            <a:lstStyle/>
+            <a:p>
+              <a:pPr marL="0" marR="0" lvl="0" indent="0" algn="l" rtl="0">
+                <a:spcBef>
+                  <a:spcPts val="0"/>
+                </a:spcBef>
+                <a:spcAft>
+                  <a:spcPts val="0"/>
+                </a:spcAft>
+                <a:buNone/>
+              </a:pPr>
+              <a:r>
+                <a:rPr lang="en-US" sz="1800" b="1" i="0" u="none" strike="noStrike" cap="none" dirty="0">
+                  <a:solidFill>
+                    <a:srgbClr val="44546A"/>
+                  </a:solidFill>
+                  <a:latin typeface="Arial"/>
+                  <a:ea typeface="Arial"/>
+                  <a:cs typeface="Arial"/>
+                  <a:sym typeface="Arial"/>
+                </a:rPr>
+                <a:t>Screening</a:t>
+              </a:r>
+              <a:endParaRPr dirty="0"/>
+            </a:p>
+          </p:txBody>
+        </p:sp>
+        <p:sp>
+          <p:nvSpPr>
+            <p:cNvPr id="460" name="Google Shape;460;p10"/>
+            <p:cNvSpPr txBox="1"/>
+            <p:nvPr/>
+          </p:nvSpPr>
+          <p:spPr>
+            <a:xfrm>
+              <a:off x="5135716" y="443049"/>
+              <a:ext cx="3093328" cy="369291"/>
+            </a:xfrm>
+            <a:prstGeom prst="rect">
+              <a:avLst/>
+            </a:prstGeom>
+            <a:noFill/>
+            <a:ln>
+              <a:noFill/>
+            </a:ln>
+          </p:spPr>
+          <p:txBody>
+            <a:bodyPr spcFirstLastPara="1" wrap="square" lIns="91425" tIns="45700" rIns="91425" bIns="45700" anchor="t" anchorCtr="0">
+              <a:spAutoFit/>
+            </a:bodyPr>
+            <a:lstStyle/>
+            <a:p>
+              <a:pPr marL="0" marR="0" lvl="0" indent="0" algn="l" rtl="0">
+                <a:spcBef>
+                  <a:spcPts val="0"/>
+                </a:spcBef>
+                <a:spcAft>
+                  <a:spcPts val="0"/>
+                </a:spcAft>
+                <a:buNone/>
+              </a:pPr>
+              <a:r>
+                <a:rPr lang="en-US" sz="1800" b="1" i="0" u="none" strike="noStrike" cap="none" dirty="0">
+                  <a:solidFill>
+                    <a:srgbClr val="44546A"/>
+                  </a:solidFill>
+                  <a:latin typeface="Arial"/>
+                  <a:ea typeface="Arial"/>
+                  <a:cs typeface="Arial"/>
+                  <a:sym typeface="Arial"/>
+                </a:rPr>
+                <a:t>Assessment/Diagnosis</a:t>
+              </a:r>
+              <a:endParaRPr dirty="0"/>
+            </a:p>
+          </p:txBody>
+        </p:sp>
+        <p:sp>
+          <p:nvSpPr>
+            <p:cNvPr id="461" name="Google Shape;461;p10"/>
+            <p:cNvSpPr txBox="1"/>
+            <p:nvPr/>
+          </p:nvSpPr>
+          <p:spPr>
+            <a:xfrm>
+              <a:off x="7251432" y="4268860"/>
+              <a:ext cx="3183337" cy="369332"/>
+            </a:xfrm>
+            <a:prstGeom prst="rect">
+              <a:avLst/>
+            </a:prstGeom>
+            <a:noFill/>
+            <a:ln>
+              <a:noFill/>
+            </a:ln>
+          </p:spPr>
+          <p:txBody>
+            <a:bodyPr spcFirstLastPara="1" wrap="square" lIns="91425" tIns="45700" rIns="91425" bIns="45700" anchor="t" anchorCtr="0">
+              <a:spAutoFit/>
+            </a:bodyPr>
+            <a:lstStyle/>
+            <a:p>
+              <a:pPr marL="0" marR="0" lvl="0" indent="0" algn="ctr" rtl="0">
+                <a:spcBef>
+                  <a:spcPts val="0"/>
+                </a:spcBef>
+                <a:spcAft>
+                  <a:spcPts val="0"/>
+                </a:spcAft>
+                <a:buNone/>
+              </a:pPr>
+              <a:r>
+                <a:rPr lang="en-US" sz="1800" b="1" i="0" u="none" strike="noStrike" cap="none" dirty="0">
+                  <a:solidFill>
+                    <a:srgbClr val="44546A"/>
+                  </a:solidFill>
+                  <a:latin typeface="Arial"/>
+                  <a:ea typeface="Arial"/>
+                  <a:cs typeface="Arial"/>
+                  <a:sym typeface="Arial"/>
+                </a:rPr>
+                <a:t>Goals Setting</a:t>
+              </a:r>
+              <a:endParaRPr dirty="0"/>
+            </a:p>
+          </p:txBody>
+        </p:sp>
+        <p:sp>
+          <p:nvSpPr>
+            <p:cNvPr id="462" name="Google Shape;462;p10"/>
+            <p:cNvSpPr txBox="1"/>
+            <p:nvPr/>
+          </p:nvSpPr>
+          <p:spPr>
+            <a:xfrm>
+              <a:off x="6787107" y="6414951"/>
+              <a:ext cx="3116250" cy="369291"/>
+            </a:xfrm>
+            <a:prstGeom prst="rect">
+              <a:avLst/>
+            </a:prstGeom>
+            <a:noFill/>
+            <a:ln>
+              <a:noFill/>
+            </a:ln>
+          </p:spPr>
+          <p:txBody>
+            <a:bodyPr spcFirstLastPara="1" wrap="square" lIns="91425" tIns="45700" rIns="91425" bIns="45700" anchor="t" anchorCtr="0">
+              <a:spAutoFit/>
+            </a:bodyPr>
+            <a:lstStyle/>
+            <a:p>
+              <a:pPr marL="0" marR="0" lvl="0" indent="0" algn="l" rtl="0">
+                <a:spcBef>
+                  <a:spcPts val="0"/>
+                </a:spcBef>
+                <a:spcAft>
+                  <a:spcPts val="0"/>
+                </a:spcAft>
+                <a:buNone/>
+              </a:pPr>
+              <a:r>
+                <a:rPr lang="en-US" sz="1800" b="1" i="0" u="none" strike="noStrike" cap="none" dirty="0">
+                  <a:solidFill>
+                    <a:srgbClr val="44546A"/>
+                  </a:solidFill>
+                  <a:latin typeface="Arial"/>
+                  <a:ea typeface="Arial"/>
+                  <a:cs typeface="Arial"/>
+                  <a:sym typeface="Arial"/>
+                </a:rPr>
+                <a:t>Treatment/Interventions</a:t>
+              </a:r>
+              <a:endParaRPr dirty="0"/>
+            </a:p>
+          </p:txBody>
+        </p:sp>
+        <p:sp>
+          <p:nvSpPr>
+            <p:cNvPr id="463" name="Google Shape;463;p10"/>
+            <p:cNvSpPr/>
+            <p:nvPr/>
+          </p:nvSpPr>
+          <p:spPr>
+            <a:xfrm rot="220145">
+              <a:off x="7349258" y="4966806"/>
+              <a:ext cx="310667" cy="350975"/>
+            </a:xfrm>
+            <a:prstGeom prst="corner">
+              <a:avLst>
+                <a:gd name="adj1" fmla="val 25260"/>
+                <a:gd name="adj2" fmla="val 23011"/>
+              </a:avLst>
+            </a:prstGeom>
+            <a:solidFill>
+              <a:schemeClr val="lt1"/>
+            </a:solidFill>
+            <a:ln>
+              <a:noFill/>
+            </a:ln>
+          </p:spPr>
+          <p:txBody>
+            <a:bodyPr spcFirstLastPara="1" wrap="square" lIns="91425" tIns="45700" rIns="91425" bIns="45700" anchor="ctr" anchorCtr="0">
+              <a:noAutofit/>
+            </a:bodyPr>
+            <a:lstStyle/>
+            <a:p>
+              <a:pPr marL="0" marR="0" lvl="0" indent="0" algn="ctr" rtl="0">
+                <a:spcBef>
+                  <a:spcPts val="0"/>
+                </a:spcBef>
+                <a:spcAft>
+                  <a:spcPts val="0"/>
+                </a:spcAft>
+                <a:buNone/>
+              </a:pPr>
+              <a:endParaRPr sz="1800" b="0" i="0" u="none" strike="noStrike" cap="none">
+                <a:solidFill>
+                  <a:srgbClr val="FFFFFF"/>
+                </a:solidFill>
+                <a:latin typeface="Calibri"/>
+                <a:ea typeface="Calibri"/>
+                <a:cs typeface="Calibri"/>
+                <a:sym typeface="Calibri"/>
+              </a:endParaRPr>
+            </a:p>
+          </p:txBody>
+        </p:sp>
+        <p:sp>
+          <p:nvSpPr>
+            <p:cNvPr id="464" name="Google Shape;464;p10"/>
+            <p:cNvSpPr/>
+            <p:nvPr/>
+          </p:nvSpPr>
+          <p:spPr>
+            <a:xfrm rot="5400000">
+              <a:off x="4954232" y="5100492"/>
+              <a:ext cx="310667" cy="350975"/>
+            </a:xfrm>
+            <a:prstGeom prst="corner">
+              <a:avLst>
+                <a:gd name="adj1" fmla="val 25260"/>
+                <a:gd name="adj2" fmla="val 23011"/>
+              </a:avLst>
+            </a:prstGeom>
+            <a:solidFill>
+              <a:schemeClr val="lt1"/>
+            </a:solidFill>
+            <a:ln>
+              <a:noFill/>
+            </a:ln>
+          </p:spPr>
+          <p:txBody>
+            <a:bodyPr spcFirstLastPara="1" wrap="square" lIns="91425" tIns="45700" rIns="91425" bIns="45700" anchor="ctr" anchorCtr="0">
+              <a:noAutofit/>
+            </a:bodyPr>
+            <a:lstStyle/>
+            <a:p>
+              <a:pPr marL="0" marR="0" lvl="0" indent="0" algn="ctr" rtl="0">
+                <a:spcBef>
+                  <a:spcPts val="0"/>
+                </a:spcBef>
+                <a:spcAft>
+                  <a:spcPts val="0"/>
+                </a:spcAft>
+                <a:buNone/>
+              </a:pPr>
+              <a:endParaRPr sz="1800" b="0" i="0" u="none" strike="noStrike" cap="none">
+                <a:solidFill>
+                  <a:srgbClr val="FFFFFF"/>
+                </a:solidFill>
+                <a:latin typeface="Calibri"/>
+                <a:ea typeface="Calibri"/>
+                <a:cs typeface="Calibri"/>
+                <a:sym typeface="Calibri"/>
+              </a:endParaRPr>
+            </a:p>
+          </p:txBody>
+        </p:sp>
+        <p:pic>
+          <p:nvPicPr>
+            <p:cNvPr id="465" name="Google Shape;465;p10"/>
+            <p:cNvPicPr preferRelativeResize="0"/>
+            <p:nvPr/>
+          </p:nvPicPr>
+          <p:blipFill rotWithShape="1">
+            <a:blip r:embed="rId3">
+              <a:alphaModFix/>
+            </a:blip>
+            <a:srcRect l="77039" t="13946" r="6848" b="38447"/>
+            <a:stretch/>
+          </p:blipFill>
+          <p:spPr>
+            <a:xfrm>
+              <a:off x="5376502" y="5079925"/>
+              <a:ext cx="871176" cy="906980"/>
+            </a:xfrm>
+            <a:prstGeom prst="ellipse">
+              <a:avLst/>
+            </a:prstGeom>
+            <a:noFill/>
+            <a:ln>
+              <a:noFill/>
+            </a:ln>
+          </p:spPr>
+        </p:pic>
+        <p:pic>
+          <p:nvPicPr>
+            <p:cNvPr id="466" name="Google Shape;466;p10"/>
+            <p:cNvPicPr preferRelativeResize="0"/>
+            <p:nvPr/>
+          </p:nvPicPr>
+          <p:blipFill rotWithShape="1">
+            <a:blip r:embed="rId4">
+              <a:alphaModFix/>
+            </a:blip>
+            <a:srcRect l="39145" t="8981" r="40382" b="40117"/>
+            <a:stretch/>
+          </p:blipFill>
+          <p:spPr>
+            <a:xfrm>
+              <a:off x="6502433" y="5023568"/>
+              <a:ext cx="941343" cy="860592"/>
+            </a:xfrm>
+            <a:prstGeom prst="ellipse">
+              <a:avLst/>
+            </a:prstGeom>
+            <a:noFill/>
+            <a:ln>
+              <a:noFill/>
+            </a:ln>
+          </p:spPr>
+        </p:pic>
+        <p:pic>
+          <p:nvPicPr>
+            <p:cNvPr id="467" name="Google Shape;467;p10"/>
+            <p:cNvPicPr preferRelativeResize="0"/>
+            <p:nvPr/>
+          </p:nvPicPr>
+          <p:blipFill rotWithShape="1">
+            <a:blip r:embed="rId5">
+              <a:alphaModFix/>
+            </a:blip>
+            <a:srcRect l="5058" t="15016" r="75824" b="40244"/>
+            <a:stretch/>
+          </p:blipFill>
+          <p:spPr>
+            <a:xfrm>
+              <a:off x="5915931" y="5750409"/>
+              <a:ext cx="969539" cy="897116"/>
+            </a:xfrm>
+            <a:prstGeom prst="ellipse">
+              <a:avLst/>
+            </a:prstGeom>
+            <a:noFill/>
+            <a:ln>
+              <a:noFill/>
+            </a:ln>
+          </p:spPr>
+        </p:pic>
+        <p:grpSp>
+          <p:nvGrpSpPr>
+            <p:cNvPr id="3" name="Group 2">
+              <a:extLst>
+                <a:ext uri="{FF2B5EF4-FFF2-40B4-BE49-F238E27FC236}">
+                  <a16:creationId xmlns:a16="http://schemas.microsoft.com/office/drawing/2014/main" id="{90785A58-5E14-6112-3128-8DF1B64E4CDE}"/>
+                </a:ext>
+              </a:extLst>
+            </p:cNvPr>
+            <p:cNvGrpSpPr/>
+            <p:nvPr/>
+          </p:nvGrpSpPr>
+          <p:grpSpPr>
+            <a:xfrm>
+              <a:off x="3206984" y="3118493"/>
+              <a:ext cx="901661" cy="897115"/>
+              <a:chOff x="3206984" y="3294283"/>
+              <a:chExt cx="901661" cy="897115"/>
+            </a:xfrm>
+          </p:grpSpPr>
+          <p:sp>
+            <p:nvSpPr>
+              <p:cNvPr id="468" name="Google Shape;468;p10"/>
+              <p:cNvSpPr/>
+              <p:nvPr/>
+            </p:nvSpPr>
+            <p:spPr>
+              <a:xfrm>
+                <a:off x="3206984" y="3294283"/>
+                <a:ext cx="901661" cy="897115"/>
+              </a:xfrm>
+              <a:prstGeom prst="ellipse">
+                <a:avLst/>
+              </a:prstGeom>
+              <a:solidFill>
+                <a:schemeClr val="lt1"/>
+              </a:solidFill>
+              <a:ln w="25400" cap="flat" cmpd="sng">
+                <a:solidFill>
+                  <a:srgbClr val="050913"/>
+                </a:solidFill>
+                <a:prstDash val="solid"/>
+                <a:round/>
+                <a:headEnd type="none" w="sm" len="sm"/>
+                <a:tailEnd type="none" w="sm" len="sm"/>
+              </a:ln>
+            </p:spPr>
+            <p:txBody>
+              <a:bodyPr spcFirstLastPara="1" wrap="square" lIns="91425" tIns="45700" rIns="91425" bIns="45700" anchor="ctr" anchorCtr="0">
+                <a:noAutofit/>
+              </a:bodyPr>
+              <a:lstStyle/>
+              <a:p>
+                <a:pPr marL="0" marR="0" lvl="0" indent="0" algn="ctr" rtl="0">
+                  <a:spcBef>
+                    <a:spcPts val="0"/>
+                  </a:spcBef>
+                  <a:spcAft>
+                    <a:spcPts val="0"/>
+                  </a:spcAft>
+                  <a:buNone/>
+                </a:pPr>
+                <a:endParaRPr sz="1800" b="0" i="0" u="none" strike="noStrike" cap="none">
+                  <a:solidFill>
+                    <a:schemeClr val="lt1"/>
+                  </a:solidFill>
+                  <a:latin typeface="Arial"/>
+                  <a:ea typeface="Arial"/>
+                  <a:cs typeface="Arial"/>
+                  <a:sym typeface="Arial"/>
+                </a:endParaRPr>
+              </a:p>
+            </p:txBody>
+          </p:sp>
+          <p:pic>
+            <p:nvPicPr>
+              <p:cNvPr id="469" name="Google Shape;469;p10"/>
+              <p:cNvPicPr preferRelativeResize="0"/>
+              <p:nvPr/>
+            </p:nvPicPr>
+            <p:blipFill rotWithShape="1">
+              <a:blip r:embed="rId6">
+                <a:alphaModFix/>
+              </a:blip>
+              <a:srcRect/>
+              <a:stretch/>
+            </p:blipFill>
+            <p:spPr>
+              <a:xfrm>
+                <a:off x="3346684" y="3473005"/>
+                <a:ext cx="610812" cy="610812"/>
+              </a:xfrm>
+              <a:prstGeom prst="rect">
+                <a:avLst/>
+              </a:prstGeom>
+              <a:noFill/>
+              <a:ln>
+                <a:noFill/>
+              </a:ln>
+            </p:spPr>
+          </p:pic>
+        </p:grpSp>
+        <p:pic>
+          <p:nvPicPr>
+            <p:cNvPr id="470" name="Google Shape;470;p10"/>
+            <p:cNvPicPr preferRelativeResize="0"/>
+            <p:nvPr/>
+          </p:nvPicPr>
+          <p:blipFill rotWithShape="1">
+            <a:blip r:embed="rId7">
+              <a:alphaModFix/>
+            </a:blip>
+            <a:srcRect/>
+            <a:stretch/>
+          </p:blipFill>
+          <p:spPr>
+            <a:xfrm>
+              <a:off x="8006152" y="3118493"/>
+              <a:ext cx="1270000" cy="1270000"/>
+            </a:xfrm>
+            <a:prstGeom prst="rect">
+              <a:avLst/>
+            </a:prstGeom>
+            <a:noFill/>
+            <a:ln>
+              <a:noFill/>
+            </a:ln>
+          </p:spPr>
+        </p:pic>
+        <p:sp>
+          <p:nvSpPr>
+            <p:cNvPr id="471" name="Google Shape;471;p10"/>
+            <p:cNvSpPr/>
+            <p:nvPr/>
+          </p:nvSpPr>
+          <p:spPr>
+            <a:xfrm>
+              <a:off x="5915931" y="918800"/>
+              <a:ext cx="871176" cy="951352"/>
+            </a:xfrm>
+            <a:prstGeom prst="ellipse">
+              <a:avLst/>
+            </a:prstGeom>
+            <a:solidFill>
+              <a:schemeClr val="lt1"/>
+            </a:solidFill>
+            <a:ln w="25400" cap="flat" cmpd="sng">
+              <a:solidFill>
+                <a:srgbClr val="002060"/>
+              </a:solidFill>
+              <a:prstDash val="solid"/>
+              <a:round/>
+              <a:headEnd type="none" w="sm" len="sm"/>
+              <a:tailEnd type="none" w="sm" len="sm"/>
+            </a:ln>
+          </p:spPr>
+          <p:txBody>
+            <a:bodyPr spcFirstLastPara="1" wrap="square" lIns="91425" tIns="45700" rIns="91425" bIns="45700" anchor="ctr" anchorCtr="0">
+              <a:noAutofit/>
+            </a:bodyPr>
+            <a:lstStyle/>
+            <a:p>
+              <a:pPr marL="0" marR="0" lvl="0" indent="0" algn="ctr" rtl="0">
+                <a:spcBef>
+                  <a:spcPts val="0"/>
+                </a:spcBef>
+                <a:spcAft>
+                  <a:spcPts val="0"/>
+                </a:spcAft>
+                <a:buNone/>
+              </a:pPr>
+              <a:endParaRPr sz="1800" b="0" i="0" u="none" strike="noStrike" cap="none">
+                <a:solidFill>
                   <a:schemeClr val="lt1"/>
                 </a:solidFill>
                 <a:latin typeface="Arial"/>
@@ -9414,12 +9596,12 @@
         </p:sp>
         <p:pic>
           <p:nvPicPr>
-            <p:cNvPr id="469" name="Google Shape;469;p10"/>
+            <p:cNvPr id="472" name="Google Shape;472;p10"/>
             <p:cNvPicPr preferRelativeResize="0"/>
             <p:nvPr/>
           </p:nvPicPr>
           <p:blipFill rotWithShape="1">
-            <a:blip r:embed="rId6">
+            <a:blip r:embed="rId8">
               <a:alphaModFix/>
             </a:blip>
             <a:srcRect/>
@@ -9427,8 +9609,8 @@
           </p:blipFill>
           <p:spPr>
             <a:xfrm>
-              <a:off x="3346684" y="3473005"/>
-              <a:ext cx="610812" cy="610812"/>
+              <a:off x="6051201" y="1101776"/>
+              <a:ext cx="625287" cy="625287"/>
             </a:xfrm>
             <a:prstGeom prst="rect">
               <a:avLst/>
@@ -9439,502 +9621,293 @@
             </a:ln>
           </p:spPr>
         </p:pic>
+        <p:sp>
+          <p:nvSpPr>
+            <p:cNvPr id="474" name="Google Shape;474;p10"/>
+            <p:cNvSpPr/>
+            <p:nvPr/>
+          </p:nvSpPr>
+          <p:spPr>
+            <a:xfrm>
+              <a:off x="4807595" y="1526578"/>
+              <a:ext cx="560393" cy="589024"/>
+            </a:xfrm>
+            <a:prstGeom prst="ellipse">
+              <a:avLst/>
+            </a:prstGeom>
+            <a:solidFill>
+              <a:srgbClr val="51CAB8"/>
+            </a:solidFill>
+            <a:ln>
+              <a:noFill/>
+            </a:ln>
+          </p:spPr>
+          <p:txBody>
+            <a:bodyPr spcFirstLastPara="1" wrap="square" lIns="91425" tIns="45700" rIns="91425" bIns="45700" anchor="ctr" anchorCtr="0">
+              <a:noAutofit/>
+            </a:bodyPr>
+            <a:lstStyle/>
+            <a:p>
+              <a:pPr marL="0" marR="0" lvl="0" indent="0" algn="ctr" rtl="0">
+                <a:lnSpc>
+                  <a:spcPct val="100000"/>
+                </a:lnSpc>
+                <a:spcBef>
+                  <a:spcPts val="0"/>
+                </a:spcBef>
+                <a:spcAft>
+                  <a:spcPts val="0"/>
+                </a:spcAft>
+                <a:buClr>
+                  <a:srgbClr val="1F3764"/>
+                </a:buClr>
+                <a:buSzPts val="2400"/>
+                <a:buFont typeface="Arial"/>
+                <a:buNone/>
+              </a:pPr>
+              <a:r>
+                <a:rPr lang="en-US" sz="2400" b="0" i="0" u="none" strike="noStrike" cap="none" dirty="0">
+                  <a:solidFill>
+                    <a:srgbClr val="1F3764"/>
+                  </a:solidFill>
+                  <a:latin typeface="Arial"/>
+                  <a:ea typeface="Arial"/>
+                  <a:cs typeface="Arial"/>
+                  <a:sym typeface="Arial"/>
+                </a:rPr>
+                <a:t>1</a:t>
+              </a:r>
+              <a:endParaRPr dirty="0"/>
+            </a:p>
+          </p:txBody>
+        </p:sp>
+        <p:sp>
+          <p:nvSpPr>
+            <p:cNvPr id="477" name="Google Shape;477;p10"/>
+            <p:cNvSpPr/>
+            <p:nvPr/>
+          </p:nvSpPr>
+          <p:spPr>
+            <a:xfrm>
+              <a:off x="7946357" y="5086416"/>
+              <a:ext cx="560393" cy="589024"/>
+            </a:xfrm>
+            <a:prstGeom prst="ellipse">
+              <a:avLst/>
+            </a:prstGeom>
+            <a:solidFill>
+              <a:srgbClr val="51CAB8"/>
+            </a:solidFill>
+            <a:ln>
+              <a:noFill/>
+            </a:ln>
+          </p:spPr>
+          <p:txBody>
+            <a:bodyPr spcFirstLastPara="1" wrap="square" lIns="91425" tIns="45700" rIns="91425" bIns="45700" anchor="ctr" anchorCtr="0">
+              <a:noAutofit/>
+            </a:bodyPr>
+            <a:lstStyle/>
+            <a:p>
+              <a:pPr marL="0" marR="0" lvl="0" indent="0" algn="ctr" rtl="0">
+                <a:lnSpc>
+                  <a:spcPct val="100000"/>
+                </a:lnSpc>
+                <a:spcBef>
+                  <a:spcPts val="0"/>
+                </a:spcBef>
+                <a:spcAft>
+                  <a:spcPts val="0"/>
+                </a:spcAft>
+                <a:buClr>
+                  <a:srgbClr val="1F3764"/>
+                </a:buClr>
+                <a:buSzPts val="2400"/>
+                <a:buFont typeface="Arial"/>
+                <a:buNone/>
+              </a:pPr>
+              <a:r>
+                <a:rPr lang="en-US" sz="2400" b="0" i="0" u="none" strike="noStrike" cap="none" dirty="0">
+                  <a:solidFill>
+                    <a:srgbClr val="1F3764"/>
+                  </a:solidFill>
+                  <a:latin typeface="Arial"/>
+                  <a:ea typeface="Arial"/>
+                  <a:cs typeface="Arial"/>
+                  <a:sym typeface="Arial"/>
+                </a:rPr>
+                <a:t>2</a:t>
+              </a:r>
+              <a:endParaRPr dirty="0"/>
+            </a:p>
+          </p:txBody>
+        </p:sp>
+        <p:sp>
+          <p:nvSpPr>
+            <p:cNvPr id="478" name="Google Shape;478;p10"/>
+            <p:cNvSpPr txBox="1"/>
+            <p:nvPr/>
+          </p:nvSpPr>
+          <p:spPr>
+            <a:xfrm>
+              <a:off x="1140087" y="4919243"/>
+              <a:ext cx="2667208" cy="923330"/>
+            </a:xfrm>
+            <a:prstGeom prst="rect">
+              <a:avLst/>
+            </a:prstGeom>
+            <a:noFill/>
+            <a:ln>
+              <a:noFill/>
+            </a:ln>
+          </p:spPr>
+          <p:txBody>
+            <a:bodyPr spcFirstLastPara="1" wrap="square" lIns="91425" tIns="45700" rIns="91425" bIns="45700" anchor="t" anchorCtr="0">
+              <a:spAutoFit/>
+            </a:bodyPr>
+            <a:lstStyle/>
+            <a:p>
+              <a:pPr marL="0" marR="0" lvl="0" indent="0" algn="r" rtl="0">
+                <a:spcBef>
+                  <a:spcPts val="0"/>
+                </a:spcBef>
+                <a:spcAft>
+                  <a:spcPts val="0"/>
+                </a:spcAft>
+                <a:buNone/>
+              </a:pPr>
+              <a:r>
+                <a:rPr lang="en-US" sz="1800" b="0" i="0" u="none" strike="noStrike" cap="none" dirty="0">
+                  <a:solidFill>
+                    <a:srgbClr val="555857"/>
+                  </a:solidFill>
+                  <a:latin typeface="Arial"/>
+                  <a:ea typeface="Arial"/>
+                  <a:cs typeface="Arial"/>
+                  <a:sym typeface="Arial"/>
+                </a:rPr>
+                <a:t>Gather and aggregate SDOH data for uses beyond point of care.</a:t>
+              </a:r>
+              <a:endParaRPr dirty="0"/>
+            </a:p>
+          </p:txBody>
+        </p:sp>
+        <p:sp>
+          <p:nvSpPr>
+            <p:cNvPr id="479" name="Google Shape;479;p10"/>
+            <p:cNvSpPr/>
+            <p:nvPr/>
+          </p:nvSpPr>
+          <p:spPr>
+            <a:xfrm>
+              <a:off x="4151300" y="5049446"/>
+              <a:ext cx="560393" cy="589024"/>
+            </a:xfrm>
+            <a:prstGeom prst="ellipse">
+              <a:avLst/>
+            </a:prstGeom>
+            <a:solidFill>
+              <a:srgbClr val="51CAB8"/>
+            </a:solidFill>
+            <a:ln>
+              <a:noFill/>
+            </a:ln>
+          </p:spPr>
+          <p:txBody>
+            <a:bodyPr spcFirstLastPara="1" wrap="square" lIns="91425" tIns="45700" rIns="91425" bIns="45700" anchor="ctr" anchorCtr="0">
+              <a:noAutofit/>
+            </a:bodyPr>
+            <a:lstStyle/>
+            <a:p>
+              <a:pPr marL="0" marR="0" lvl="0" indent="0" algn="ctr" rtl="0">
+                <a:lnSpc>
+                  <a:spcPct val="100000"/>
+                </a:lnSpc>
+                <a:spcBef>
+                  <a:spcPts val="0"/>
+                </a:spcBef>
+                <a:spcAft>
+                  <a:spcPts val="0"/>
+                </a:spcAft>
+                <a:buClr>
+                  <a:srgbClr val="1F3764"/>
+                </a:buClr>
+                <a:buSzPts val="2400"/>
+                <a:buFont typeface="Arial"/>
+                <a:buNone/>
+              </a:pPr>
+              <a:r>
+                <a:rPr lang="en-US" sz="2400" b="0" i="0" u="none" strike="noStrike" cap="none" dirty="0">
+                  <a:solidFill>
+                    <a:srgbClr val="1F3764"/>
+                  </a:solidFill>
+                  <a:latin typeface="Arial"/>
+                  <a:ea typeface="Arial"/>
+                  <a:cs typeface="Arial"/>
+                  <a:sym typeface="Arial"/>
+                </a:rPr>
+                <a:t>3</a:t>
+              </a:r>
+              <a:endParaRPr dirty="0"/>
+            </a:p>
+          </p:txBody>
+        </p:sp>
+        <p:sp>
+          <p:nvSpPr>
+            <p:cNvPr id="2" name="Google Shape;478;p10">
+              <a:extLst>
+                <a:ext uri="{FF2B5EF4-FFF2-40B4-BE49-F238E27FC236}">
+                  <a16:creationId xmlns:a16="http://schemas.microsoft.com/office/drawing/2014/main" id="{A28EFB0E-210E-E444-393D-296BE5EADA4D}"/>
+                </a:ext>
+              </a:extLst>
+            </p:cNvPr>
+            <p:cNvSpPr txBox="1"/>
+            <p:nvPr/>
+          </p:nvSpPr>
+          <p:spPr>
+            <a:xfrm>
+              <a:off x="1698013" y="1219530"/>
+              <a:ext cx="2667208" cy="923289"/>
+            </a:xfrm>
+            <a:prstGeom prst="rect">
+              <a:avLst/>
+            </a:prstGeom>
+            <a:noFill/>
+            <a:ln>
+              <a:noFill/>
+            </a:ln>
+          </p:spPr>
+          <p:txBody>
+            <a:bodyPr spcFirstLastPara="1" wrap="square" lIns="91425" tIns="45700" rIns="91425" bIns="45700" anchor="t" anchorCtr="0">
+              <a:spAutoFit/>
+            </a:bodyPr>
+            <a:lstStyle/>
+            <a:p>
+              <a:pPr marL="0" marR="0" lvl="0" indent="0" algn="r" rtl="0">
+                <a:spcBef>
+                  <a:spcPts val="0"/>
+                </a:spcBef>
+                <a:spcAft>
+                  <a:spcPts val="0"/>
+                </a:spcAft>
+                <a:buNone/>
+              </a:pPr>
+              <a:r>
+                <a:rPr lang="en-US" sz="1800" b="0" i="0" u="none" strike="noStrike" cap="none" dirty="0">
+                  <a:solidFill>
+                    <a:srgbClr val="555857"/>
+                  </a:solidFill>
+                  <a:latin typeface="Arial"/>
+                  <a:ea typeface="Arial"/>
+                  <a:cs typeface="Arial"/>
+                  <a:sym typeface="Arial"/>
+                </a:rPr>
+                <a:t>Gather SDOH data in conjunction with a patient encounter.</a:t>
+              </a:r>
+              <a:endParaRPr dirty="0"/>
+            </a:p>
+          </p:txBody>
+        </p:sp>
       </p:grpSp>
-      <p:pic>
-        <p:nvPicPr>
-          <p:cNvPr id="470" name="Google Shape;470;p10"/>
-          <p:cNvPicPr preferRelativeResize="0"/>
-          <p:nvPr/>
-        </p:nvPicPr>
-        <p:blipFill rotWithShape="1">
-          <a:blip r:embed="rId7">
-            <a:alphaModFix/>
-          </a:blip>
-          <a:srcRect/>
-          <a:stretch/>
-        </p:blipFill>
-        <p:spPr>
-          <a:xfrm>
-            <a:off x="8006152" y="3118493"/>
-            <a:ext cx="1270000" cy="1270000"/>
-          </a:xfrm>
-          <a:prstGeom prst="rect">
-            <a:avLst/>
-          </a:prstGeom>
-          <a:noFill/>
-          <a:ln>
-            <a:noFill/>
-          </a:ln>
-        </p:spPr>
-      </p:pic>
-      <p:sp>
-        <p:nvSpPr>
-          <p:cNvPr id="471" name="Google Shape;471;p10"/>
-          <p:cNvSpPr/>
-          <p:nvPr/>
-        </p:nvSpPr>
-        <p:spPr>
-          <a:xfrm>
-            <a:off x="5915931" y="918800"/>
-            <a:ext cx="871176" cy="951352"/>
-          </a:xfrm>
-          <a:prstGeom prst="ellipse">
-            <a:avLst/>
-          </a:prstGeom>
-          <a:solidFill>
-            <a:schemeClr val="lt1"/>
-          </a:solidFill>
-          <a:ln w="25400" cap="flat" cmpd="sng">
-            <a:solidFill>
-              <a:srgbClr val="002060"/>
-            </a:solidFill>
-            <a:prstDash val="solid"/>
-            <a:round/>
-            <a:headEnd type="none" w="sm" len="sm"/>
-            <a:tailEnd type="none" w="sm" len="sm"/>
-          </a:ln>
-        </p:spPr>
-        <p:txBody>
-          <a:bodyPr spcFirstLastPara="1" wrap="square" lIns="91425" tIns="45700" rIns="91425" bIns="45700" anchor="ctr" anchorCtr="0">
-            <a:noAutofit/>
-          </a:bodyPr>
-          <a:lstStyle/>
-          <a:p>
-            <a:pPr marL="0" marR="0" lvl="0" indent="0" algn="ctr" rtl="0">
-              <a:spcBef>
-                <a:spcPts val="0"/>
-              </a:spcBef>
-              <a:spcAft>
-                <a:spcPts val="0"/>
-              </a:spcAft>
-              <a:buNone/>
-            </a:pPr>
-            <a:endParaRPr sz="1800" b="0" i="0" u="none" strike="noStrike" cap="none">
-              <a:solidFill>
-                <a:schemeClr val="lt1"/>
-              </a:solidFill>
-              <a:latin typeface="Arial"/>
-              <a:ea typeface="Arial"/>
-              <a:cs typeface="Arial"/>
-              <a:sym typeface="Arial"/>
-            </a:endParaRPr>
-          </a:p>
-        </p:txBody>
-      </p:sp>
-      <p:pic>
-        <p:nvPicPr>
-          <p:cNvPr id="472" name="Google Shape;472;p10"/>
-          <p:cNvPicPr preferRelativeResize="0"/>
-          <p:nvPr/>
-        </p:nvPicPr>
-        <p:blipFill rotWithShape="1">
-          <a:blip r:embed="rId8">
-            <a:alphaModFix/>
-          </a:blip>
-          <a:srcRect/>
-          <a:stretch/>
-        </p:blipFill>
-        <p:spPr>
-          <a:xfrm>
-            <a:off x="6051201" y="1101776"/>
-            <a:ext cx="625287" cy="625287"/>
-          </a:xfrm>
-          <a:prstGeom prst="rect">
-            <a:avLst/>
-          </a:prstGeom>
-          <a:noFill/>
-          <a:ln>
-            <a:noFill/>
-          </a:ln>
-        </p:spPr>
-      </p:pic>
-      <p:sp>
-        <p:nvSpPr>
-          <p:cNvPr id="474" name="Google Shape;474;p10"/>
-          <p:cNvSpPr/>
-          <p:nvPr/>
-        </p:nvSpPr>
-        <p:spPr>
-          <a:xfrm>
-            <a:off x="4807595" y="1526578"/>
-            <a:ext cx="560393" cy="589024"/>
-          </a:xfrm>
-          <a:prstGeom prst="ellipse">
-            <a:avLst/>
-          </a:prstGeom>
-          <a:solidFill>
-            <a:srgbClr val="51CAB8"/>
-          </a:solidFill>
-          <a:ln>
-            <a:noFill/>
-          </a:ln>
-        </p:spPr>
-        <p:txBody>
-          <a:bodyPr spcFirstLastPara="1" wrap="square" lIns="91425" tIns="45700" rIns="91425" bIns="45700" anchor="ctr" anchorCtr="0">
-            <a:noAutofit/>
-          </a:bodyPr>
-          <a:lstStyle/>
-          <a:p>
-            <a:pPr marL="0" marR="0" lvl="0" indent="0" algn="ctr" rtl="0">
-              <a:lnSpc>
-                <a:spcPct val="100000"/>
-              </a:lnSpc>
-              <a:spcBef>
-                <a:spcPts val="0"/>
-              </a:spcBef>
-              <a:spcAft>
-                <a:spcPts val="0"/>
-              </a:spcAft>
-              <a:buClr>
-                <a:srgbClr val="1F3764"/>
-              </a:buClr>
-              <a:buSzPts val="2400"/>
-              <a:buFont typeface="Arial"/>
-              <a:buNone/>
-            </a:pPr>
-            <a:r>
-              <a:rPr lang="en-US" sz="2400" b="0" i="0" u="none" strike="noStrike" cap="none" dirty="0">
-                <a:solidFill>
-                  <a:srgbClr val="1F3764"/>
-                </a:solidFill>
-                <a:latin typeface="Arial"/>
-                <a:ea typeface="Arial"/>
-                <a:cs typeface="Arial"/>
-                <a:sym typeface="Arial"/>
-              </a:rPr>
-              <a:t>1</a:t>
-            </a:r>
-            <a:endParaRPr dirty="0"/>
-          </a:p>
-        </p:txBody>
-      </p:sp>
-      <p:sp>
-        <p:nvSpPr>
-          <p:cNvPr id="476" name="Google Shape;476;p10"/>
-          <p:cNvSpPr txBox="1"/>
-          <p:nvPr/>
-        </p:nvSpPr>
-        <p:spPr>
-          <a:xfrm>
-            <a:off x="8598129" y="4919284"/>
-            <a:ext cx="3280607" cy="923289"/>
-          </a:xfrm>
-          <a:prstGeom prst="rect">
-            <a:avLst/>
-          </a:prstGeom>
-          <a:noFill/>
-          <a:ln>
-            <a:noFill/>
-          </a:ln>
-        </p:spPr>
-        <p:txBody>
-          <a:bodyPr spcFirstLastPara="1" wrap="square" lIns="91425" tIns="45700" rIns="91425" bIns="45700" anchor="t" anchorCtr="0">
-            <a:spAutoFit/>
-          </a:bodyPr>
-          <a:lstStyle/>
-          <a:p>
-            <a:pPr marL="0" marR="0" lvl="0" indent="0" rtl="0">
-              <a:spcBef>
-                <a:spcPts val="0"/>
-              </a:spcBef>
-              <a:spcAft>
-                <a:spcPts val="0"/>
-              </a:spcAft>
-              <a:buNone/>
-            </a:pPr>
-            <a:r>
-              <a:rPr lang="en-US" sz="1800" b="0" i="0" u="none" strike="noStrike" cap="none" dirty="0">
-                <a:solidFill>
-                  <a:srgbClr val="555857"/>
-                </a:solidFill>
-                <a:latin typeface="Arial"/>
-                <a:ea typeface="Arial"/>
-                <a:cs typeface="Arial"/>
-                <a:sym typeface="Arial"/>
-              </a:rPr>
-              <a:t>Document and track SDOH related interventions to completion. </a:t>
-            </a:r>
-            <a:endParaRPr dirty="0"/>
-          </a:p>
-        </p:txBody>
-      </p:sp>
-      <p:sp>
-        <p:nvSpPr>
-          <p:cNvPr id="477" name="Google Shape;477;p10"/>
-          <p:cNvSpPr/>
-          <p:nvPr/>
-        </p:nvSpPr>
-        <p:spPr>
-          <a:xfrm>
-            <a:off x="7946357" y="5086416"/>
-            <a:ext cx="560393" cy="589024"/>
-          </a:xfrm>
-          <a:prstGeom prst="ellipse">
-            <a:avLst/>
-          </a:prstGeom>
-          <a:solidFill>
-            <a:srgbClr val="51CAB8"/>
-          </a:solidFill>
-          <a:ln>
-            <a:noFill/>
-          </a:ln>
-        </p:spPr>
-        <p:txBody>
-          <a:bodyPr spcFirstLastPara="1" wrap="square" lIns="91425" tIns="45700" rIns="91425" bIns="45700" anchor="ctr" anchorCtr="0">
-            <a:noAutofit/>
-          </a:bodyPr>
-          <a:lstStyle/>
-          <a:p>
-            <a:pPr marL="0" marR="0" lvl="0" indent="0" algn="ctr" rtl="0">
-              <a:lnSpc>
-                <a:spcPct val="100000"/>
-              </a:lnSpc>
-              <a:spcBef>
-                <a:spcPts val="0"/>
-              </a:spcBef>
-              <a:spcAft>
-                <a:spcPts val="0"/>
-              </a:spcAft>
-              <a:buClr>
-                <a:srgbClr val="1F3764"/>
-              </a:buClr>
-              <a:buSzPts val="2400"/>
-              <a:buFont typeface="Arial"/>
-              <a:buNone/>
-            </a:pPr>
-            <a:r>
-              <a:rPr lang="en-US" sz="2400" b="0" i="0" u="none" strike="noStrike" cap="none" dirty="0">
-                <a:solidFill>
-                  <a:srgbClr val="1F3764"/>
-                </a:solidFill>
-                <a:latin typeface="Arial"/>
-                <a:ea typeface="Arial"/>
-                <a:cs typeface="Arial"/>
-                <a:sym typeface="Arial"/>
-              </a:rPr>
-              <a:t>2</a:t>
-            </a:r>
-            <a:endParaRPr dirty="0"/>
-          </a:p>
-        </p:txBody>
-      </p:sp>
-      <p:sp>
-        <p:nvSpPr>
-          <p:cNvPr id="478" name="Google Shape;478;p10"/>
-          <p:cNvSpPr txBox="1"/>
-          <p:nvPr/>
-        </p:nvSpPr>
-        <p:spPr>
-          <a:xfrm>
-            <a:off x="1140087" y="4919243"/>
-            <a:ext cx="2667208" cy="923330"/>
-          </a:xfrm>
-          <a:prstGeom prst="rect">
-            <a:avLst/>
-          </a:prstGeom>
-          <a:noFill/>
-          <a:ln>
-            <a:noFill/>
-          </a:ln>
-        </p:spPr>
-        <p:txBody>
-          <a:bodyPr spcFirstLastPara="1" wrap="square" lIns="91425" tIns="45700" rIns="91425" bIns="45700" anchor="t" anchorCtr="0">
-            <a:spAutoFit/>
-          </a:bodyPr>
-          <a:lstStyle/>
-          <a:p>
-            <a:pPr marL="0" marR="0" lvl="0" indent="0" algn="r" rtl="0">
-              <a:spcBef>
-                <a:spcPts val="0"/>
-              </a:spcBef>
-              <a:spcAft>
-                <a:spcPts val="0"/>
-              </a:spcAft>
-              <a:buNone/>
-            </a:pPr>
-            <a:r>
-              <a:rPr lang="en-US" sz="1800" b="0" i="0" u="none" strike="noStrike" cap="none" dirty="0">
-                <a:solidFill>
-                  <a:srgbClr val="555857"/>
-                </a:solidFill>
-                <a:latin typeface="Arial"/>
-                <a:ea typeface="Arial"/>
-                <a:cs typeface="Arial"/>
-                <a:sym typeface="Arial"/>
-              </a:rPr>
-              <a:t>Gather and aggregate SDOH data for uses beyond point of care.</a:t>
-            </a:r>
-            <a:endParaRPr dirty="0"/>
-          </a:p>
-        </p:txBody>
-      </p:sp>
-      <p:sp>
-        <p:nvSpPr>
-          <p:cNvPr id="479" name="Google Shape;479;p10"/>
-          <p:cNvSpPr/>
-          <p:nvPr/>
-        </p:nvSpPr>
-        <p:spPr>
-          <a:xfrm>
-            <a:off x="4151300" y="5049446"/>
-            <a:ext cx="560393" cy="589024"/>
-          </a:xfrm>
-          <a:prstGeom prst="ellipse">
-            <a:avLst/>
-          </a:prstGeom>
-          <a:solidFill>
-            <a:srgbClr val="51CAB8"/>
-          </a:solidFill>
-          <a:ln>
-            <a:noFill/>
-          </a:ln>
-        </p:spPr>
-        <p:txBody>
-          <a:bodyPr spcFirstLastPara="1" wrap="square" lIns="91425" tIns="45700" rIns="91425" bIns="45700" anchor="ctr" anchorCtr="0">
-            <a:noAutofit/>
-          </a:bodyPr>
-          <a:lstStyle/>
-          <a:p>
-            <a:pPr marL="0" marR="0" lvl="0" indent="0" algn="ctr" rtl="0">
-              <a:lnSpc>
-                <a:spcPct val="100000"/>
-              </a:lnSpc>
-              <a:spcBef>
-                <a:spcPts val="0"/>
-              </a:spcBef>
-              <a:spcAft>
-                <a:spcPts val="0"/>
-              </a:spcAft>
-              <a:buClr>
-                <a:srgbClr val="1F3764"/>
-              </a:buClr>
-              <a:buSzPts val="2400"/>
-              <a:buFont typeface="Arial"/>
-              <a:buNone/>
-            </a:pPr>
-            <a:r>
-              <a:rPr lang="en-US" sz="2400" b="0" i="0" u="none" strike="noStrike" cap="none" dirty="0">
-                <a:solidFill>
-                  <a:srgbClr val="1F3764"/>
-                </a:solidFill>
-                <a:latin typeface="Arial"/>
-                <a:ea typeface="Arial"/>
-                <a:cs typeface="Arial"/>
-                <a:sym typeface="Arial"/>
-              </a:rPr>
-              <a:t>3</a:t>
-            </a:r>
-            <a:endParaRPr dirty="0"/>
-          </a:p>
-        </p:txBody>
-      </p:sp>
-      <p:sp>
-        <p:nvSpPr>
-          <p:cNvPr id="482" name="Google Shape;482;p10"/>
-          <p:cNvSpPr txBox="1">
-            <a:spLocks noGrp="1"/>
-          </p:cNvSpPr>
-          <p:nvPr>
-            <p:ph type="sldNum" idx="12"/>
-          </p:nvPr>
-        </p:nvSpPr>
-        <p:spPr>
-          <a:xfrm>
-            <a:off x="11361414" y="6464975"/>
-            <a:ext cx="694200" cy="365100"/>
-          </a:xfrm>
-          <a:prstGeom prst="rect">
-            <a:avLst/>
-          </a:prstGeom>
-          <a:noFill/>
-          <a:ln>
-            <a:noFill/>
-          </a:ln>
-        </p:spPr>
-        <p:txBody>
-          <a:bodyPr spcFirstLastPara="1" wrap="square" lIns="91425" tIns="45700" rIns="91425" bIns="45700" anchor="ctr" anchorCtr="0">
-            <a:noAutofit/>
-          </a:bodyPr>
-          <a:lstStyle/>
-          <a:p>
-            <a:pPr marL="0" lvl="0" indent="0" algn="r" rtl="0">
-              <a:spcBef>
-                <a:spcPts val="0"/>
-              </a:spcBef>
-              <a:spcAft>
-                <a:spcPts val="0"/>
-              </a:spcAft>
-              <a:buClr>
-                <a:srgbClr val="000000"/>
-              </a:buClr>
-              <a:buSzPts val="1200"/>
-              <a:buFont typeface="Arial"/>
-              <a:buNone/>
-            </a:pPr>
-            <a:fld id="{00000000-1234-1234-1234-123412341234}" type="slidenum">
-              <a:rPr lang="en-US"/>
-              <a:t>1</a:t>
-            </a:fld>
-            <a:endParaRPr/>
-          </a:p>
-        </p:txBody>
-      </p:sp>
-      <p:sp>
-        <p:nvSpPr>
-          <p:cNvPr id="2" name="Google Shape;478;p10">
-            <a:extLst>
-              <a:ext uri="{FF2B5EF4-FFF2-40B4-BE49-F238E27FC236}">
-                <a16:creationId xmlns:a16="http://schemas.microsoft.com/office/drawing/2014/main" id="{A28EFB0E-210E-E444-393D-296BE5EADA4D}"/>
-              </a:ext>
-            </a:extLst>
-          </p:cNvPr>
-          <p:cNvSpPr txBox="1"/>
-          <p:nvPr/>
-        </p:nvSpPr>
-        <p:spPr>
-          <a:xfrm>
-            <a:off x="1698013" y="1219530"/>
-            <a:ext cx="2667208" cy="923289"/>
-          </a:xfrm>
-          <a:prstGeom prst="rect">
-            <a:avLst/>
-          </a:prstGeom>
-          <a:noFill/>
-          <a:ln>
-            <a:noFill/>
-          </a:ln>
-        </p:spPr>
-        <p:txBody>
-          <a:bodyPr spcFirstLastPara="1" wrap="square" lIns="91425" tIns="45700" rIns="91425" bIns="45700" anchor="t" anchorCtr="0">
-            <a:spAutoFit/>
-          </a:bodyPr>
-          <a:lstStyle/>
-          <a:p>
-            <a:pPr marL="0" marR="0" lvl="0" indent="0" algn="r" rtl="0">
-              <a:spcBef>
-                <a:spcPts val="0"/>
-              </a:spcBef>
-              <a:spcAft>
-                <a:spcPts val="0"/>
-              </a:spcAft>
-              <a:buNone/>
-            </a:pPr>
-            <a:r>
-              <a:rPr lang="en-US" sz="1800" b="0" i="0" u="none" strike="noStrike" cap="none" dirty="0">
-                <a:solidFill>
-                  <a:srgbClr val="555857"/>
-                </a:solidFill>
-                <a:latin typeface="Arial"/>
-                <a:ea typeface="Arial"/>
-                <a:cs typeface="Arial"/>
-                <a:sym typeface="Arial"/>
-              </a:rPr>
-              <a:t>Gather SDOH data in conjunction with a patient encounter.</a:t>
-            </a:r>
-            <a:endParaRPr dirty="0"/>
-          </a:p>
-        </p:txBody>
-      </p:sp>
     </p:spTree>
   </p:cSld>
   <p:clrMapOvr>
@@ -9960,1876 +9933,2019 @@
           <a:chExt cx="0" cy="0"/>
         </a:xfrm>
       </p:grpSpPr>
-      <p:sp>
-        <p:nvSpPr>
-          <p:cNvPr id="489" name="Google Shape;489;p11"/>
-          <p:cNvSpPr/>
+      <p:grpSp>
+        <p:nvGrpSpPr>
+          <p:cNvPr id="2" name="Group 1">
+            <a:extLst>
+              <a:ext uri="{FF2B5EF4-FFF2-40B4-BE49-F238E27FC236}">
+                <a16:creationId xmlns:a16="http://schemas.microsoft.com/office/drawing/2014/main" id="{FF2448E1-0CB1-69F0-8DB1-3918A843B1E2}"/>
+              </a:ext>
+            </a:extLst>
+          </p:cNvPr>
+          <p:cNvGrpSpPr/>
           <p:nvPr/>
-        </p:nvSpPr>
-        <p:spPr>
+        </p:nvGrpSpPr>
+        <p:grpSpPr>
           <a:xfrm>
-            <a:off x="3244662" y="2272172"/>
-            <a:ext cx="2638028" cy="2185414"/>
+            <a:off x="149801" y="171214"/>
+            <a:ext cx="9919235" cy="5673760"/>
+            <a:chOff x="149801" y="171214"/>
+            <a:chExt cx="9919235" cy="5673760"/>
           </a:xfrm>
-          <a:custGeom>
-            <a:avLst/>
-            <a:gdLst/>
-            <a:ahLst/>
-            <a:cxnLst/>
-            <a:rect l="l" t="t" r="r" b="b"/>
-            <a:pathLst>
-              <a:path w="2086113" h="1728192" extrusionOk="0">
-                <a:moveTo>
-                  <a:pt x="864096" y="0"/>
-                </a:moveTo>
-                <a:cubicBezTo>
-                  <a:pt x="1085238" y="0"/>
-                  <a:pt x="1306379" y="84363"/>
-                  <a:pt x="1475104" y="253088"/>
-                </a:cubicBezTo>
-                <a:lnTo>
-                  <a:pt x="2086113" y="864096"/>
-                </a:lnTo>
-                <a:lnTo>
-                  <a:pt x="1475104" y="1475104"/>
-                </a:lnTo>
-                <a:cubicBezTo>
-                  <a:pt x="1137654" y="1812555"/>
-                  <a:pt x="590538" y="1812555"/>
-                  <a:pt x="253088" y="1475104"/>
-                </a:cubicBezTo>
-                <a:cubicBezTo>
-                  <a:pt x="-84363" y="1137654"/>
-                  <a:pt x="-84363" y="590538"/>
-                  <a:pt x="253088" y="253088"/>
-                </a:cubicBezTo>
-                <a:cubicBezTo>
-                  <a:pt x="421813" y="84363"/>
-                  <a:pt x="642954" y="0"/>
-                  <a:pt x="864096" y="0"/>
-                </a:cubicBezTo>
-                <a:close/>
-              </a:path>
-            </a:pathLst>
-          </a:custGeom>
-          <a:noFill/>
-          <a:ln w="152400" cap="flat" cmpd="sng">
-            <a:solidFill>
-              <a:schemeClr val="tx2">
-                <a:lumMod val="90000"/>
-              </a:schemeClr>
-            </a:solidFill>
-            <a:prstDash val="solid"/>
-            <a:round/>
-            <a:headEnd type="none" w="sm" len="sm"/>
-            <a:tailEnd type="none" w="sm" len="sm"/>
-          </a:ln>
-        </p:spPr>
-        <p:txBody>
-          <a:bodyPr spcFirstLastPara="1" wrap="square" lIns="91425" tIns="45700" rIns="91425" bIns="45700" anchor="ctr" anchorCtr="0">
-            <a:noAutofit/>
-          </a:bodyPr>
-          <a:lstStyle/>
-          <a:p>
-            <a:pPr marL="0" marR="0" lvl="0" indent="0" algn="ctr" rtl="0">
-              <a:spcBef>
-                <a:spcPts val="0"/>
-              </a:spcBef>
-              <a:spcAft>
-                <a:spcPts val="0"/>
-              </a:spcAft>
-              <a:buNone/>
-            </a:pPr>
-            <a:endParaRPr sz="1350">
+        </p:grpSpPr>
+        <p:sp>
+          <p:nvSpPr>
+            <p:cNvPr id="489" name="Google Shape;489;p11"/>
+            <p:cNvSpPr/>
+            <p:nvPr/>
+          </p:nvSpPr>
+          <p:spPr>
+            <a:xfrm>
+              <a:off x="2635062" y="1273689"/>
+              <a:ext cx="2638028" cy="2185414"/>
+            </a:xfrm>
+            <a:custGeom>
+              <a:avLst/>
+              <a:gdLst/>
+              <a:ahLst/>
+              <a:cxnLst/>
+              <a:rect l="l" t="t" r="r" b="b"/>
+              <a:pathLst>
+                <a:path w="2086113" h="1728192" extrusionOk="0">
+                  <a:moveTo>
+                    <a:pt x="864096" y="0"/>
+                  </a:moveTo>
+                  <a:cubicBezTo>
+                    <a:pt x="1085238" y="0"/>
+                    <a:pt x="1306379" y="84363"/>
+                    <a:pt x="1475104" y="253088"/>
+                  </a:cubicBezTo>
+                  <a:lnTo>
+                    <a:pt x="2086113" y="864096"/>
+                  </a:lnTo>
+                  <a:lnTo>
+                    <a:pt x="1475104" y="1475104"/>
+                  </a:lnTo>
+                  <a:cubicBezTo>
+                    <a:pt x="1137654" y="1812555"/>
+                    <a:pt x="590538" y="1812555"/>
+                    <a:pt x="253088" y="1475104"/>
+                  </a:cubicBezTo>
+                  <a:cubicBezTo>
+                    <a:pt x="-84363" y="1137654"/>
+                    <a:pt x="-84363" y="590538"/>
+                    <a:pt x="253088" y="253088"/>
+                  </a:cubicBezTo>
+                  <a:cubicBezTo>
+                    <a:pt x="421813" y="84363"/>
+                    <a:pt x="642954" y="0"/>
+                    <a:pt x="864096" y="0"/>
+                  </a:cubicBezTo>
+                  <a:close/>
+                </a:path>
+              </a:pathLst>
+            </a:custGeom>
+            <a:noFill/>
+            <a:ln w="152400" cap="flat" cmpd="sng">
               <a:solidFill>
-                <a:schemeClr val="lt1"/>
+                <a:schemeClr val="tx2">
+                  <a:lumMod val="90000"/>
+                </a:schemeClr>
               </a:solidFill>
-              <a:latin typeface="Arial"/>
-              <a:ea typeface="Arial"/>
-              <a:cs typeface="Arial"/>
-              <a:sym typeface="Arial"/>
-            </a:endParaRPr>
-          </a:p>
-        </p:txBody>
-      </p:sp>
-      <p:sp>
-        <p:nvSpPr>
-          <p:cNvPr id="490" name="Google Shape;490;p11"/>
-          <p:cNvSpPr/>
-          <p:nvPr/>
-        </p:nvSpPr>
-        <p:spPr>
-          <a:xfrm flipH="1">
-            <a:off x="5883718" y="2272172"/>
-            <a:ext cx="2638028" cy="2185414"/>
-          </a:xfrm>
-          <a:custGeom>
-            <a:avLst/>
-            <a:gdLst/>
-            <a:ahLst/>
-            <a:cxnLst/>
-            <a:rect l="l" t="t" r="r" b="b"/>
-            <a:pathLst>
-              <a:path w="2086113" h="1728192" extrusionOk="0">
-                <a:moveTo>
-                  <a:pt x="864096" y="0"/>
-                </a:moveTo>
-                <a:cubicBezTo>
-                  <a:pt x="1085238" y="0"/>
-                  <a:pt x="1306379" y="84363"/>
-                  <a:pt x="1475104" y="253088"/>
-                </a:cubicBezTo>
-                <a:lnTo>
-                  <a:pt x="2086113" y="864096"/>
-                </a:lnTo>
-                <a:lnTo>
-                  <a:pt x="1475104" y="1475104"/>
-                </a:lnTo>
-                <a:cubicBezTo>
-                  <a:pt x="1137654" y="1812555"/>
-                  <a:pt x="590538" y="1812555"/>
-                  <a:pt x="253088" y="1475104"/>
-                </a:cubicBezTo>
-                <a:cubicBezTo>
-                  <a:pt x="-84363" y="1137654"/>
-                  <a:pt x="-84363" y="590538"/>
-                  <a:pt x="253088" y="253088"/>
-                </a:cubicBezTo>
-                <a:cubicBezTo>
-                  <a:pt x="421813" y="84363"/>
-                  <a:pt x="642954" y="0"/>
-                  <a:pt x="864096" y="0"/>
-                </a:cubicBezTo>
-                <a:close/>
-              </a:path>
-            </a:pathLst>
-          </a:custGeom>
-          <a:noFill/>
-          <a:ln w="152400" cap="flat" cmpd="sng">
-            <a:solidFill>
-              <a:schemeClr val="tx2">
-                <a:lumMod val="90000"/>
-              </a:schemeClr>
-            </a:solidFill>
-            <a:prstDash val="solid"/>
-            <a:round/>
-            <a:headEnd type="none" w="sm" len="sm"/>
-            <a:tailEnd type="none" w="sm" len="sm"/>
-          </a:ln>
-        </p:spPr>
-        <p:txBody>
-          <a:bodyPr spcFirstLastPara="1" wrap="square" lIns="91425" tIns="45700" rIns="91425" bIns="45700" anchor="ctr" anchorCtr="0">
-            <a:noAutofit/>
-          </a:bodyPr>
-          <a:lstStyle/>
-          <a:p>
-            <a:pPr marL="0" marR="0" lvl="0" indent="0" algn="ctr" rtl="0">
-              <a:spcBef>
-                <a:spcPts val="0"/>
-              </a:spcBef>
-              <a:spcAft>
-                <a:spcPts val="0"/>
-              </a:spcAft>
-              <a:buNone/>
-            </a:pPr>
-            <a:endParaRPr sz="1350">
-              <a:solidFill>
-                <a:schemeClr val="lt1"/>
-              </a:solidFill>
-              <a:latin typeface="Arial"/>
-              <a:ea typeface="Arial"/>
-              <a:cs typeface="Arial"/>
-              <a:sym typeface="Arial"/>
-            </a:endParaRPr>
-          </a:p>
-        </p:txBody>
-      </p:sp>
-      <p:sp>
-        <p:nvSpPr>
-          <p:cNvPr id="491" name="Google Shape;491;p11"/>
-          <p:cNvSpPr/>
-          <p:nvPr/>
-        </p:nvSpPr>
-        <p:spPr>
-          <a:xfrm>
-            <a:off x="2966787" y="2019798"/>
-            <a:ext cx="1729830" cy="2703261"/>
-          </a:xfrm>
-          <a:custGeom>
-            <a:avLst/>
-            <a:gdLst/>
-            <a:ahLst/>
-            <a:cxnLst/>
-            <a:rect l="l" t="t" r="r" b="b"/>
-            <a:pathLst>
-              <a:path w="2169234" h="3389932" extrusionOk="0">
-                <a:moveTo>
-                  <a:pt x="2169234" y="3324386"/>
-                </a:moveTo>
-                <a:lnTo>
-                  <a:pt x="2028474" y="3358754"/>
-                </a:lnTo>
-                <a:cubicBezTo>
-                  <a:pt x="1491694" y="3462681"/>
-                  <a:pt x="914556" y="3306790"/>
-                  <a:pt x="498849" y="2891082"/>
-                </a:cubicBezTo>
-                <a:cubicBezTo>
-                  <a:pt x="-166284" y="2225951"/>
-                  <a:pt x="-166284" y="1147559"/>
-                  <a:pt x="498849" y="482428"/>
-                </a:cubicBezTo>
-                <a:cubicBezTo>
-                  <a:pt x="748274" y="233004"/>
-                  <a:pt x="1055812" y="77114"/>
-                  <a:pt x="1377880" y="14757"/>
-                </a:cubicBezTo>
-                <a:lnTo>
-                  <a:pt x="1480149" y="0"/>
-                </a:lnTo>
-              </a:path>
-            </a:pathLst>
-          </a:custGeom>
-          <a:noFill/>
-          <a:ln w="38100" cap="flat" cmpd="sng">
-            <a:solidFill>
-              <a:schemeClr val="dk1"/>
-            </a:solidFill>
-            <a:prstDash val="solid"/>
-            <a:round/>
-            <a:headEnd type="none" w="sm" len="sm"/>
-            <a:tailEnd type="none" w="sm" len="sm"/>
-          </a:ln>
-        </p:spPr>
-        <p:txBody>
-          <a:bodyPr spcFirstLastPara="1" wrap="square" lIns="91425" tIns="45700" rIns="91425" bIns="45700" anchor="ctr" anchorCtr="0">
-            <a:noAutofit/>
-          </a:bodyPr>
-          <a:lstStyle/>
-          <a:p>
-            <a:pPr marL="0" marR="0" lvl="0" indent="0" algn="ctr" rtl="0">
-              <a:spcBef>
-                <a:spcPts val="0"/>
-              </a:spcBef>
-              <a:spcAft>
-                <a:spcPts val="0"/>
-              </a:spcAft>
-              <a:buNone/>
-            </a:pPr>
-            <a:endParaRPr sz="1350">
-              <a:solidFill>
-                <a:schemeClr val="lt1"/>
-              </a:solidFill>
-              <a:latin typeface="Arial"/>
-              <a:ea typeface="Arial"/>
-              <a:cs typeface="Arial"/>
-              <a:sym typeface="Arial"/>
-            </a:endParaRPr>
-          </a:p>
-        </p:txBody>
-      </p:sp>
-      <p:sp>
-        <p:nvSpPr>
-          <p:cNvPr id="492" name="Google Shape;492;p11"/>
-          <p:cNvSpPr/>
-          <p:nvPr/>
-        </p:nvSpPr>
-        <p:spPr>
-          <a:xfrm>
-            <a:off x="4147115" y="2006703"/>
-            <a:ext cx="2098606" cy="2664086"/>
-          </a:xfrm>
-          <a:custGeom>
-            <a:avLst/>
-            <a:gdLst/>
-            <a:ahLst/>
-            <a:cxnLst/>
-            <a:rect l="l" t="t" r="r" b="b"/>
-            <a:pathLst>
-              <a:path w="2631685" h="3340807" extrusionOk="0">
-                <a:moveTo>
-                  <a:pt x="0" y="16421"/>
-                </a:moveTo>
-                <a:lnTo>
-                  <a:pt x="59774" y="7795"/>
-                </a:lnTo>
-                <a:cubicBezTo>
-                  <a:pt x="114058" y="2598"/>
-                  <a:pt x="168543" y="0"/>
-                  <a:pt x="223028" y="0"/>
-                </a:cubicBezTo>
-                <a:cubicBezTo>
-                  <a:pt x="658910" y="0"/>
-                  <a:pt x="1094790" y="166284"/>
-                  <a:pt x="1427356" y="498849"/>
-                </a:cubicBezTo>
-                <a:lnTo>
-                  <a:pt x="2631685" y="1703176"/>
-                </a:lnTo>
-                <a:lnTo>
-                  <a:pt x="1427356" y="2907503"/>
-                </a:lnTo>
-                <a:cubicBezTo>
-                  <a:pt x="1219503" y="3115357"/>
-                  <a:pt x="971292" y="3258257"/>
-                  <a:pt x="707946" y="3336202"/>
-                </a:cubicBezTo>
-                <a:lnTo>
-                  <a:pt x="689085" y="3340807"/>
-                </a:lnTo>
-              </a:path>
-            </a:pathLst>
-          </a:custGeom>
-          <a:noFill/>
-          <a:ln w="38100" cap="flat" cmpd="sng">
-            <a:solidFill>
-              <a:schemeClr val="dk1"/>
-            </a:solidFill>
-            <a:prstDash val="solid"/>
-            <a:round/>
-            <a:headEnd type="none" w="sm" len="sm"/>
-            <a:tailEnd type="none" w="sm" len="sm"/>
-          </a:ln>
-        </p:spPr>
-        <p:txBody>
-          <a:bodyPr spcFirstLastPara="1" wrap="square" lIns="91425" tIns="45700" rIns="91425" bIns="45700" anchor="ctr" anchorCtr="0">
-            <a:noAutofit/>
-          </a:bodyPr>
-          <a:lstStyle/>
-          <a:p>
-            <a:pPr marL="0" marR="0" lvl="0" indent="0" algn="ctr" rtl="0">
-              <a:spcBef>
-                <a:spcPts val="0"/>
-              </a:spcBef>
-              <a:spcAft>
-                <a:spcPts val="0"/>
-              </a:spcAft>
-              <a:buNone/>
-            </a:pPr>
-            <a:endParaRPr sz="1350">
-              <a:solidFill>
-                <a:schemeClr val="lt1"/>
-              </a:solidFill>
-              <a:latin typeface="Arial"/>
-              <a:ea typeface="Arial"/>
-              <a:cs typeface="Arial"/>
-              <a:sym typeface="Arial"/>
-            </a:endParaRPr>
-          </a:p>
-        </p:txBody>
-      </p:sp>
-      <p:sp>
-        <p:nvSpPr>
-          <p:cNvPr id="493" name="Google Shape;493;p11"/>
-          <p:cNvSpPr/>
-          <p:nvPr/>
-        </p:nvSpPr>
-        <p:spPr>
-          <a:xfrm flipH="1">
-            <a:off x="5522756" y="2006704"/>
-            <a:ext cx="3278934" cy="2716355"/>
-          </a:xfrm>
-          <a:custGeom>
-            <a:avLst/>
-            <a:gdLst/>
-            <a:ahLst/>
-            <a:cxnLst/>
-            <a:rect l="l" t="t" r="r" b="b"/>
-            <a:pathLst>
-              <a:path w="2086113" h="1728192" extrusionOk="0">
-                <a:moveTo>
-                  <a:pt x="864096" y="0"/>
-                </a:moveTo>
-                <a:cubicBezTo>
-                  <a:pt x="1085238" y="0"/>
-                  <a:pt x="1306379" y="84363"/>
-                  <a:pt x="1475104" y="253088"/>
-                </a:cubicBezTo>
-                <a:lnTo>
-                  <a:pt x="2086113" y="864096"/>
-                </a:lnTo>
-                <a:lnTo>
-                  <a:pt x="1475104" y="1475104"/>
-                </a:lnTo>
-                <a:cubicBezTo>
-                  <a:pt x="1137654" y="1812555"/>
-                  <a:pt x="590538" y="1812555"/>
-                  <a:pt x="253088" y="1475104"/>
-                </a:cubicBezTo>
-                <a:cubicBezTo>
-                  <a:pt x="-84363" y="1137654"/>
-                  <a:pt x="-84363" y="590538"/>
-                  <a:pt x="253088" y="253088"/>
-                </a:cubicBezTo>
-                <a:cubicBezTo>
-                  <a:pt x="421813" y="84363"/>
-                  <a:pt x="642954" y="0"/>
-                  <a:pt x="864096" y="0"/>
-                </a:cubicBezTo>
-                <a:close/>
-              </a:path>
-            </a:pathLst>
-          </a:custGeom>
-          <a:noFill/>
-          <a:ln w="38100" cap="flat" cmpd="sng">
-            <a:solidFill>
-              <a:schemeClr val="dk1"/>
-            </a:solidFill>
-            <a:prstDash val="solid"/>
-            <a:round/>
-            <a:headEnd type="none" w="sm" len="sm"/>
-            <a:tailEnd type="none" w="sm" len="sm"/>
-          </a:ln>
-        </p:spPr>
-        <p:txBody>
-          <a:bodyPr spcFirstLastPara="1" wrap="square" lIns="91425" tIns="45700" rIns="91425" bIns="45700" anchor="ctr" anchorCtr="0">
-            <a:noAutofit/>
-          </a:bodyPr>
-          <a:lstStyle/>
-          <a:p>
-            <a:pPr marL="0" marR="0" lvl="0" indent="0" algn="ctr" rtl="0">
-              <a:spcBef>
-                <a:spcPts val="0"/>
-              </a:spcBef>
-              <a:spcAft>
-                <a:spcPts val="0"/>
-              </a:spcAft>
-              <a:buNone/>
-            </a:pPr>
-            <a:endParaRPr sz="1350">
-              <a:solidFill>
-                <a:schemeClr val="lt1"/>
-              </a:solidFill>
-              <a:latin typeface="Arial"/>
-              <a:ea typeface="Arial"/>
-              <a:cs typeface="Arial"/>
-              <a:sym typeface="Arial"/>
-            </a:endParaRPr>
-          </a:p>
-        </p:txBody>
-      </p:sp>
-      <p:sp>
-        <p:nvSpPr>
-          <p:cNvPr id="494" name="Google Shape;494;p11"/>
-          <p:cNvSpPr/>
-          <p:nvPr/>
-        </p:nvSpPr>
-        <p:spPr>
-          <a:xfrm>
-            <a:off x="5253550" y="2724353"/>
-            <a:ext cx="1247704" cy="1247703"/>
-          </a:xfrm>
-          <a:prstGeom prst="ellipse">
-            <a:avLst/>
-          </a:prstGeom>
-          <a:solidFill>
-            <a:schemeClr val="lt1"/>
-          </a:solidFill>
-          <a:ln>
-            <a:noFill/>
-          </a:ln>
-          <a:effectLst>
-            <a:outerShdw blurRad="228600" dist="101600" dir="2340000" algn="l" rotWithShape="0">
-              <a:srgbClr val="000000">
-                <a:alpha val="14901"/>
-              </a:srgbClr>
-            </a:outerShdw>
-          </a:effectLst>
-        </p:spPr>
-        <p:txBody>
-          <a:bodyPr spcFirstLastPara="1" wrap="square" lIns="91425" tIns="45700" rIns="91425" bIns="45700" anchor="ctr" anchorCtr="0">
-            <a:noAutofit/>
-          </a:bodyPr>
-          <a:lstStyle/>
-          <a:p>
-            <a:pPr marL="0" marR="0" lvl="0" indent="0" algn="ctr" rtl="0">
-              <a:spcBef>
-                <a:spcPts val="0"/>
-              </a:spcBef>
-              <a:spcAft>
-                <a:spcPts val="0"/>
-              </a:spcAft>
-              <a:buNone/>
-            </a:pPr>
-            <a:endParaRPr sz="1350">
-              <a:solidFill>
-                <a:schemeClr val="lt1"/>
-              </a:solidFill>
-              <a:latin typeface="Arial"/>
-              <a:ea typeface="Arial"/>
-              <a:cs typeface="Arial"/>
-              <a:sym typeface="Arial"/>
-            </a:endParaRPr>
-          </a:p>
-        </p:txBody>
-      </p:sp>
-      <p:sp>
-        <p:nvSpPr>
-          <p:cNvPr id="495" name="Google Shape;495;p11"/>
-          <p:cNvSpPr/>
-          <p:nvPr/>
-        </p:nvSpPr>
-        <p:spPr>
-          <a:xfrm>
-            <a:off x="5368437" y="2839238"/>
-            <a:ext cx="1017933" cy="1017933"/>
-          </a:xfrm>
-          <a:prstGeom prst="ellipse">
-            <a:avLst/>
-          </a:prstGeom>
-          <a:solidFill>
-            <a:srgbClr val="E3B641"/>
-          </a:solidFill>
-          <a:ln>
-            <a:noFill/>
-          </a:ln>
-          <a:effectLst>
-            <a:outerShdw blurRad="76200" dist="38100" dir="2700000" algn="tl" rotWithShape="0">
-              <a:srgbClr val="000000">
-                <a:alpha val="11764"/>
-              </a:srgbClr>
-            </a:outerShdw>
-          </a:effectLst>
-        </p:spPr>
-        <p:txBody>
-          <a:bodyPr spcFirstLastPara="1" wrap="square" lIns="91425" tIns="45700" rIns="91425" bIns="45700" anchor="ctr" anchorCtr="0">
-            <a:noAutofit/>
-          </a:bodyPr>
-          <a:lstStyle/>
-          <a:p>
-            <a:pPr marL="0" marR="0" lvl="0" indent="0" algn="ctr" rtl="0">
-              <a:spcBef>
-                <a:spcPts val="0"/>
-              </a:spcBef>
-              <a:spcAft>
-                <a:spcPts val="0"/>
-              </a:spcAft>
-              <a:buNone/>
-            </a:pPr>
-            <a:endParaRPr sz="1350">
-              <a:solidFill>
-                <a:schemeClr val="lt1"/>
-              </a:solidFill>
-              <a:latin typeface="Arial"/>
-              <a:ea typeface="Arial"/>
-              <a:cs typeface="Arial"/>
-              <a:sym typeface="Arial"/>
-            </a:endParaRPr>
-          </a:p>
-        </p:txBody>
-      </p:sp>
-      <p:sp>
-        <p:nvSpPr>
-          <p:cNvPr id="496" name="Google Shape;496;p11"/>
-          <p:cNvSpPr/>
-          <p:nvPr/>
-        </p:nvSpPr>
-        <p:spPr>
-          <a:xfrm rot="5400000">
-            <a:off x="5202288" y="2323567"/>
-            <a:ext cx="92795" cy="92795"/>
-          </a:xfrm>
-          <a:custGeom>
-            <a:avLst/>
-            <a:gdLst/>
-            <a:ahLst/>
-            <a:cxnLst/>
-            <a:rect l="l" t="t" r="r" b="b"/>
-            <a:pathLst>
-              <a:path w="380216" h="380216" extrusionOk="0">
-                <a:moveTo>
-                  <a:pt x="0" y="0"/>
-                </a:moveTo>
-                <a:lnTo>
-                  <a:pt x="380216" y="0"/>
-                </a:lnTo>
-                <a:lnTo>
-                  <a:pt x="380216" y="380216"/>
-                </a:lnTo>
-              </a:path>
-            </a:pathLst>
-          </a:custGeom>
-          <a:noFill/>
-          <a:ln w="63500" cap="rnd" cmpd="sng">
-            <a:solidFill>
-              <a:schemeClr val="dk1"/>
-            </a:solidFill>
-            <a:prstDash val="solid"/>
-            <a:round/>
-            <a:headEnd type="none" w="sm" len="sm"/>
-            <a:tailEnd type="none" w="sm" len="sm"/>
-          </a:ln>
-        </p:spPr>
-        <p:txBody>
-          <a:bodyPr spcFirstLastPara="1" wrap="square" lIns="91425" tIns="45700" rIns="91425" bIns="45700" anchor="ctr" anchorCtr="0">
-            <a:noAutofit/>
-          </a:bodyPr>
-          <a:lstStyle/>
-          <a:p>
-            <a:pPr marL="0" marR="0" lvl="0" indent="0" algn="ctr" rtl="0">
-              <a:spcBef>
-                <a:spcPts val="0"/>
-              </a:spcBef>
-              <a:spcAft>
-                <a:spcPts val="0"/>
-              </a:spcAft>
-              <a:buNone/>
-            </a:pPr>
-            <a:endParaRPr sz="1350">
-              <a:solidFill>
-                <a:schemeClr val="lt1"/>
-              </a:solidFill>
-              <a:latin typeface="Arial"/>
-              <a:ea typeface="Arial"/>
-              <a:cs typeface="Arial"/>
-              <a:sym typeface="Arial"/>
-            </a:endParaRPr>
-          </a:p>
-        </p:txBody>
-      </p:sp>
-      <p:sp>
-        <p:nvSpPr>
-          <p:cNvPr id="497" name="Google Shape;497;p11"/>
-          <p:cNvSpPr/>
-          <p:nvPr/>
-        </p:nvSpPr>
-        <p:spPr>
-          <a:xfrm rot="5400000">
-            <a:off x="6430140" y="4275026"/>
-            <a:ext cx="92795" cy="92795"/>
-          </a:xfrm>
-          <a:custGeom>
-            <a:avLst/>
-            <a:gdLst/>
-            <a:ahLst/>
-            <a:cxnLst/>
-            <a:rect l="l" t="t" r="r" b="b"/>
-            <a:pathLst>
-              <a:path w="380216" h="380216" extrusionOk="0">
-                <a:moveTo>
-                  <a:pt x="0" y="0"/>
-                </a:moveTo>
-                <a:lnTo>
-                  <a:pt x="380216" y="0"/>
-                </a:lnTo>
-                <a:lnTo>
-                  <a:pt x="380216" y="380216"/>
-                </a:lnTo>
-              </a:path>
-            </a:pathLst>
-          </a:custGeom>
-          <a:noFill/>
-          <a:ln w="63500" cap="rnd" cmpd="sng">
-            <a:solidFill>
-              <a:schemeClr val="dk1"/>
-            </a:solidFill>
-            <a:prstDash val="solid"/>
-            <a:round/>
-            <a:headEnd type="none" w="sm" len="sm"/>
-            <a:tailEnd type="none" w="sm" len="sm"/>
-          </a:ln>
-        </p:spPr>
-        <p:txBody>
-          <a:bodyPr spcFirstLastPara="1" wrap="square" lIns="91425" tIns="45700" rIns="91425" bIns="45700" anchor="ctr" anchorCtr="0">
-            <a:noAutofit/>
-          </a:bodyPr>
-          <a:lstStyle/>
-          <a:p>
-            <a:pPr marL="0" marR="0" lvl="0" indent="0" algn="ctr" rtl="0">
-              <a:spcBef>
-                <a:spcPts val="0"/>
-              </a:spcBef>
-              <a:spcAft>
-                <a:spcPts val="0"/>
-              </a:spcAft>
-              <a:buNone/>
-            </a:pPr>
-            <a:endParaRPr sz="1350">
-              <a:solidFill>
-                <a:schemeClr val="lt1"/>
-              </a:solidFill>
-              <a:latin typeface="Arial"/>
-              <a:ea typeface="Arial"/>
-              <a:cs typeface="Arial"/>
-              <a:sym typeface="Arial"/>
-            </a:endParaRPr>
-          </a:p>
-        </p:txBody>
-      </p:sp>
-      <p:sp>
-        <p:nvSpPr>
-          <p:cNvPr id="498" name="Google Shape;498;p11"/>
-          <p:cNvSpPr/>
-          <p:nvPr/>
-        </p:nvSpPr>
-        <p:spPr>
-          <a:xfrm rot="900000">
-            <a:off x="8063384" y="4511098"/>
-            <a:ext cx="92795" cy="92795"/>
-          </a:xfrm>
-          <a:custGeom>
-            <a:avLst/>
-            <a:gdLst/>
-            <a:ahLst/>
-            <a:cxnLst/>
-            <a:rect l="l" t="t" r="r" b="b"/>
-            <a:pathLst>
-              <a:path w="380216" h="380216" extrusionOk="0">
-                <a:moveTo>
-                  <a:pt x="0" y="0"/>
-                </a:moveTo>
-                <a:lnTo>
-                  <a:pt x="380216" y="0"/>
-                </a:lnTo>
-                <a:lnTo>
-                  <a:pt x="380216" y="380216"/>
-                </a:lnTo>
-              </a:path>
-            </a:pathLst>
-          </a:custGeom>
-          <a:noFill/>
-          <a:ln w="63500" cap="rnd" cmpd="sng">
-            <a:solidFill>
-              <a:schemeClr val="dk1"/>
-            </a:solidFill>
-            <a:prstDash val="solid"/>
-            <a:round/>
-            <a:headEnd type="none" w="sm" len="sm"/>
-            <a:tailEnd type="none" w="sm" len="sm"/>
-          </a:ln>
-        </p:spPr>
-        <p:txBody>
-          <a:bodyPr spcFirstLastPara="1" wrap="square" lIns="91425" tIns="45700" rIns="91425" bIns="45700" anchor="ctr" anchorCtr="0">
-            <a:noAutofit/>
-          </a:bodyPr>
-          <a:lstStyle/>
-          <a:p>
-            <a:pPr marL="0" marR="0" lvl="0" indent="0" algn="ctr" rtl="0">
-              <a:spcBef>
-                <a:spcPts val="0"/>
-              </a:spcBef>
-              <a:spcAft>
-                <a:spcPts val="0"/>
-              </a:spcAft>
-              <a:buNone/>
-            </a:pPr>
-            <a:endParaRPr sz="1350">
-              <a:solidFill>
-                <a:schemeClr val="lt1"/>
-              </a:solidFill>
-              <a:latin typeface="Arial"/>
-              <a:ea typeface="Arial"/>
-              <a:cs typeface="Arial"/>
-              <a:sym typeface="Arial"/>
-            </a:endParaRPr>
-          </a:p>
-        </p:txBody>
-      </p:sp>
-      <p:sp>
-        <p:nvSpPr>
-          <p:cNvPr id="499" name="Google Shape;499;p11"/>
-          <p:cNvSpPr/>
-          <p:nvPr/>
-        </p:nvSpPr>
-        <p:spPr>
-          <a:xfrm rot="-4312474">
-            <a:off x="8677334" y="2857480"/>
-            <a:ext cx="92795" cy="92795"/>
-          </a:xfrm>
-          <a:custGeom>
-            <a:avLst/>
-            <a:gdLst/>
-            <a:ahLst/>
-            <a:cxnLst/>
-            <a:rect l="l" t="t" r="r" b="b"/>
-            <a:pathLst>
-              <a:path w="380216" h="380216" extrusionOk="0">
-                <a:moveTo>
-                  <a:pt x="0" y="0"/>
-                </a:moveTo>
-                <a:lnTo>
-                  <a:pt x="380216" y="0"/>
-                </a:lnTo>
-                <a:lnTo>
-                  <a:pt x="380216" y="380216"/>
-                </a:lnTo>
-              </a:path>
-            </a:pathLst>
-          </a:custGeom>
-          <a:noFill/>
-          <a:ln w="63500" cap="rnd" cmpd="sng">
-            <a:solidFill>
-              <a:schemeClr val="dk1"/>
-            </a:solidFill>
-            <a:prstDash val="solid"/>
-            <a:round/>
-            <a:headEnd type="none" w="sm" len="sm"/>
-            <a:tailEnd type="none" w="sm" len="sm"/>
-          </a:ln>
-        </p:spPr>
-        <p:txBody>
-          <a:bodyPr spcFirstLastPara="1" wrap="square" lIns="91425" tIns="45700" rIns="91425" bIns="45700" anchor="ctr" anchorCtr="0">
-            <a:noAutofit/>
-          </a:bodyPr>
-          <a:lstStyle/>
-          <a:p>
-            <a:pPr marL="0" marR="0" lvl="0" indent="0" algn="ctr" rtl="0">
-              <a:spcBef>
-                <a:spcPts val="0"/>
-              </a:spcBef>
-              <a:spcAft>
-                <a:spcPts val="0"/>
-              </a:spcAft>
-              <a:buNone/>
-            </a:pPr>
-            <a:endParaRPr sz="1350">
-              <a:solidFill>
-                <a:schemeClr val="lt1"/>
-              </a:solidFill>
-              <a:latin typeface="Arial"/>
-              <a:ea typeface="Arial"/>
-              <a:cs typeface="Arial"/>
-              <a:sym typeface="Arial"/>
-            </a:endParaRPr>
-          </a:p>
-        </p:txBody>
-      </p:sp>
-      <p:sp>
-        <p:nvSpPr>
-          <p:cNvPr id="500" name="Google Shape;500;p11"/>
-          <p:cNvSpPr/>
-          <p:nvPr/>
-        </p:nvSpPr>
-        <p:spPr>
-          <a:xfrm rot="-8844166">
-            <a:off x="7062309" y="2002235"/>
-            <a:ext cx="92795" cy="92795"/>
-          </a:xfrm>
-          <a:custGeom>
-            <a:avLst/>
-            <a:gdLst/>
-            <a:ahLst/>
-            <a:cxnLst/>
-            <a:rect l="l" t="t" r="r" b="b"/>
-            <a:pathLst>
-              <a:path w="380216" h="380216" extrusionOk="0">
-                <a:moveTo>
-                  <a:pt x="0" y="0"/>
-                </a:moveTo>
-                <a:lnTo>
-                  <a:pt x="380216" y="0"/>
-                </a:lnTo>
-                <a:lnTo>
-                  <a:pt x="380216" y="380216"/>
-                </a:lnTo>
-              </a:path>
-            </a:pathLst>
-          </a:custGeom>
-          <a:noFill/>
-          <a:ln w="63500" cap="rnd" cmpd="sng">
-            <a:solidFill>
-              <a:schemeClr val="dk1"/>
-            </a:solidFill>
-            <a:prstDash val="solid"/>
-            <a:round/>
-            <a:headEnd type="none" w="sm" len="sm"/>
-            <a:tailEnd type="none" w="sm" len="sm"/>
-          </a:ln>
-        </p:spPr>
-        <p:txBody>
-          <a:bodyPr spcFirstLastPara="1" wrap="square" lIns="91425" tIns="45700" rIns="91425" bIns="45700" anchor="ctr" anchorCtr="0">
-            <a:noAutofit/>
-          </a:bodyPr>
-          <a:lstStyle/>
-          <a:p>
-            <a:pPr marL="0" marR="0" lvl="0" indent="0" algn="ctr" rtl="0">
-              <a:spcBef>
-                <a:spcPts val="0"/>
-              </a:spcBef>
-              <a:spcAft>
-                <a:spcPts val="0"/>
-              </a:spcAft>
-              <a:buNone/>
-            </a:pPr>
-            <a:endParaRPr sz="1350">
-              <a:solidFill>
-                <a:schemeClr val="lt1"/>
-              </a:solidFill>
-              <a:latin typeface="Arial"/>
-              <a:ea typeface="Arial"/>
-              <a:cs typeface="Arial"/>
-              <a:sym typeface="Arial"/>
-            </a:endParaRPr>
-          </a:p>
-        </p:txBody>
-      </p:sp>
-      <p:sp>
-        <p:nvSpPr>
-          <p:cNvPr id="501" name="Google Shape;501;p11"/>
-          <p:cNvSpPr/>
-          <p:nvPr/>
-        </p:nvSpPr>
-        <p:spPr>
-          <a:xfrm rot="-9900000">
-            <a:off x="4842016" y="4553101"/>
-            <a:ext cx="92795" cy="92795"/>
-          </a:xfrm>
-          <a:custGeom>
-            <a:avLst/>
-            <a:gdLst/>
-            <a:ahLst/>
-            <a:cxnLst/>
-            <a:rect l="l" t="t" r="r" b="b"/>
-            <a:pathLst>
-              <a:path w="380216" h="380216" extrusionOk="0">
-                <a:moveTo>
-                  <a:pt x="0" y="0"/>
-                </a:moveTo>
-                <a:lnTo>
-                  <a:pt x="380216" y="0"/>
-                </a:lnTo>
-                <a:lnTo>
-                  <a:pt x="380216" y="380216"/>
-                </a:lnTo>
-              </a:path>
-            </a:pathLst>
-          </a:custGeom>
-          <a:noFill/>
-          <a:ln w="63500" cap="rnd" cmpd="sng">
-            <a:solidFill>
-              <a:schemeClr val="dk1"/>
-            </a:solidFill>
-            <a:prstDash val="solid"/>
-            <a:round/>
-            <a:headEnd type="none" w="sm" len="sm"/>
-            <a:tailEnd type="none" w="sm" len="sm"/>
-          </a:ln>
-        </p:spPr>
-        <p:txBody>
-          <a:bodyPr spcFirstLastPara="1" wrap="square" lIns="91425" tIns="45700" rIns="91425" bIns="45700" anchor="ctr" anchorCtr="0">
-            <a:noAutofit/>
-          </a:bodyPr>
-          <a:lstStyle/>
-          <a:p>
-            <a:pPr marL="0" marR="0" lvl="0" indent="0" algn="ctr" rtl="0">
-              <a:spcBef>
-                <a:spcPts val="0"/>
-              </a:spcBef>
-              <a:spcAft>
-                <a:spcPts val="0"/>
-              </a:spcAft>
-              <a:buNone/>
-            </a:pPr>
-            <a:endParaRPr sz="1350">
-              <a:solidFill>
-                <a:schemeClr val="lt1"/>
-              </a:solidFill>
-              <a:latin typeface="Arial"/>
-              <a:ea typeface="Arial"/>
-              <a:cs typeface="Arial"/>
-              <a:sym typeface="Arial"/>
-            </a:endParaRPr>
-          </a:p>
-        </p:txBody>
-      </p:sp>
-      <p:sp>
-        <p:nvSpPr>
-          <p:cNvPr id="502" name="Google Shape;502;p11"/>
-          <p:cNvSpPr/>
-          <p:nvPr/>
-        </p:nvSpPr>
-        <p:spPr>
-          <a:xfrm rot="-4691230">
-            <a:off x="3239290" y="4197416"/>
-            <a:ext cx="92795" cy="92795"/>
-          </a:xfrm>
-          <a:custGeom>
-            <a:avLst/>
-            <a:gdLst/>
-            <a:ahLst/>
-            <a:cxnLst/>
-            <a:rect l="l" t="t" r="r" b="b"/>
-            <a:pathLst>
-              <a:path w="380216" h="380216" extrusionOk="0">
-                <a:moveTo>
-                  <a:pt x="0" y="0"/>
-                </a:moveTo>
-                <a:lnTo>
-                  <a:pt x="380216" y="0"/>
-                </a:lnTo>
-                <a:lnTo>
-                  <a:pt x="380216" y="380216"/>
-                </a:lnTo>
-              </a:path>
-            </a:pathLst>
-          </a:custGeom>
-          <a:solidFill>
-            <a:schemeClr val="dk1"/>
-          </a:solidFill>
-          <a:ln w="63500" cap="rnd" cmpd="sng">
-            <a:solidFill>
-              <a:schemeClr val="dk1"/>
-            </a:solidFill>
-            <a:prstDash val="solid"/>
-            <a:round/>
-            <a:headEnd type="none" w="sm" len="sm"/>
-            <a:tailEnd type="none" w="sm" len="sm"/>
-          </a:ln>
-        </p:spPr>
-        <p:txBody>
-          <a:bodyPr spcFirstLastPara="1" wrap="square" lIns="91425" tIns="45700" rIns="91425" bIns="45700" anchor="ctr" anchorCtr="0">
-            <a:noAutofit/>
-          </a:bodyPr>
-          <a:lstStyle/>
-          <a:p>
-            <a:pPr marL="0" marR="0" lvl="0" indent="0" algn="ctr" rtl="0">
-              <a:spcBef>
-                <a:spcPts val="0"/>
-              </a:spcBef>
-              <a:spcAft>
-                <a:spcPts val="0"/>
-              </a:spcAft>
-              <a:buNone/>
-            </a:pPr>
-            <a:endParaRPr sz="1350">
-              <a:solidFill>
-                <a:schemeClr val="lt1"/>
-              </a:solidFill>
-              <a:latin typeface="Arial"/>
-              <a:ea typeface="Arial"/>
-              <a:cs typeface="Arial"/>
-              <a:sym typeface="Arial"/>
-            </a:endParaRPr>
-          </a:p>
-        </p:txBody>
-      </p:sp>
-      <p:sp>
-        <p:nvSpPr>
-          <p:cNvPr id="503" name="Google Shape;503;p11"/>
-          <p:cNvSpPr/>
-          <p:nvPr/>
-        </p:nvSpPr>
-        <p:spPr>
-          <a:xfrm rot="235497">
-            <a:off x="3175750" y="2510666"/>
-            <a:ext cx="92795" cy="92795"/>
-          </a:xfrm>
-          <a:custGeom>
-            <a:avLst/>
-            <a:gdLst/>
-            <a:ahLst/>
-            <a:cxnLst/>
-            <a:rect l="l" t="t" r="r" b="b"/>
-            <a:pathLst>
-              <a:path w="380216" h="380216" extrusionOk="0">
-                <a:moveTo>
-                  <a:pt x="0" y="0"/>
-                </a:moveTo>
-                <a:lnTo>
-                  <a:pt x="380216" y="0"/>
-                </a:lnTo>
-                <a:lnTo>
-                  <a:pt x="380216" y="380216"/>
-                </a:lnTo>
-              </a:path>
-            </a:pathLst>
-          </a:custGeom>
-          <a:solidFill>
-            <a:schemeClr val="dk1"/>
-          </a:solidFill>
-          <a:ln w="63500" cap="rnd" cmpd="sng">
-            <a:solidFill>
-              <a:schemeClr val="dk1"/>
-            </a:solidFill>
-            <a:prstDash val="solid"/>
-            <a:round/>
-            <a:headEnd type="none" w="sm" len="sm"/>
-            <a:tailEnd type="none" w="sm" len="sm"/>
-          </a:ln>
-        </p:spPr>
-        <p:txBody>
-          <a:bodyPr spcFirstLastPara="1" wrap="square" lIns="91425" tIns="45700" rIns="91425" bIns="45700" anchor="ctr" anchorCtr="0">
-            <a:noAutofit/>
-          </a:bodyPr>
-          <a:lstStyle/>
-          <a:p>
-            <a:pPr marL="0" marR="0" lvl="0" indent="0" algn="ctr" rtl="0">
-              <a:spcBef>
-                <a:spcPts val="0"/>
-              </a:spcBef>
-              <a:spcAft>
-                <a:spcPts val="0"/>
-              </a:spcAft>
-              <a:buNone/>
-            </a:pPr>
-            <a:endParaRPr sz="1350">
-              <a:solidFill>
-                <a:schemeClr val="lt1"/>
-              </a:solidFill>
-              <a:latin typeface="Arial"/>
-              <a:ea typeface="Arial"/>
-              <a:cs typeface="Arial"/>
-              <a:sym typeface="Arial"/>
-            </a:endParaRPr>
-          </a:p>
-        </p:txBody>
-      </p:sp>
-      <p:sp>
-        <p:nvSpPr>
-          <p:cNvPr id="512" name="Google Shape;512;p11"/>
-          <p:cNvSpPr/>
-          <p:nvPr/>
-        </p:nvSpPr>
-        <p:spPr>
-          <a:xfrm>
-            <a:off x="6628386" y="2928271"/>
-            <a:ext cx="1670113" cy="904823"/>
-          </a:xfrm>
-          <a:prstGeom prst="rect">
-            <a:avLst/>
-          </a:prstGeom>
-          <a:noFill/>
-          <a:ln>
-            <a:noFill/>
-          </a:ln>
-        </p:spPr>
-        <p:txBody>
-          <a:bodyPr spcFirstLastPara="1" wrap="square" lIns="0" tIns="45700" rIns="0" bIns="45700" anchor="t" anchorCtr="0">
-            <a:spAutoFit/>
-          </a:bodyPr>
-          <a:lstStyle/>
-          <a:p>
-            <a:pPr marL="0" marR="0" lvl="0" indent="0" algn="ctr" rtl="0">
-              <a:lnSpc>
-                <a:spcPct val="110000"/>
-              </a:lnSpc>
-              <a:spcBef>
-                <a:spcPts val="0"/>
-              </a:spcBef>
-              <a:spcAft>
-                <a:spcPts val="0"/>
-              </a:spcAft>
-              <a:buNone/>
-            </a:pPr>
-            <a:r>
-              <a:rPr lang="en-US" sz="2400" dirty="0">
-                <a:solidFill>
-                  <a:schemeClr val="accent1"/>
+              <a:prstDash val="solid"/>
+              <a:round/>
+              <a:headEnd type="none" w="sm" len="sm"/>
+              <a:tailEnd type="none" w="sm" len="sm"/>
+            </a:ln>
+          </p:spPr>
+          <p:txBody>
+            <a:bodyPr spcFirstLastPara="1" wrap="square" lIns="91425" tIns="45700" rIns="91425" bIns="45700" anchor="ctr" anchorCtr="0">
+              <a:noAutofit/>
+            </a:bodyPr>
+            <a:lstStyle/>
+            <a:p>
+              <a:pPr marL="0" marR="0" lvl="0" indent="0" algn="ctr" rtl="0">
+                <a:spcBef>
+                  <a:spcPts val="0"/>
+                </a:spcBef>
+                <a:spcAft>
+                  <a:spcPts val="0"/>
+                </a:spcAft>
+                <a:buNone/>
+              </a:pPr>
+              <a:endParaRPr sz="1350">
+                <a:solidFill>
+                  <a:schemeClr val="lt1"/>
                 </a:solidFill>
                 <a:latin typeface="Arial"/>
                 <a:ea typeface="Arial"/>
                 <a:cs typeface="Arial"/>
                 <a:sym typeface="Arial"/>
-              </a:rPr>
-              <a:t>Technical </a:t>
-            </a:r>
-            <a:br>
-              <a:rPr lang="en-US" sz="2400" dirty="0">
-                <a:solidFill>
-                  <a:schemeClr val="accent1"/>
+              </a:endParaRPr>
+            </a:p>
+          </p:txBody>
+        </p:sp>
+        <p:sp>
+          <p:nvSpPr>
+            <p:cNvPr id="490" name="Google Shape;490;p11"/>
+            <p:cNvSpPr/>
+            <p:nvPr/>
+          </p:nvSpPr>
+          <p:spPr>
+            <a:xfrm flipH="1">
+              <a:off x="5274118" y="1273689"/>
+              <a:ext cx="2638028" cy="2185414"/>
+            </a:xfrm>
+            <a:custGeom>
+              <a:avLst/>
+              <a:gdLst/>
+              <a:ahLst/>
+              <a:cxnLst/>
+              <a:rect l="l" t="t" r="r" b="b"/>
+              <a:pathLst>
+                <a:path w="2086113" h="1728192" extrusionOk="0">
+                  <a:moveTo>
+                    <a:pt x="864096" y="0"/>
+                  </a:moveTo>
+                  <a:cubicBezTo>
+                    <a:pt x="1085238" y="0"/>
+                    <a:pt x="1306379" y="84363"/>
+                    <a:pt x="1475104" y="253088"/>
+                  </a:cubicBezTo>
+                  <a:lnTo>
+                    <a:pt x="2086113" y="864096"/>
+                  </a:lnTo>
+                  <a:lnTo>
+                    <a:pt x="1475104" y="1475104"/>
+                  </a:lnTo>
+                  <a:cubicBezTo>
+                    <a:pt x="1137654" y="1812555"/>
+                    <a:pt x="590538" y="1812555"/>
+                    <a:pt x="253088" y="1475104"/>
+                  </a:cubicBezTo>
+                  <a:cubicBezTo>
+                    <a:pt x="-84363" y="1137654"/>
+                    <a:pt x="-84363" y="590538"/>
+                    <a:pt x="253088" y="253088"/>
+                  </a:cubicBezTo>
+                  <a:cubicBezTo>
+                    <a:pt x="421813" y="84363"/>
+                    <a:pt x="642954" y="0"/>
+                    <a:pt x="864096" y="0"/>
+                  </a:cubicBezTo>
+                  <a:close/>
+                </a:path>
+              </a:pathLst>
+            </a:custGeom>
+            <a:noFill/>
+            <a:ln w="152400" cap="flat" cmpd="sng">
+              <a:solidFill>
+                <a:schemeClr val="tx2">
+                  <a:lumMod val="90000"/>
+                </a:schemeClr>
+              </a:solidFill>
+              <a:prstDash val="solid"/>
+              <a:round/>
+              <a:headEnd type="none" w="sm" len="sm"/>
+              <a:tailEnd type="none" w="sm" len="sm"/>
+            </a:ln>
+          </p:spPr>
+          <p:txBody>
+            <a:bodyPr spcFirstLastPara="1" wrap="square" lIns="91425" tIns="45700" rIns="91425" bIns="45700" anchor="ctr" anchorCtr="0">
+              <a:noAutofit/>
+            </a:bodyPr>
+            <a:lstStyle/>
+            <a:p>
+              <a:pPr marL="0" marR="0" lvl="0" indent="0" algn="ctr" rtl="0">
+                <a:spcBef>
+                  <a:spcPts val="0"/>
+                </a:spcBef>
+                <a:spcAft>
+                  <a:spcPts val="0"/>
+                </a:spcAft>
+                <a:buNone/>
+              </a:pPr>
+              <a:endParaRPr sz="1350">
+                <a:solidFill>
+                  <a:schemeClr val="lt1"/>
                 </a:solidFill>
                 <a:latin typeface="Arial"/>
                 <a:ea typeface="Arial"/>
                 <a:cs typeface="Arial"/>
                 <a:sym typeface="Arial"/>
-              </a:rPr>
-            </a:br>
-            <a:r>
-              <a:rPr lang="en-US" sz="2400" dirty="0">
-                <a:solidFill>
-                  <a:schemeClr val="accent1"/>
+              </a:endParaRPr>
+            </a:p>
+          </p:txBody>
+        </p:sp>
+        <p:sp>
+          <p:nvSpPr>
+            <p:cNvPr id="491" name="Google Shape;491;p11"/>
+            <p:cNvSpPr/>
+            <p:nvPr/>
+          </p:nvSpPr>
+          <p:spPr>
+            <a:xfrm>
+              <a:off x="2357187" y="1021315"/>
+              <a:ext cx="1729830" cy="2703261"/>
+            </a:xfrm>
+            <a:custGeom>
+              <a:avLst/>
+              <a:gdLst/>
+              <a:ahLst/>
+              <a:cxnLst/>
+              <a:rect l="l" t="t" r="r" b="b"/>
+              <a:pathLst>
+                <a:path w="2169234" h="3389932" extrusionOk="0">
+                  <a:moveTo>
+                    <a:pt x="2169234" y="3324386"/>
+                  </a:moveTo>
+                  <a:lnTo>
+                    <a:pt x="2028474" y="3358754"/>
+                  </a:lnTo>
+                  <a:cubicBezTo>
+                    <a:pt x="1491694" y="3462681"/>
+                    <a:pt x="914556" y="3306790"/>
+                    <a:pt x="498849" y="2891082"/>
+                  </a:cubicBezTo>
+                  <a:cubicBezTo>
+                    <a:pt x="-166284" y="2225951"/>
+                    <a:pt x="-166284" y="1147559"/>
+                    <a:pt x="498849" y="482428"/>
+                  </a:cubicBezTo>
+                  <a:cubicBezTo>
+                    <a:pt x="748274" y="233004"/>
+                    <a:pt x="1055812" y="77114"/>
+                    <a:pt x="1377880" y="14757"/>
+                  </a:cubicBezTo>
+                  <a:lnTo>
+                    <a:pt x="1480149" y="0"/>
+                  </a:lnTo>
+                </a:path>
+              </a:pathLst>
+            </a:custGeom>
+            <a:noFill/>
+            <a:ln w="38100" cap="flat" cmpd="sng">
+              <a:solidFill>
+                <a:schemeClr val="dk1"/>
+              </a:solidFill>
+              <a:prstDash val="solid"/>
+              <a:round/>
+              <a:headEnd type="none" w="sm" len="sm"/>
+              <a:tailEnd type="none" w="sm" len="sm"/>
+            </a:ln>
+          </p:spPr>
+          <p:txBody>
+            <a:bodyPr spcFirstLastPara="1" wrap="square" lIns="91425" tIns="45700" rIns="91425" bIns="45700" anchor="ctr" anchorCtr="0">
+              <a:noAutofit/>
+            </a:bodyPr>
+            <a:lstStyle/>
+            <a:p>
+              <a:pPr marL="0" marR="0" lvl="0" indent="0" algn="ctr" rtl="0">
+                <a:spcBef>
+                  <a:spcPts val="0"/>
+                </a:spcBef>
+                <a:spcAft>
+                  <a:spcPts val="0"/>
+                </a:spcAft>
+                <a:buNone/>
+              </a:pPr>
+              <a:endParaRPr sz="1350">
+                <a:solidFill>
+                  <a:schemeClr val="lt1"/>
                 </a:solidFill>
                 <a:latin typeface="Arial"/>
                 <a:ea typeface="Arial"/>
                 <a:cs typeface="Arial"/>
                 <a:sym typeface="Arial"/>
-              </a:rPr>
-              <a:t>Workstream</a:t>
-            </a:r>
-            <a:endParaRPr sz="1800" dirty="0">
+              </a:endParaRPr>
+            </a:p>
+          </p:txBody>
+        </p:sp>
+        <p:sp>
+          <p:nvSpPr>
+            <p:cNvPr id="492" name="Google Shape;492;p11"/>
+            <p:cNvSpPr/>
+            <p:nvPr/>
+          </p:nvSpPr>
+          <p:spPr>
+            <a:xfrm>
+              <a:off x="3537515" y="1008220"/>
+              <a:ext cx="2098606" cy="2664086"/>
+            </a:xfrm>
+            <a:custGeom>
+              <a:avLst/>
+              <a:gdLst/>
+              <a:ahLst/>
+              <a:cxnLst/>
+              <a:rect l="l" t="t" r="r" b="b"/>
+              <a:pathLst>
+                <a:path w="2631685" h="3340807" extrusionOk="0">
+                  <a:moveTo>
+                    <a:pt x="0" y="16421"/>
+                  </a:moveTo>
+                  <a:lnTo>
+                    <a:pt x="59774" y="7795"/>
+                  </a:lnTo>
+                  <a:cubicBezTo>
+                    <a:pt x="114058" y="2598"/>
+                    <a:pt x="168543" y="0"/>
+                    <a:pt x="223028" y="0"/>
+                  </a:cubicBezTo>
+                  <a:cubicBezTo>
+                    <a:pt x="658910" y="0"/>
+                    <a:pt x="1094790" y="166284"/>
+                    <a:pt x="1427356" y="498849"/>
+                  </a:cubicBezTo>
+                  <a:lnTo>
+                    <a:pt x="2631685" y="1703176"/>
+                  </a:lnTo>
+                  <a:lnTo>
+                    <a:pt x="1427356" y="2907503"/>
+                  </a:lnTo>
+                  <a:cubicBezTo>
+                    <a:pt x="1219503" y="3115357"/>
+                    <a:pt x="971292" y="3258257"/>
+                    <a:pt x="707946" y="3336202"/>
+                  </a:cubicBezTo>
+                  <a:lnTo>
+                    <a:pt x="689085" y="3340807"/>
+                  </a:lnTo>
+                </a:path>
+              </a:pathLst>
+            </a:custGeom>
+            <a:noFill/>
+            <a:ln w="38100" cap="flat" cmpd="sng">
               <a:solidFill>
-                <a:schemeClr val="accent1"/>
+                <a:schemeClr val="dk1"/>
               </a:solidFill>
-              <a:latin typeface="Arial"/>
-              <a:ea typeface="Arial"/>
-              <a:cs typeface="Arial"/>
-              <a:sym typeface="Arial"/>
-            </a:endParaRPr>
-          </a:p>
-        </p:txBody>
-      </p:sp>
-      <p:sp>
-        <p:nvSpPr>
-          <p:cNvPr id="513" name="Google Shape;513;p11"/>
-          <p:cNvSpPr/>
-          <p:nvPr/>
-        </p:nvSpPr>
-        <p:spPr>
-          <a:xfrm>
-            <a:off x="3230992" y="2894544"/>
-            <a:ext cx="2228197" cy="972534"/>
-          </a:xfrm>
-          <a:prstGeom prst="rect">
-            <a:avLst/>
-          </a:prstGeom>
-          <a:noFill/>
-          <a:ln>
-            <a:noFill/>
-          </a:ln>
-        </p:spPr>
-        <p:txBody>
-          <a:bodyPr spcFirstLastPara="1" wrap="square" lIns="0" tIns="45700" rIns="0" bIns="45700" anchor="t" anchorCtr="0">
-            <a:spAutoFit/>
-          </a:bodyPr>
-          <a:lstStyle/>
-          <a:p>
-            <a:pPr marL="0" marR="0" lvl="0" indent="0" algn="ctr" rtl="0">
-              <a:lnSpc>
-                <a:spcPct val="110000"/>
-              </a:lnSpc>
-              <a:spcBef>
-                <a:spcPts val="0"/>
-              </a:spcBef>
-              <a:spcAft>
-                <a:spcPts val="0"/>
-              </a:spcAft>
-              <a:buNone/>
-            </a:pPr>
-            <a:r>
-              <a:rPr lang="en-US" sz="2400" dirty="0">
-                <a:solidFill>
-                  <a:schemeClr val="accent1"/>
+              <a:prstDash val="solid"/>
+              <a:round/>
+              <a:headEnd type="none" w="sm" len="sm"/>
+              <a:tailEnd type="none" w="sm" len="sm"/>
+            </a:ln>
+          </p:spPr>
+          <p:txBody>
+            <a:bodyPr spcFirstLastPara="1" wrap="square" lIns="91425" tIns="45700" rIns="91425" bIns="45700" anchor="ctr" anchorCtr="0">
+              <a:noAutofit/>
+            </a:bodyPr>
+            <a:lstStyle/>
+            <a:p>
+              <a:pPr marL="0" marR="0" lvl="0" indent="0" algn="ctr" rtl="0">
+                <a:spcBef>
+                  <a:spcPts val="0"/>
+                </a:spcBef>
+                <a:spcAft>
+                  <a:spcPts val="0"/>
+                </a:spcAft>
+                <a:buNone/>
+              </a:pPr>
+              <a:endParaRPr sz="1350">
+                <a:solidFill>
+                  <a:schemeClr val="lt1"/>
                 </a:solidFill>
                 <a:latin typeface="Arial"/>
                 <a:ea typeface="Arial"/>
                 <a:cs typeface="Arial"/>
                 <a:sym typeface="Arial"/>
-              </a:rPr>
-              <a:t>Terminology</a:t>
-            </a:r>
-            <a:r>
-              <a:rPr lang="en-US" sz="2800" dirty="0">
-                <a:solidFill>
-                  <a:schemeClr val="accent1"/>
+              </a:endParaRPr>
+            </a:p>
+          </p:txBody>
+        </p:sp>
+        <p:sp>
+          <p:nvSpPr>
+            <p:cNvPr id="493" name="Google Shape;493;p11"/>
+            <p:cNvSpPr/>
+            <p:nvPr/>
+          </p:nvSpPr>
+          <p:spPr>
+            <a:xfrm flipH="1">
+              <a:off x="4913156" y="1008221"/>
+              <a:ext cx="3278934" cy="2716355"/>
+            </a:xfrm>
+            <a:custGeom>
+              <a:avLst/>
+              <a:gdLst/>
+              <a:ahLst/>
+              <a:cxnLst/>
+              <a:rect l="l" t="t" r="r" b="b"/>
+              <a:pathLst>
+                <a:path w="2086113" h="1728192" extrusionOk="0">
+                  <a:moveTo>
+                    <a:pt x="864096" y="0"/>
+                  </a:moveTo>
+                  <a:cubicBezTo>
+                    <a:pt x="1085238" y="0"/>
+                    <a:pt x="1306379" y="84363"/>
+                    <a:pt x="1475104" y="253088"/>
+                  </a:cubicBezTo>
+                  <a:lnTo>
+                    <a:pt x="2086113" y="864096"/>
+                  </a:lnTo>
+                  <a:lnTo>
+                    <a:pt x="1475104" y="1475104"/>
+                  </a:lnTo>
+                  <a:cubicBezTo>
+                    <a:pt x="1137654" y="1812555"/>
+                    <a:pt x="590538" y="1812555"/>
+                    <a:pt x="253088" y="1475104"/>
+                  </a:cubicBezTo>
+                  <a:cubicBezTo>
+                    <a:pt x="-84363" y="1137654"/>
+                    <a:pt x="-84363" y="590538"/>
+                    <a:pt x="253088" y="253088"/>
+                  </a:cubicBezTo>
+                  <a:cubicBezTo>
+                    <a:pt x="421813" y="84363"/>
+                    <a:pt x="642954" y="0"/>
+                    <a:pt x="864096" y="0"/>
+                  </a:cubicBezTo>
+                  <a:close/>
+                </a:path>
+              </a:pathLst>
+            </a:custGeom>
+            <a:noFill/>
+            <a:ln w="38100" cap="flat" cmpd="sng">
+              <a:solidFill>
+                <a:schemeClr val="dk1"/>
+              </a:solidFill>
+              <a:prstDash val="solid"/>
+              <a:round/>
+              <a:headEnd type="none" w="sm" len="sm"/>
+              <a:tailEnd type="none" w="sm" len="sm"/>
+            </a:ln>
+          </p:spPr>
+          <p:txBody>
+            <a:bodyPr spcFirstLastPara="1" wrap="square" lIns="91425" tIns="45700" rIns="91425" bIns="45700" anchor="ctr" anchorCtr="0">
+              <a:noAutofit/>
+            </a:bodyPr>
+            <a:lstStyle/>
+            <a:p>
+              <a:pPr marL="0" marR="0" lvl="0" indent="0" algn="ctr" rtl="0">
+                <a:spcBef>
+                  <a:spcPts val="0"/>
+                </a:spcBef>
+                <a:spcAft>
+                  <a:spcPts val="0"/>
+                </a:spcAft>
+                <a:buNone/>
+              </a:pPr>
+              <a:endParaRPr sz="1350">
+                <a:solidFill>
+                  <a:schemeClr val="lt1"/>
                 </a:solidFill>
                 <a:latin typeface="Arial"/>
                 <a:ea typeface="Arial"/>
                 <a:cs typeface="Arial"/>
                 <a:sym typeface="Arial"/>
-              </a:rPr>
-              <a:t> </a:t>
-            </a:r>
-            <a:r>
-              <a:rPr lang="en-US" sz="2400" dirty="0">
-                <a:solidFill>
-                  <a:schemeClr val="accent1"/>
+              </a:endParaRPr>
+            </a:p>
+          </p:txBody>
+        </p:sp>
+        <p:sp>
+          <p:nvSpPr>
+            <p:cNvPr id="494" name="Google Shape;494;p11"/>
+            <p:cNvSpPr/>
+            <p:nvPr/>
+          </p:nvSpPr>
+          <p:spPr>
+            <a:xfrm>
+              <a:off x="4643950" y="1725870"/>
+              <a:ext cx="1247704" cy="1247703"/>
+            </a:xfrm>
+            <a:prstGeom prst="ellipse">
+              <a:avLst/>
+            </a:prstGeom>
+            <a:solidFill>
+              <a:schemeClr val="lt1"/>
+            </a:solidFill>
+            <a:ln>
+              <a:noFill/>
+            </a:ln>
+            <a:effectLst>
+              <a:outerShdw blurRad="228600" dist="101600" dir="2340000" algn="l" rotWithShape="0">
+                <a:srgbClr val="000000">
+                  <a:alpha val="14901"/>
+                </a:srgbClr>
+              </a:outerShdw>
+            </a:effectLst>
+          </p:spPr>
+          <p:txBody>
+            <a:bodyPr spcFirstLastPara="1" wrap="square" lIns="91425" tIns="45700" rIns="91425" bIns="45700" anchor="ctr" anchorCtr="0">
+              <a:noAutofit/>
+            </a:bodyPr>
+            <a:lstStyle/>
+            <a:p>
+              <a:pPr marL="0" marR="0" lvl="0" indent="0" algn="ctr" rtl="0">
+                <a:spcBef>
+                  <a:spcPts val="0"/>
+                </a:spcBef>
+                <a:spcAft>
+                  <a:spcPts val="0"/>
+                </a:spcAft>
+                <a:buNone/>
+              </a:pPr>
+              <a:endParaRPr sz="1350">
+                <a:solidFill>
+                  <a:schemeClr val="lt1"/>
                 </a:solidFill>
                 <a:latin typeface="Arial"/>
                 <a:ea typeface="Arial"/>
                 <a:cs typeface="Arial"/>
                 <a:sym typeface="Arial"/>
-              </a:rPr>
-              <a:t>Workstream</a:t>
-            </a:r>
-            <a:endParaRPr dirty="0"/>
-          </a:p>
-        </p:txBody>
-      </p:sp>
-      <p:sp>
-        <p:nvSpPr>
-          <p:cNvPr id="514" name="Google Shape;514;p11"/>
-          <p:cNvSpPr/>
-          <p:nvPr/>
-        </p:nvSpPr>
-        <p:spPr>
-          <a:xfrm>
-            <a:off x="5554599" y="2997469"/>
-            <a:ext cx="686439" cy="691600"/>
-          </a:xfrm>
-          <a:prstGeom prst="rect">
-            <a:avLst/>
-          </a:prstGeom>
-          <a:noFill/>
-          <a:ln>
-            <a:noFill/>
-          </a:ln>
-        </p:spPr>
-        <p:txBody>
-          <a:bodyPr spcFirstLastPara="1" wrap="square" lIns="0" tIns="45700" rIns="0" bIns="45700" anchor="ctr" anchorCtr="0">
-            <a:spAutoFit/>
-          </a:bodyPr>
-          <a:lstStyle/>
-          <a:p>
-            <a:pPr marL="0" marR="0" lvl="0" indent="0" algn="ctr" rtl="0">
-              <a:lnSpc>
-                <a:spcPct val="110000"/>
-              </a:lnSpc>
-              <a:spcBef>
-                <a:spcPts val="0"/>
-              </a:spcBef>
-              <a:spcAft>
-                <a:spcPts val="0"/>
-              </a:spcAft>
-              <a:buNone/>
-            </a:pPr>
-            <a:r>
-              <a:rPr lang="en-US" sz="1200" dirty="0">
-                <a:solidFill>
-                  <a:schemeClr val="dk1"/>
+              </a:endParaRPr>
+            </a:p>
+          </p:txBody>
+        </p:sp>
+        <p:sp>
+          <p:nvSpPr>
+            <p:cNvPr id="495" name="Google Shape;495;p11"/>
+            <p:cNvSpPr/>
+            <p:nvPr/>
+          </p:nvSpPr>
+          <p:spPr>
+            <a:xfrm>
+              <a:off x="4758837" y="1840755"/>
+              <a:ext cx="1017933" cy="1017933"/>
+            </a:xfrm>
+            <a:prstGeom prst="ellipse">
+              <a:avLst/>
+            </a:prstGeom>
+            <a:solidFill>
+              <a:srgbClr val="E3B641"/>
+            </a:solidFill>
+            <a:ln>
+              <a:noFill/>
+            </a:ln>
+            <a:effectLst>
+              <a:outerShdw blurRad="76200" dist="38100" dir="2700000" algn="tl" rotWithShape="0">
+                <a:srgbClr val="000000">
+                  <a:alpha val="11764"/>
+                </a:srgbClr>
+              </a:outerShdw>
+            </a:effectLst>
+          </p:spPr>
+          <p:txBody>
+            <a:bodyPr spcFirstLastPara="1" wrap="square" lIns="91425" tIns="45700" rIns="91425" bIns="45700" anchor="ctr" anchorCtr="0">
+              <a:noAutofit/>
+            </a:bodyPr>
+            <a:lstStyle/>
+            <a:p>
+              <a:pPr marL="0" marR="0" lvl="0" indent="0" algn="ctr" rtl="0">
+                <a:spcBef>
+                  <a:spcPts val="0"/>
+                </a:spcBef>
+                <a:spcAft>
+                  <a:spcPts val="0"/>
+                </a:spcAft>
+                <a:buNone/>
+              </a:pPr>
+              <a:endParaRPr sz="1350">
+                <a:solidFill>
+                  <a:schemeClr val="lt1"/>
                 </a:solidFill>
                 <a:latin typeface="Arial"/>
                 <a:ea typeface="Arial"/>
                 <a:cs typeface="Arial"/>
                 <a:sym typeface="Arial"/>
-              </a:rPr>
-              <a:t>CODED VALUE SETS</a:t>
-            </a:r>
-            <a:endParaRPr dirty="0"/>
-          </a:p>
-        </p:txBody>
-      </p:sp>
-      <p:sp>
-        <p:nvSpPr>
-          <p:cNvPr id="515" name="Google Shape;515;p11"/>
-          <p:cNvSpPr/>
-          <p:nvPr/>
-        </p:nvSpPr>
-        <p:spPr>
-          <a:xfrm>
-            <a:off x="6495141" y="4828700"/>
-            <a:ext cx="2004398" cy="646331"/>
-          </a:xfrm>
-          <a:prstGeom prst="rect">
-            <a:avLst/>
-          </a:prstGeom>
-          <a:noFill/>
-          <a:ln>
+              </a:endParaRPr>
+            </a:p>
+          </p:txBody>
+        </p:sp>
+        <p:sp>
+          <p:nvSpPr>
+            <p:cNvPr id="496" name="Google Shape;496;p11"/>
+            <p:cNvSpPr/>
+            <p:nvPr/>
+          </p:nvSpPr>
+          <p:spPr>
+            <a:xfrm rot="5400000">
+              <a:off x="4592688" y="1325084"/>
+              <a:ext cx="92795" cy="92795"/>
+            </a:xfrm>
+            <a:custGeom>
+              <a:avLst/>
+              <a:gdLst/>
+              <a:ahLst/>
+              <a:cxnLst/>
+              <a:rect l="l" t="t" r="r" b="b"/>
+              <a:pathLst>
+                <a:path w="380216" h="380216" extrusionOk="0">
+                  <a:moveTo>
+                    <a:pt x="0" y="0"/>
+                  </a:moveTo>
+                  <a:lnTo>
+                    <a:pt x="380216" y="0"/>
+                  </a:lnTo>
+                  <a:lnTo>
+                    <a:pt x="380216" y="380216"/>
+                  </a:lnTo>
+                </a:path>
+              </a:pathLst>
+            </a:custGeom>
             <a:noFill/>
-          </a:ln>
-        </p:spPr>
-        <p:txBody>
-          <a:bodyPr spcFirstLastPara="1" wrap="square" lIns="0" tIns="45700" rIns="0" bIns="45700" anchor="t" anchorCtr="0">
-            <a:spAutoFit/>
-          </a:bodyPr>
-          <a:lstStyle/>
-          <a:p>
-            <a:pPr marL="0" marR="0" lvl="0" indent="0" algn="ctr" rtl="0">
-              <a:spcBef>
-                <a:spcPts val="0"/>
-              </a:spcBef>
-              <a:spcAft>
-                <a:spcPts val="0"/>
-              </a:spcAft>
-              <a:buNone/>
-            </a:pPr>
-            <a:r>
-              <a:rPr lang="en-US" sz="1800">
-                <a:solidFill>
-                  <a:schemeClr val="dk1"/>
+            <a:ln w="63500" cap="rnd" cmpd="sng">
+              <a:solidFill>
+                <a:schemeClr val="dk1"/>
+              </a:solidFill>
+              <a:prstDash val="solid"/>
+              <a:round/>
+              <a:headEnd type="none" w="sm" len="sm"/>
+              <a:tailEnd type="none" w="sm" len="sm"/>
+            </a:ln>
+          </p:spPr>
+          <p:txBody>
+            <a:bodyPr spcFirstLastPara="1" wrap="square" lIns="91425" tIns="45700" rIns="91425" bIns="45700" anchor="ctr" anchorCtr="0">
+              <a:noAutofit/>
+            </a:bodyPr>
+            <a:lstStyle/>
+            <a:p>
+              <a:pPr marL="0" marR="0" lvl="0" indent="0" algn="ctr" rtl="0">
+                <a:spcBef>
+                  <a:spcPts val="0"/>
+                </a:spcBef>
+                <a:spcAft>
+                  <a:spcPts val="0"/>
+                </a:spcAft>
+                <a:buNone/>
+              </a:pPr>
+              <a:endParaRPr sz="1350">
+                <a:solidFill>
+                  <a:schemeClr val="lt1"/>
                 </a:solidFill>
                 <a:latin typeface="Arial"/>
                 <a:ea typeface="Arial"/>
                 <a:cs typeface="Arial"/>
                 <a:sym typeface="Arial"/>
-              </a:rPr>
-              <a:t>FHIR IG Ballot &amp; Publication</a:t>
-            </a:r>
-            <a:endParaRPr/>
-          </a:p>
-        </p:txBody>
-      </p:sp>
-      <p:sp>
-        <p:nvSpPr>
-          <p:cNvPr id="516" name="Google Shape;516;p11"/>
-          <p:cNvSpPr/>
-          <p:nvPr/>
-        </p:nvSpPr>
-        <p:spPr>
-          <a:xfrm>
-            <a:off x="3075232" y="4828700"/>
-            <a:ext cx="2556380" cy="646331"/>
-          </a:xfrm>
-          <a:prstGeom prst="rect">
-            <a:avLst/>
-          </a:prstGeom>
-          <a:noFill/>
-          <a:ln>
+              </a:endParaRPr>
+            </a:p>
+          </p:txBody>
+        </p:sp>
+        <p:sp>
+          <p:nvSpPr>
+            <p:cNvPr id="497" name="Google Shape;497;p11"/>
+            <p:cNvSpPr/>
+            <p:nvPr/>
+          </p:nvSpPr>
+          <p:spPr>
+            <a:xfrm rot="5400000">
+              <a:off x="5820540" y="3276543"/>
+              <a:ext cx="92795" cy="92795"/>
+            </a:xfrm>
+            <a:custGeom>
+              <a:avLst/>
+              <a:gdLst/>
+              <a:ahLst/>
+              <a:cxnLst/>
+              <a:rect l="l" t="t" r="r" b="b"/>
+              <a:pathLst>
+                <a:path w="380216" h="380216" extrusionOk="0">
+                  <a:moveTo>
+                    <a:pt x="0" y="0"/>
+                  </a:moveTo>
+                  <a:lnTo>
+                    <a:pt x="380216" y="0"/>
+                  </a:lnTo>
+                  <a:lnTo>
+                    <a:pt x="380216" y="380216"/>
+                  </a:lnTo>
+                </a:path>
+              </a:pathLst>
+            </a:custGeom>
             <a:noFill/>
-          </a:ln>
-        </p:spPr>
-        <p:txBody>
-          <a:bodyPr spcFirstLastPara="1" wrap="square" lIns="0" tIns="45700" rIns="0" bIns="45700" anchor="t" anchorCtr="0">
-            <a:spAutoFit/>
-          </a:bodyPr>
-          <a:lstStyle/>
-          <a:p>
-            <a:pPr marL="0" marR="0" lvl="0" indent="0" algn="ctr" rtl="0">
-              <a:spcBef>
-                <a:spcPts val="0"/>
-              </a:spcBef>
-              <a:spcAft>
-                <a:spcPts val="0"/>
-              </a:spcAft>
-              <a:buNone/>
-            </a:pPr>
-            <a:r>
-              <a:rPr lang="en-US" sz="1800" dirty="0">
-                <a:solidFill>
-                  <a:schemeClr val="accent6"/>
+            <a:ln w="63500" cap="rnd" cmpd="sng">
+              <a:solidFill>
+                <a:schemeClr val="dk1"/>
+              </a:solidFill>
+              <a:prstDash val="solid"/>
+              <a:round/>
+              <a:headEnd type="none" w="sm" len="sm"/>
+              <a:tailEnd type="none" w="sm" len="sm"/>
+            </a:ln>
+          </p:spPr>
+          <p:txBody>
+            <a:bodyPr spcFirstLastPara="1" wrap="square" lIns="91425" tIns="45700" rIns="91425" bIns="45700" anchor="ctr" anchorCtr="0">
+              <a:noAutofit/>
+            </a:bodyPr>
+            <a:lstStyle/>
+            <a:p>
+              <a:pPr marL="0" marR="0" lvl="0" indent="0" algn="ctr" rtl="0">
+                <a:spcBef>
+                  <a:spcPts val="0"/>
+                </a:spcBef>
+                <a:spcAft>
+                  <a:spcPts val="0"/>
+                </a:spcAft>
+                <a:buNone/>
+              </a:pPr>
+              <a:endParaRPr sz="1350">
+                <a:solidFill>
+                  <a:schemeClr val="lt1"/>
                 </a:solidFill>
                 <a:latin typeface="Arial"/>
                 <a:ea typeface="Arial"/>
                 <a:cs typeface="Arial"/>
                 <a:sym typeface="Arial"/>
-              </a:rPr>
-              <a:t>Publication in NLM VSAC &amp; ONC ISA</a:t>
-            </a:r>
-            <a:endParaRPr dirty="0"/>
-          </a:p>
-        </p:txBody>
-      </p:sp>
-      <p:sp>
-        <p:nvSpPr>
-          <p:cNvPr id="517" name="Google Shape;517;p11"/>
-          <p:cNvSpPr/>
-          <p:nvPr/>
-        </p:nvSpPr>
-        <p:spPr>
-          <a:xfrm>
-            <a:off x="8775868" y="3854082"/>
-            <a:ext cx="1902768" cy="646331"/>
-          </a:xfrm>
-          <a:prstGeom prst="rect">
-            <a:avLst/>
-          </a:prstGeom>
-          <a:noFill/>
-          <a:ln>
+              </a:endParaRPr>
+            </a:p>
+          </p:txBody>
+        </p:sp>
+        <p:sp>
+          <p:nvSpPr>
+            <p:cNvPr id="498" name="Google Shape;498;p11"/>
+            <p:cNvSpPr/>
+            <p:nvPr/>
+          </p:nvSpPr>
+          <p:spPr>
+            <a:xfrm rot="900000">
+              <a:off x="7453784" y="3512615"/>
+              <a:ext cx="92795" cy="92795"/>
+            </a:xfrm>
+            <a:custGeom>
+              <a:avLst/>
+              <a:gdLst/>
+              <a:ahLst/>
+              <a:cxnLst/>
+              <a:rect l="l" t="t" r="r" b="b"/>
+              <a:pathLst>
+                <a:path w="380216" h="380216" extrusionOk="0">
+                  <a:moveTo>
+                    <a:pt x="0" y="0"/>
+                  </a:moveTo>
+                  <a:lnTo>
+                    <a:pt x="380216" y="0"/>
+                  </a:lnTo>
+                  <a:lnTo>
+                    <a:pt x="380216" y="380216"/>
+                  </a:lnTo>
+                </a:path>
+              </a:pathLst>
+            </a:custGeom>
             <a:noFill/>
-          </a:ln>
-        </p:spPr>
-        <p:txBody>
-          <a:bodyPr spcFirstLastPara="1" wrap="square" lIns="0" tIns="45700" rIns="0" bIns="45700" anchor="t" anchorCtr="0">
-            <a:spAutoFit/>
-          </a:bodyPr>
-          <a:lstStyle/>
-          <a:p>
-            <a:pPr marL="0" marR="0" lvl="0" indent="0" algn="ctr" rtl="0">
-              <a:spcBef>
-                <a:spcPts val="0"/>
-              </a:spcBef>
-              <a:spcAft>
-                <a:spcPts val="0"/>
-              </a:spcAft>
-              <a:buNone/>
-            </a:pPr>
-            <a:r>
-              <a:rPr lang="en-US" sz="1800" dirty="0">
-                <a:solidFill>
-                  <a:schemeClr val="dk1"/>
+            <a:ln w="63500" cap="rnd" cmpd="sng">
+              <a:solidFill>
+                <a:schemeClr val="dk1"/>
+              </a:solidFill>
+              <a:prstDash val="solid"/>
+              <a:round/>
+              <a:headEnd type="none" w="sm" len="sm"/>
+              <a:tailEnd type="none" w="sm" len="sm"/>
+            </a:ln>
+          </p:spPr>
+          <p:txBody>
+            <a:bodyPr spcFirstLastPara="1" wrap="square" lIns="91425" tIns="45700" rIns="91425" bIns="45700" anchor="ctr" anchorCtr="0">
+              <a:noAutofit/>
+            </a:bodyPr>
+            <a:lstStyle/>
+            <a:p>
+              <a:pPr marL="0" marR="0" lvl="0" indent="0" algn="ctr" rtl="0">
+                <a:spcBef>
+                  <a:spcPts val="0"/>
+                </a:spcBef>
+                <a:spcAft>
+                  <a:spcPts val="0"/>
+                </a:spcAft>
+                <a:buNone/>
+              </a:pPr>
+              <a:endParaRPr sz="1350">
+                <a:solidFill>
+                  <a:schemeClr val="lt1"/>
                 </a:solidFill>
                 <a:latin typeface="Arial"/>
                 <a:ea typeface="Arial"/>
                 <a:cs typeface="Arial"/>
                 <a:sym typeface="Arial"/>
-              </a:rPr>
-              <a:t>Community &amp; FHIR Coordination </a:t>
-            </a:r>
-            <a:endParaRPr dirty="0"/>
-          </a:p>
-        </p:txBody>
-      </p:sp>
-      <p:sp>
-        <p:nvSpPr>
-          <p:cNvPr id="518" name="Google Shape;518;p11"/>
-          <p:cNvSpPr/>
-          <p:nvPr/>
-        </p:nvSpPr>
-        <p:spPr>
-          <a:xfrm>
-            <a:off x="1502676" y="3854082"/>
-            <a:ext cx="1532279" cy="646331"/>
-          </a:xfrm>
-          <a:prstGeom prst="rect">
-            <a:avLst/>
-          </a:prstGeom>
-          <a:noFill/>
-          <a:ln>
+              </a:endParaRPr>
+            </a:p>
+          </p:txBody>
+        </p:sp>
+        <p:sp>
+          <p:nvSpPr>
+            <p:cNvPr id="499" name="Google Shape;499;p11"/>
+            <p:cNvSpPr/>
+            <p:nvPr/>
+          </p:nvSpPr>
+          <p:spPr>
+            <a:xfrm rot="-4312474">
+              <a:off x="8067734" y="1858997"/>
+              <a:ext cx="92795" cy="92795"/>
+            </a:xfrm>
+            <a:custGeom>
+              <a:avLst/>
+              <a:gdLst/>
+              <a:ahLst/>
+              <a:cxnLst/>
+              <a:rect l="l" t="t" r="r" b="b"/>
+              <a:pathLst>
+                <a:path w="380216" h="380216" extrusionOk="0">
+                  <a:moveTo>
+                    <a:pt x="0" y="0"/>
+                  </a:moveTo>
+                  <a:lnTo>
+                    <a:pt x="380216" y="0"/>
+                  </a:lnTo>
+                  <a:lnTo>
+                    <a:pt x="380216" y="380216"/>
+                  </a:lnTo>
+                </a:path>
+              </a:pathLst>
+            </a:custGeom>
             <a:noFill/>
-          </a:ln>
-        </p:spPr>
-        <p:txBody>
-          <a:bodyPr spcFirstLastPara="1" wrap="square" lIns="0" tIns="45700" rIns="0" bIns="45700" anchor="t" anchorCtr="0">
-            <a:spAutoFit/>
-          </a:bodyPr>
-          <a:lstStyle/>
-          <a:p>
-            <a:pPr marL="0" marR="0" lvl="0" indent="0" algn="ctr" rtl="0">
-              <a:spcBef>
-                <a:spcPts val="0"/>
-              </a:spcBef>
-              <a:spcAft>
-                <a:spcPts val="0"/>
-              </a:spcAft>
-              <a:buNone/>
-            </a:pPr>
-            <a:r>
-              <a:rPr lang="en-US" sz="1800">
-                <a:solidFill>
-                  <a:schemeClr val="accent6"/>
+            <a:ln w="63500" cap="rnd" cmpd="sng">
+              <a:solidFill>
+                <a:schemeClr val="dk1"/>
+              </a:solidFill>
+              <a:prstDash val="solid"/>
+              <a:round/>
+              <a:headEnd type="none" w="sm" len="sm"/>
+              <a:tailEnd type="none" w="sm" len="sm"/>
+            </a:ln>
+          </p:spPr>
+          <p:txBody>
+            <a:bodyPr spcFirstLastPara="1" wrap="square" lIns="91425" tIns="45700" rIns="91425" bIns="45700" anchor="ctr" anchorCtr="0">
+              <a:noAutofit/>
+            </a:bodyPr>
+            <a:lstStyle/>
+            <a:p>
+              <a:pPr marL="0" marR="0" lvl="0" indent="0" algn="ctr" rtl="0">
+                <a:spcBef>
+                  <a:spcPts val="0"/>
+                </a:spcBef>
+                <a:spcAft>
+                  <a:spcPts val="0"/>
+                </a:spcAft>
+                <a:buNone/>
+              </a:pPr>
+              <a:endParaRPr sz="1350">
+                <a:solidFill>
+                  <a:schemeClr val="lt1"/>
                 </a:solidFill>
                 <a:latin typeface="Arial"/>
                 <a:ea typeface="Arial"/>
                 <a:cs typeface="Arial"/>
                 <a:sym typeface="Arial"/>
-              </a:rPr>
-              <a:t>Data Set Identification </a:t>
-            </a:r>
-            <a:endParaRPr/>
-          </a:p>
-        </p:txBody>
-      </p:sp>
-      <p:sp>
-        <p:nvSpPr>
-          <p:cNvPr id="519" name="Google Shape;519;p11"/>
-          <p:cNvSpPr/>
-          <p:nvPr/>
-        </p:nvSpPr>
-        <p:spPr>
-          <a:xfrm>
-            <a:off x="3599138" y="1215423"/>
-            <a:ext cx="1491904" cy="646331"/>
-          </a:xfrm>
-          <a:prstGeom prst="rect">
-            <a:avLst/>
-          </a:prstGeom>
-          <a:noFill/>
-          <a:ln>
+              </a:endParaRPr>
+            </a:p>
+          </p:txBody>
+        </p:sp>
+        <p:sp>
+          <p:nvSpPr>
+            <p:cNvPr id="500" name="Google Shape;500;p11"/>
+            <p:cNvSpPr/>
+            <p:nvPr/>
+          </p:nvSpPr>
+          <p:spPr>
+            <a:xfrm rot="-8844166">
+              <a:off x="6452709" y="1003752"/>
+              <a:ext cx="92795" cy="92795"/>
+            </a:xfrm>
+            <a:custGeom>
+              <a:avLst/>
+              <a:gdLst/>
+              <a:ahLst/>
+              <a:cxnLst/>
+              <a:rect l="l" t="t" r="r" b="b"/>
+              <a:pathLst>
+                <a:path w="380216" h="380216" extrusionOk="0">
+                  <a:moveTo>
+                    <a:pt x="0" y="0"/>
+                  </a:moveTo>
+                  <a:lnTo>
+                    <a:pt x="380216" y="0"/>
+                  </a:lnTo>
+                  <a:lnTo>
+                    <a:pt x="380216" y="380216"/>
+                  </a:lnTo>
+                </a:path>
+              </a:pathLst>
+            </a:custGeom>
             <a:noFill/>
-          </a:ln>
-        </p:spPr>
-        <p:txBody>
-          <a:bodyPr spcFirstLastPara="1" wrap="square" lIns="0" tIns="45700" rIns="0" bIns="45700" anchor="t" anchorCtr="0">
-            <a:spAutoFit/>
-          </a:bodyPr>
-          <a:lstStyle/>
-          <a:p>
-            <a:pPr marL="0" marR="0" lvl="0" indent="0" algn="ctr" rtl="0">
-              <a:spcBef>
-                <a:spcPts val="0"/>
-              </a:spcBef>
-              <a:spcAft>
-                <a:spcPts val="0"/>
-              </a:spcAft>
-              <a:buNone/>
-            </a:pPr>
-            <a:r>
-              <a:rPr lang="en-US" sz="1800">
-                <a:solidFill>
-                  <a:schemeClr val="accent6"/>
+            <a:ln w="63500" cap="rnd" cmpd="sng">
+              <a:solidFill>
+                <a:schemeClr val="dk1"/>
+              </a:solidFill>
+              <a:prstDash val="solid"/>
+              <a:round/>
+              <a:headEnd type="none" w="sm" len="sm"/>
+              <a:tailEnd type="none" w="sm" len="sm"/>
+            </a:ln>
+          </p:spPr>
+          <p:txBody>
+            <a:bodyPr spcFirstLastPara="1" wrap="square" lIns="91425" tIns="45700" rIns="91425" bIns="45700" anchor="ctr" anchorCtr="0">
+              <a:noAutofit/>
+            </a:bodyPr>
+            <a:lstStyle/>
+            <a:p>
+              <a:pPr marL="0" marR="0" lvl="0" indent="0" algn="ctr" rtl="0">
+                <a:spcBef>
+                  <a:spcPts val="0"/>
+                </a:spcBef>
+                <a:spcAft>
+                  <a:spcPts val="0"/>
+                </a:spcAft>
+                <a:buNone/>
+              </a:pPr>
+              <a:endParaRPr sz="1350">
+                <a:solidFill>
+                  <a:schemeClr val="lt1"/>
                 </a:solidFill>
                 <a:latin typeface="Arial"/>
                 <a:ea typeface="Arial"/>
                 <a:cs typeface="Arial"/>
                 <a:sym typeface="Arial"/>
-              </a:rPr>
-              <a:t>New Code Submissions </a:t>
-            </a:r>
-            <a:endParaRPr/>
-          </a:p>
-        </p:txBody>
-      </p:sp>
-      <p:sp>
-        <p:nvSpPr>
-          <p:cNvPr id="520" name="Google Shape;520;p11"/>
-          <p:cNvSpPr/>
-          <p:nvPr/>
-        </p:nvSpPr>
-        <p:spPr>
-          <a:xfrm>
-            <a:off x="895419" y="1926424"/>
-            <a:ext cx="2342001" cy="646331"/>
-          </a:xfrm>
-          <a:prstGeom prst="rect">
-            <a:avLst/>
-          </a:prstGeom>
-          <a:noFill/>
-          <a:ln>
+              </a:endParaRPr>
+            </a:p>
+          </p:txBody>
+        </p:sp>
+        <p:sp>
+          <p:nvSpPr>
+            <p:cNvPr id="501" name="Google Shape;501;p11"/>
+            <p:cNvSpPr/>
+            <p:nvPr/>
+          </p:nvSpPr>
+          <p:spPr>
+            <a:xfrm rot="-9900000">
+              <a:off x="4232416" y="3554618"/>
+              <a:ext cx="92795" cy="92795"/>
+            </a:xfrm>
+            <a:custGeom>
+              <a:avLst/>
+              <a:gdLst/>
+              <a:ahLst/>
+              <a:cxnLst/>
+              <a:rect l="l" t="t" r="r" b="b"/>
+              <a:pathLst>
+                <a:path w="380216" h="380216" extrusionOk="0">
+                  <a:moveTo>
+                    <a:pt x="0" y="0"/>
+                  </a:moveTo>
+                  <a:lnTo>
+                    <a:pt x="380216" y="0"/>
+                  </a:lnTo>
+                  <a:lnTo>
+                    <a:pt x="380216" y="380216"/>
+                  </a:lnTo>
+                </a:path>
+              </a:pathLst>
+            </a:custGeom>
             <a:noFill/>
-          </a:ln>
-        </p:spPr>
-        <p:txBody>
-          <a:bodyPr spcFirstLastPara="1" wrap="square" lIns="0" tIns="45700" rIns="0" bIns="45700" anchor="t" anchorCtr="0">
-            <a:spAutoFit/>
-          </a:bodyPr>
-          <a:lstStyle/>
-          <a:p>
-            <a:pPr marL="0" marR="0" lvl="0" indent="0" algn="ctr" rtl="0">
-              <a:spcBef>
-                <a:spcPts val="0"/>
-              </a:spcBef>
-              <a:spcAft>
-                <a:spcPts val="0"/>
-              </a:spcAft>
-              <a:buNone/>
-            </a:pPr>
-            <a:r>
-              <a:rPr lang="en-US" sz="1800">
-                <a:solidFill>
-                  <a:schemeClr val="accent6"/>
+            <a:ln w="63500" cap="rnd" cmpd="sng">
+              <a:solidFill>
+                <a:schemeClr val="dk1"/>
+              </a:solidFill>
+              <a:prstDash val="solid"/>
+              <a:round/>
+              <a:headEnd type="none" w="sm" len="sm"/>
+              <a:tailEnd type="none" w="sm" len="sm"/>
+            </a:ln>
+          </p:spPr>
+          <p:txBody>
+            <a:bodyPr spcFirstLastPara="1" wrap="square" lIns="91425" tIns="45700" rIns="91425" bIns="45700" anchor="ctr" anchorCtr="0">
+              <a:noAutofit/>
+            </a:bodyPr>
+            <a:lstStyle/>
+            <a:p>
+              <a:pPr marL="0" marR="0" lvl="0" indent="0" algn="ctr" rtl="0">
+                <a:spcBef>
+                  <a:spcPts val="0"/>
+                </a:spcBef>
+                <a:spcAft>
+                  <a:spcPts val="0"/>
+                </a:spcAft>
+                <a:buNone/>
+              </a:pPr>
+              <a:endParaRPr sz="1350">
+                <a:solidFill>
+                  <a:schemeClr val="lt1"/>
                 </a:solidFill>
                 <a:latin typeface="Arial"/>
                 <a:ea typeface="Arial"/>
                 <a:cs typeface="Arial"/>
                 <a:sym typeface="Arial"/>
-              </a:rPr>
-              <a:t>Coding Gap Analysis &amp; Recommendations </a:t>
-            </a:r>
-            <a:endParaRPr/>
-          </a:p>
-        </p:txBody>
-      </p:sp>
-      <p:sp>
-        <p:nvSpPr>
-          <p:cNvPr id="521" name="Google Shape;521;p11"/>
-          <p:cNvSpPr/>
-          <p:nvPr/>
-        </p:nvSpPr>
-        <p:spPr>
-          <a:xfrm>
-            <a:off x="6877068" y="1169697"/>
-            <a:ext cx="1174954" cy="646331"/>
-          </a:xfrm>
-          <a:prstGeom prst="rect">
-            <a:avLst/>
-          </a:prstGeom>
-          <a:noFill/>
-          <a:ln>
-            <a:noFill/>
-          </a:ln>
-        </p:spPr>
-        <p:txBody>
-          <a:bodyPr spcFirstLastPara="1" wrap="square" lIns="0" tIns="45700" rIns="0" bIns="45700" anchor="t" anchorCtr="0">
-            <a:spAutoFit/>
-          </a:bodyPr>
-          <a:lstStyle/>
-          <a:p>
-            <a:pPr marL="0" marR="0" lvl="0" indent="0" algn="ctr" rtl="0">
-              <a:spcBef>
-                <a:spcPts val="0"/>
-              </a:spcBef>
-              <a:spcAft>
-                <a:spcPts val="0"/>
-              </a:spcAft>
-              <a:buNone/>
-            </a:pPr>
-            <a:r>
-              <a:rPr lang="en-US" sz="1800">
-                <a:solidFill>
-                  <a:schemeClr val="dk1"/>
+              </a:endParaRPr>
+            </a:p>
+          </p:txBody>
+        </p:sp>
+        <p:sp>
+          <p:nvSpPr>
+            <p:cNvPr id="502" name="Google Shape;502;p11"/>
+            <p:cNvSpPr/>
+            <p:nvPr/>
+          </p:nvSpPr>
+          <p:spPr>
+            <a:xfrm rot="-4691230">
+              <a:off x="2629690" y="3198933"/>
+              <a:ext cx="92795" cy="92795"/>
+            </a:xfrm>
+            <a:custGeom>
+              <a:avLst/>
+              <a:gdLst/>
+              <a:ahLst/>
+              <a:cxnLst/>
+              <a:rect l="l" t="t" r="r" b="b"/>
+              <a:pathLst>
+                <a:path w="380216" h="380216" extrusionOk="0">
+                  <a:moveTo>
+                    <a:pt x="0" y="0"/>
+                  </a:moveTo>
+                  <a:lnTo>
+                    <a:pt x="380216" y="0"/>
+                  </a:lnTo>
+                  <a:lnTo>
+                    <a:pt x="380216" y="380216"/>
+                  </a:lnTo>
+                </a:path>
+              </a:pathLst>
+            </a:custGeom>
+            <a:solidFill>
+              <a:schemeClr val="dk1"/>
+            </a:solidFill>
+            <a:ln w="63500" cap="rnd" cmpd="sng">
+              <a:solidFill>
+                <a:schemeClr val="dk1"/>
+              </a:solidFill>
+              <a:prstDash val="solid"/>
+              <a:round/>
+              <a:headEnd type="none" w="sm" len="sm"/>
+              <a:tailEnd type="none" w="sm" len="sm"/>
+            </a:ln>
+          </p:spPr>
+          <p:txBody>
+            <a:bodyPr spcFirstLastPara="1" wrap="square" lIns="91425" tIns="45700" rIns="91425" bIns="45700" anchor="ctr" anchorCtr="0">
+              <a:noAutofit/>
+            </a:bodyPr>
+            <a:lstStyle/>
+            <a:p>
+              <a:pPr marL="0" marR="0" lvl="0" indent="0" algn="ctr" rtl="0">
+                <a:spcBef>
+                  <a:spcPts val="0"/>
+                </a:spcBef>
+                <a:spcAft>
+                  <a:spcPts val="0"/>
+                </a:spcAft>
+                <a:buNone/>
+              </a:pPr>
+              <a:endParaRPr sz="1350">
+                <a:solidFill>
+                  <a:schemeClr val="lt1"/>
                 </a:solidFill>
                 <a:latin typeface="Arial"/>
                 <a:ea typeface="Arial"/>
                 <a:cs typeface="Arial"/>
                 <a:sym typeface="Arial"/>
-              </a:rPr>
-              <a:t>FHIR IG Testing</a:t>
-            </a:r>
-            <a:endParaRPr/>
-          </a:p>
-        </p:txBody>
-      </p:sp>
-      <p:sp>
-        <p:nvSpPr>
-          <p:cNvPr id="522" name="Google Shape;522;p11"/>
-          <p:cNvSpPr/>
-          <p:nvPr/>
-        </p:nvSpPr>
-        <p:spPr>
-          <a:xfrm>
-            <a:off x="8700059" y="1926424"/>
-            <a:ext cx="1477272" cy="646331"/>
-          </a:xfrm>
-          <a:prstGeom prst="rect">
-            <a:avLst/>
-          </a:prstGeom>
-          <a:noFill/>
-          <a:ln>
-            <a:noFill/>
-          </a:ln>
-        </p:spPr>
-        <p:txBody>
-          <a:bodyPr spcFirstLastPara="1" wrap="square" lIns="0" tIns="45700" rIns="0" bIns="45700" anchor="t" anchorCtr="0">
-            <a:spAutoFit/>
-          </a:bodyPr>
-          <a:lstStyle/>
-          <a:p>
-            <a:pPr marL="0" marR="0" lvl="0" indent="0" algn="ctr" rtl="0">
-              <a:spcBef>
-                <a:spcPts val="0"/>
-              </a:spcBef>
-              <a:spcAft>
-                <a:spcPts val="0"/>
-              </a:spcAft>
-              <a:buNone/>
-            </a:pPr>
-            <a:r>
-              <a:rPr lang="en-US" sz="1800">
-                <a:solidFill>
-                  <a:schemeClr val="dk1"/>
+              </a:endParaRPr>
+            </a:p>
+          </p:txBody>
+        </p:sp>
+        <p:sp>
+          <p:nvSpPr>
+            <p:cNvPr id="503" name="Google Shape;503;p11"/>
+            <p:cNvSpPr/>
+            <p:nvPr/>
+          </p:nvSpPr>
+          <p:spPr>
+            <a:xfrm rot="235497">
+              <a:off x="2566150" y="1512183"/>
+              <a:ext cx="92795" cy="92795"/>
+            </a:xfrm>
+            <a:custGeom>
+              <a:avLst/>
+              <a:gdLst/>
+              <a:ahLst/>
+              <a:cxnLst/>
+              <a:rect l="l" t="t" r="r" b="b"/>
+              <a:pathLst>
+                <a:path w="380216" h="380216" extrusionOk="0">
+                  <a:moveTo>
+                    <a:pt x="0" y="0"/>
+                  </a:moveTo>
+                  <a:lnTo>
+                    <a:pt x="380216" y="0"/>
+                  </a:lnTo>
+                  <a:lnTo>
+                    <a:pt x="380216" y="380216"/>
+                  </a:lnTo>
+                </a:path>
+              </a:pathLst>
+            </a:custGeom>
+            <a:solidFill>
+              <a:schemeClr val="dk1"/>
+            </a:solidFill>
+            <a:ln w="63500" cap="rnd" cmpd="sng">
+              <a:solidFill>
+                <a:schemeClr val="dk1"/>
+              </a:solidFill>
+              <a:prstDash val="solid"/>
+              <a:round/>
+              <a:headEnd type="none" w="sm" len="sm"/>
+              <a:tailEnd type="none" w="sm" len="sm"/>
+            </a:ln>
+          </p:spPr>
+          <p:txBody>
+            <a:bodyPr spcFirstLastPara="1" wrap="square" lIns="91425" tIns="45700" rIns="91425" bIns="45700" anchor="ctr" anchorCtr="0">
+              <a:noAutofit/>
+            </a:bodyPr>
+            <a:lstStyle/>
+            <a:p>
+              <a:pPr marL="0" marR="0" lvl="0" indent="0" algn="ctr" rtl="0">
+                <a:spcBef>
+                  <a:spcPts val="0"/>
+                </a:spcBef>
+                <a:spcAft>
+                  <a:spcPts val="0"/>
+                </a:spcAft>
+                <a:buNone/>
+              </a:pPr>
+              <a:endParaRPr sz="1350">
+                <a:solidFill>
+                  <a:schemeClr val="lt1"/>
                 </a:solidFill>
                 <a:latin typeface="Arial"/>
                 <a:ea typeface="Arial"/>
                 <a:cs typeface="Arial"/>
                 <a:sym typeface="Arial"/>
-              </a:rPr>
-              <a:t>FHIR IG Development</a:t>
-            </a:r>
-            <a:endParaRPr/>
-          </a:p>
-        </p:txBody>
-      </p:sp>
-      <p:sp>
-        <p:nvSpPr>
-          <p:cNvPr id="528" name="Google Shape;528;p11"/>
-          <p:cNvSpPr/>
-          <p:nvPr/>
-        </p:nvSpPr>
-        <p:spPr>
-          <a:xfrm>
-            <a:off x="4145222" y="2413258"/>
-            <a:ext cx="350683" cy="348551"/>
-          </a:xfrm>
-          <a:prstGeom prst="ellipse">
-            <a:avLst/>
-          </a:prstGeom>
-          <a:solidFill>
-            <a:schemeClr val="accent1"/>
-          </a:solidFill>
-          <a:ln>
+              </a:endParaRPr>
+            </a:p>
+          </p:txBody>
+        </p:sp>
+        <p:sp>
+          <p:nvSpPr>
+            <p:cNvPr id="512" name="Google Shape;512;p11"/>
+            <p:cNvSpPr/>
+            <p:nvPr/>
+          </p:nvSpPr>
+          <p:spPr>
+            <a:xfrm>
+              <a:off x="6018786" y="1929788"/>
+              <a:ext cx="1670113" cy="904823"/>
+            </a:xfrm>
+            <a:prstGeom prst="rect">
+              <a:avLst/>
+            </a:prstGeom>
             <a:noFill/>
-          </a:ln>
-        </p:spPr>
-        <p:txBody>
-          <a:bodyPr spcFirstLastPara="1" wrap="square" lIns="91425" tIns="45700" rIns="91425" bIns="45700" anchor="ctr" anchorCtr="0">
-            <a:noAutofit/>
-          </a:bodyPr>
-          <a:lstStyle/>
-          <a:p>
-            <a:pPr marL="0" marR="0" lvl="0" indent="0" algn="ctr" rtl="0">
-              <a:spcBef>
-                <a:spcPts val="0"/>
-              </a:spcBef>
-              <a:spcAft>
-                <a:spcPts val="0"/>
-              </a:spcAft>
-              <a:buNone/>
-            </a:pPr>
-            <a:r>
-              <a:rPr lang="en-US" sz="1400">
-                <a:solidFill>
-                  <a:schemeClr val="lt1"/>
+            <a:ln>
+              <a:noFill/>
+            </a:ln>
+          </p:spPr>
+          <p:txBody>
+            <a:bodyPr spcFirstLastPara="1" wrap="square" lIns="0" tIns="45700" rIns="0" bIns="45700" anchor="t" anchorCtr="0">
+              <a:spAutoFit/>
+            </a:bodyPr>
+            <a:lstStyle/>
+            <a:p>
+              <a:pPr marL="0" marR="0" lvl="0" indent="0" algn="ctr" rtl="0">
+                <a:lnSpc>
+                  <a:spcPct val="110000"/>
+                </a:lnSpc>
+                <a:spcBef>
+                  <a:spcPts val="0"/>
+                </a:spcBef>
+                <a:spcAft>
+                  <a:spcPts val="0"/>
+                </a:spcAft>
+                <a:buNone/>
+              </a:pPr>
+              <a:r>
+                <a:rPr lang="en-US" sz="2400" dirty="0">
+                  <a:solidFill>
+                    <a:schemeClr val="accent1"/>
+                  </a:solidFill>
+                  <a:latin typeface="Arial"/>
+                  <a:ea typeface="Arial"/>
+                  <a:cs typeface="Arial"/>
+                  <a:sym typeface="Arial"/>
+                </a:rPr>
+                <a:t>Technical </a:t>
+              </a:r>
+              <a:br>
+                <a:rPr lang="en-US" sz="2400" dirty="0">
+                  <a:solidFill>
+                    <a:schemeClr val="accent1"/>
+                  </a:solidFill>
+                  <a:latin typeface="Arial"/>
+                  <a:ea typeface="Arial"/>
+                  <a:cs typeface="Arial"/>
+                  <a:sym typeface="Arial"/>
+                </a:rPr>
+              </a:br>
+              <a:r>
+                <a:rPr lang="en-US" sz="2400" dirty="0">
+                  <a:solidFill>
+                    <a:schemeClr val="accent1"/>
+                  </a:solidFill>
+                  <a:latin typeface="Arial"/>
+                  <a:ea typeface="Arial"/>
+                  <a:cs typeface="Arial"/>
+                  <a:sym typeface="Arial"/>
+                </a:rPr>
+                <a:t>Workstream</a:t>
+              </a:r>
+              <a:endParaRPr sz="1800" dirty="0">
+                <a:solidFill>
+                  <a:schemeClr val="accent1"/>
                 </a:solidFill>
                 <a:latin typeface="Arial"/>
                 <a:ea typeface="Arial"/>
                 <a:cs typeface="Arial"/>
                 <a:sym typeface="Arial"/>
-              </a:rPr>
-              <a:t>1</a:t>
-            </a:r>
-            <a:endParaRPr/>
-          </a:p>
-        </p:txBody>
-      </p:sp>
-      <p:sp>
-        <p:nvSpPr>
-          <p:cNvPr id="529" name="Google Shape;529;p11"/>
-          <p:cNvSpPr/>
-          <p:nvPr/>
-        </p:nvSpPr>
-        <p:spPr>
-          <a:xfrm>
-            <a:off x="7224535" y="2422500"/>
-            <a:ext cx="350683" cy="348551"/>
-          </a:xfrm>
-          <a:prstGeom prst="ellipse">
-            <a:avLst/>
-          </a:prstGeom>
-          <a:solidFill>
-            <a:schemeClr val="accent1"/>
-          </a:solidFill>
-          <a:ln>
+              </a:endParaRPr>
+            </a:p>
+          </p:txBody>
+        </p:sp>
+        <p:sp>
+          <p:nvSpPr>
+            <p:cNvPr id="513" name="Google Shape;513;p11"/>
+            <p:cNvSpPr/>
+            <p:nvPr/>
+          </p:nvSpPr>
+          <p:spPr>
+            <a:xfrm>
+              <a:off x="2621392" y="1896061"/>
+              <a:ext cx="2228197" cy="972534"/>
+            </a:xfrm>
+            <a:prstGeom prst="rect">
+              <a:avLst/>
+            </a:prstGeom>
             <a:noFill/>
-          </a:ln>
-        </p:spPr>
-        <p:txBody>
-          <a:bodyPr spcFirstLastPara="1" wrap="square" lIns="91425" tIns="45700" rIns="91425" bIns="45700" anchor="ctr" anchorCtr="0">
-            <a:noAutofit/>
-          </a:bodyPr>
-          <a:lstStyle/>
-          <a:p>
-            <a:pPr marL="0" marR="0" lvl="0" indent="0" algn="ctr" rtl="0">
-              <a:spcBef>
-                <a:spcPts val="0"/>
-              </a:spcBef>
-              <a:spcAft>
-                <a:spcPts val="0"/>
-              </a:spcAft>
-              <a:buNone/>
-            </a:pPr>
-            <a:r>
-              <a:rPr lang="en-US" sz="1400">
-                <a:solidFill>
-                  <a:schemeClr val="lt1"/>
+            <a:ln>
+              <a:noFill/>
+            </a:ln>
+          </p:spPr>
+          <p:txBody>
+            <a:bodyPr spcFirstLastPara="1" wrap="square" lIns="0" tIns="45700" rIns="0" bIns="45700" anchor="t" anchorCtr="0">
+              <a:spAutoFit/>
+            </a:bodyPr>
+            <a:lstStyle/>
+            <a:p>
+              <a:pPr marL="0" marR="0" lvl="0" indent="0" algn="ctr" rtl="0">
+                <a:lnSpc>
+                  <a:spcPct val="110000"/>
+                </a:lnSpc>
+                <a:spcBef>
+                  <a:spcPts val="0"/>
+                </a:spcBef>
+                <a:spcAft>
+                  <a:spcPts val="0"/>
+                </a:spcAft>
+                <a:buNone/>
+              </a:pPr>
+              <a:r>
+                <a:rPr lang="en-US" sz="2400" dirty="0">
+                  <a:solidFill>
+                    <a:schemeClr val="accent1"/>
+                  </a:solidFill>
+                  <a:latin typeface="Arial"/>
+                  <a:ea typeface="Arial"/>
+                  <a:cs typeface="Arial"/>
+                  <a:sym typeface="Arial"/>
+                </a:rPr>
+                <a:t>Terminology</a:t>
+              </a:r>
+              <a:r>
+                <a:rPr lang="en-US" sz="2800" dirty="0">
+                  <a:solidFill>
+                    <a:schemeClr val="accent1"/>
+                  </a:solidFill>
+                  <a:latin typeface="Arial"/>
+                  <a:ea typeface="Arial"/>
+                  <a:cs typeface="Arial"/>
+                  <a:sym typeface="Arial"/>
+                </a:rPr>
+                <a:t> </a:t>
+              </a:r>
+              <a:r>
+                <a:rPr lang="en-US" sz="2400" dirty="0">
+                  <a:solidFill>
+                    <a:schemeClr val="accent1"/>
+                  </a:solidFill>
+                  <a:latin typeface="Arial"/>
+                  <a:ea typeface="Arial"/>
+                  <a:cs typeface="Arial"/>
+                  <a:sym typeface="Arial"/>
+                </a:rPr>
+                <a:t>Workstream</a:t>
+              </a:r>
+              <a:endParaRPr dirty="0"/>
+            </a:p>
+          </p:txBody>
+        </p:sp>
+        <p:sp>
+          <p:nvSpPr>
+            <p:cNvPr id="514" name="Google Shape;514;p11"/>
+            <p:cNvSpPr/>
+            <p:nvPr/>
+          </p:nvSpPr>
+          <p:spPr>
+            <a:xfrm>
+              <a:off x="4944999" y="1998986"/>
+              <a:ext cx="686439" cy="691600"/>
+            </a:xfrm>
+            <a:prstGeom prst="rect">
+              <a:avLst/>
+            </a:prstGeom>
+            <a:noFill/>
+            <a:ln>
+              <a:noFill/>
+            </a:ln>
+          </p:spPr>
+          <p:txBody>
+            <a:bodyPr spcFirstLastPara="1" wrap="square" lIns="0" tIns="45700" rIns="0" bIns="45700" anchor="ctr" anchorCtr="0">
+              <a:spAutoFit/>
+            </a:bodyPr>
+            <a:lstStyle/>
+            <a:p>
+              <a:pPr marL="0" marR="0" lvl="0" indent="0" algn="ctr" rtl="0">
+                <a:lnSpc>
+                  <a:spcPct val="110000"/>
+                </a:lnSpc>
+                <a:spcBef>
+                  <a:spcPts val="0"/>
+                </a:spcBef>
+                <a:spcAft>
+                  <a:spcPts val="0"/>
+                </a:spcAft>
+                <a:buNone/>
+              </a:pPr>
+              <a:r>
+                <a:rPr lang="en-US" sz="1200" dirty="0">
+                  <a:solidFill>
+                    <a:schemeClr val="dk1"/>
+                  </a:solidFill>
+                  <a:latin typeface="Arial"/>
+                  <a:ea typeface="Arial"/>
+                  <a:cs typeface="Arial"/>
+                  <a:sym typeface="Arial"/>
+                </a:rPr>
+                <a:t>CODED VALUE SETS</a:t>
+              </a:r>
+              <a:endParaRPr dirty="0"/>
+            </a:p>
+          </p:txBody>
+        </p:sp>
+        <p:sp>
+          <p:nvSpPr>
+            <p:cNvPr id="515" name="Google Shape;515;p11"/>
+            <p:cNvSpPr/>
+            <p:nvPr/>
+          </p:nvSpPr>
+          <p:spPr>
+            <a:xfrm>
+              <a:off x="5885541" y="3830217"/>
+              <a:ext cx="2004398" cy="646331"/>
+            </a:xfrm>
+            <a:prstGeom prst="rect">
+              <a:avLst/>
+            </a:prstGeom>
+            <a:noFill/>
+            <a:ln>
+              <a:noFill/>
+            </a:ln>
+          </p:spPr>
+          <p:txBody>
+            <a:bodyPr spcFirstLastPara="1" wrap="square" lIns="0" tIns="45700" rIns="0" bIns="45700" anchor="t" anchorCtr="0">
+              <a:spAutoFit/>
+            </a:bodyPr>
+            <a:lstStyle/>
+            <a:p>
+              <a:pPr marL="0" marR="0" lvl="0" indent="0" algn="ctr" rtl="0">
+                <a:spcBef>
+                  <a:spcPts val="0"/>
+                </a:spcBef>
+                <a:spcAft>
+                  <a:spcPts val="0"/>
+                </a:spcAft>
+                <a:buNone/>
+              </a:pPr>
+              <a:r>
+                <a:rPr lang="en-US" sz="1800">
+                  <a:solidFill>
+                    <a:schemeClr val="dk1"/>
+                  </a:solidFill>
+                  <a:latin typeface="Arial"/>
+                  <a:ea typeface="Arial"/>
+                  <a:cs typeface="Arial"/>
+                  <a:sym typeface="Arial"/>
+                </a:rPr>
+                <a:t>FHIR IG Ballot &amp; Publication</a:t>
+              </a:r>
+              <a:endParaRPr/>
+            </a:p>
+          </p:txBody>
+        </p:sp>
+        <p:sp>
+          <p:nvSpPr>
+            <p:cNvPr id="516" name="Google Shape;516;p11"/>
+            <p:cNvSpPr/>
+            <p:nvPr/>
+          </p:nvSpPr>
+          <p:spPr>
+            <a:xfrm>
+              <a:off x="2465632" y="3830217"/>
+              <a:ext cx="2556380" cy="646331"/>
+            </a:xfrm>
+            <a:prstGeom prst="rect">
+              <a:avLst/>
+            </a:prstGeom>
+            <a:noFill/>
+            <a:ln>
+              <a:noFill/>
+            </a:ln>
+          </p:spPr>
+          <p:txBody>
+            <a:bodyPr spcFirstLastPara="1" wrap="square" lIns="0" tIns="45700" rIns="0" bIns="45700" anchor="t" anchorCtr="0">
+              <a:spAutoFit/>
+            </a:bodyPr>
+            <a:lstStyle/>
+            <a:p>
+              <a:pPr marL="0" marR="0" lvl="0" indent="0" algn="ctr" rtl="0">
+                <a:spcBef>
+                  <a:spcPts val="0"/>
+                </a:spcBef>
+                <a:spcAft>
+                  <a:spcPts val="0"/>
+                </a:spcAft>
+                <a:buNone/>
+              </a:pPr>
+              <a:r>
+                <a:rPr lang="en-US" sz="1800" dirty="0">
+                  <a:solidFill>
+                    <a:schemeClr val="accent6"/>
+                  </a:solidFill>
+                  <a:latin typeface="Arial"/>
+                  <a:ea typeface="Arial"/>
+                  <a:cs typeface="Arial"/>
+                  <a:sym typeface="Arial"/>
+                </a:rPr>
+                <a:t>Publication in NLM VSAC &amp; ONC ISA</a:t>
+              </a:r>
+              <a:endParaRPr dirty="0"/>
+            </a:p>
+          </p:txBody>
+        </p:sp>
+        <p:sp>
+          <p:nvSpPr>
+            <p:cNvPr id="517" name="Google Shape;517;p11"/>
+            <p:cNvSpPr/>
+            <p:nvPr/>
+          </p:nvSpPr>
+          <p:spPr>
+            <a:xfrm>
+              <a:off x="8166268" y="2855599"/>
+              <a:ext cx="1902768" cy="646331"/>
+            </a:xfrm>
+            <a:prstGeom prst="rect">
+              <a:avLst/>
+            </a:prstGeom>
+            <a:noFill/>
+            <a:ln>
+              <a:noFill/>
+            </a:ln>
+          </p:spPr>
+          <p:txBody>
+            <a:bodyPr spcFirstLastPara="1" wrap="square" lIns="0" tIns="45700" rIns="0" bIns="45700" anchor="t" anchorCtr="0">
+              <a:spAutoFit/>
+            </a:bodyPr>
+            <a:lstStyle/>
+            <a:p>
+              <a:pPr marL="0" marR="0" lvl="0" indent="0" algn="ctr" rtl="0">
+                <a:spcBef>
+                  <a:spcPts val="0"/>
+                </a:spcBef>
+                <a:spcAft>
+                  <a:spcPts val="0"/>
+                </a:spcAft>
+                <a:buNone/>
+              </a:pPr>
+              <a:r>
+                <a:rPr lang="en-US" sz="1800" dirty="0">
+                  <a:solidFill>
+                    <a:schemeClr val="dk1"/>
+                  </a:solidFill>
+                  <a:latin typeface="Arial"/>
+                  <a:ea typeface="Arial"/>
+                  <a:cs typeface="Arial"/>
+                  <a:sym typeface="Arial"/>
+                </a:rPr>
+                <a:t>Community &amp; FHIR Coordination </a:t>
+              </a:r>
+              <a:endParaRPr dirty="0"/>
+            </a:p>
+          </p:txBody>
+        </p:sp>
+        <p:sp>
+          <p:nvSpPr>
+            <p:cNvPr id="518" name="Google Shape;518;p11"/>
+            <p:cNvSpPr/>
+            <p:nvPr/>
+          </p:nvSpPr>
+          <p:spPr>
+            <a:xfrm>
+              <a:off x="893076" y="2855599"/>
+              <a:ext cx="1532279" cy="646331"/>
+            </a:xfrm>
+            <a:prstGeom prst="rect">
+              <a:avLst/>
+            </a:prstGeom>
+            <a:noFill/>
+            <a:ln>
+              <a:noFill/>
+            </a:ln>
+          </p:spPr>
+          <p:txBody>
+            <a:bodyPr spcFirstLastPara="1" wrap="square" lIns="0" tIns="45700" rIns="0" bIns="45700" anchor="t" anchorCtr="0">
+              <a:spAutoFit/>
+            </a:bodyPr>
+            <a:lstStyle/>
+            <a:p>
+              <a:pPr marL="0" marR="0" lvl="0" indent="0" algn="ctr" rtl="0">
+                <a:spcBef>
+                  <a:spcPts val="0"/>
+                </a:spcBef>
+                <a:spcAft>
+                  <a:spcPts val="0"/>
+                </a:spcAft>
+                <a:buNone/>
+              </a:pPr>
+              <a:r>
+                <a:rPr lang="en-US" sz="1800">
+                  <a:solidFill>
+                    <a:schemeClr val="accent6"/>
+                  </a:solidFill>
+                  <a:latin typeface="Arial"/>
+                  <a:ea typeface="Arial"/>
+                  <a:cs typeface="Arial"/>
+                  <a:sym typeface="Arial"/>
+                </a:rPr>
+                <a:t>Data Set Identification </a:t>
+              </a:r>
+              <a:endParaRPr/>
+            </a:p>
+          </p:txBody>
+        </p:sp>
+        <p:sp>
+          <p:nvSpPr>
+            <p:cNvPr id="519" name="Google Shape;519;p11"/>
+            <p:cNvSpPr/>
+            <p:nvPr/>
+          </p:nvSpPr>
+          <p:spPr>
+            <a:xfrm>
+              <a:off x="2989538" y="216940"/>
+              <a:ext cx="1491904" cy="646331"/>
+            </a:xfrm>
+            <a:prstGeom prst="rect">
+              <a:avLst/>
+            </a:prstGeom>
+            <a:noFill/>
+            <a:ln>
+              <a:noFill/>
+            </a:ln>
+          </p:spPr>
+          <p:txBody>
+            <a:bodyPr spcFirstLastPara="1" wrap="square" lIns="0" tIns="45700" rIns="0" bIns="45700" anchor="t" anchorCtr="0">
+              <a:spAutoFit/>
+            </a:bodyPr>
+            <a:lstStyle/>
+            <a:p>
+              <a:pPr marL="0" marR="0" lvl="0" indent="0" algn="ctr" rtl="0">
+                <a:spcBef>
+                  <a:spcPts val="0"/>
+                </a:spcBef>
+                <a:spcAft>
+                  <a:spcPts val="0"/>
+                </a:spcAft>
+                <a:buNone/>
+              </a:pPr>
+              <a:r>
+                <a:rPr lang="en-US" sz="1800">
+                  <a:solidFill>
+                    <a:schemeClr val="accent6"/>
+                  </a:solidFill>
+                  <a:latin typeface="Arial"/>
+                  <a:ea typeface="Arial"/>
+                  <a:cs typeface="Arial"/>
+                  <a:sym typeface="Arial"/>
+                </a:rPr>
+                <a:t>New Code Submissions </a:t>
+              </a:r>
+              <a:endParaRPr/>
+            </a:p>
+          </p:txBody>
+        </p:sp>
+        <p:sp>
+          <p:nvSpPr>
+            <p:cNvPr id="520" name="Google Shape;520;p11"/>
+            <p:cNvSpPr/>
+            <p:nvPr/>
+          </p:nvSpPr>
+          <p:spPr>
+            <a:xfrm>
+              <a:off x="285819" y="927941"/>
+              <a:ext cx="2342001" cy="646331"/>
+            </a:xfrm>
+            <a:prstGeom prst="rect">
+              <a:avLst/>
+            </a:prstGeom>
+            <a:noFill/>
+            <a:ln>
+              <a:noFill/>
+            </a:ln>
+          </p:spPr>
+          <p:txBody>
+            <a:bodyPr spcFirstLastPara="1" wrap="square" lIns="0" tIns="45700" rIns="0" bIns="45700" anchor="t" anchorCtr="0">
+              <a:spAutoFit/>
+            </a:bodyPr>
+            <a:lstStyle/>
+            <a:p>
+              <a:pPr marL="0" marR="0" lvl="0" indent="0" algn="ctr" rtl="0">
+                <a:spcBef>
+                  <a:spcPts val="0"/>
+                </a:spcBef>
+                <a:spcAft>
+                  <a:spcPts val="0"/>
+                </a:spcAft>
+                <a:buNone/>
+              </a:pPr>
+              <a:r>
+                <a:rPr lang="en-US" sz="1800">
+                  <a:solidFill>
+                    <a:schemeClr val="accent6"/>
+                  </a:solidFill>
+                  <a:latin typeface="Arial"/>
+                  <a:ea typeface="Arial"/>
+                  <a:cs typeface="Arial"/>
+                  <a:sym typeface="Arial"/>
+                </a:rPr>
+                <a:t>Coding Gap Analysis &amp; Recommendations </a:t>
+              </a:r>
+              <a:endParaRPr/>
+            </a:p>
+          </p:txBody>
+        </p:sp>
+        <p:sp>
+          <p:nvSpPr>
+            <p:cNvPr id="521" name="Google Shape;521;p11"/>
+            <p:cNvSpPr/>
+            <p:nvPr/>
+          </p:nvSpPr>
+          <p:spPr>
+            <a:xfrm>
+              <a:off x="6267468" y="171214"/>
+              <a:ext cx="1174954" cy="646331"/>
+            </a:xfrm>
+            <a:prstGeom prst="rect">
+              <a:avLst/>
+            </a:prstGeom>
+            <a:noFill/>
+            <a:ln>
+              <a:noFill/>
+            </a:ln>
+          </p:spPr>
+          <p:txBody>
+            <a:bodyPr spcFirstLastPara="1" wrap="square" lIns="0" tIns="45700" rIns="0" bIns="45700" anchor="t" anchorCtr="0">
+              <a:spAutoFit/>
+            </a:bodyPr>
+            <a:lstStyle/>
+            <a:p>
+              <a:pPr marL="0" marR="0" lvl="0" indent="0" algn="ctr" rtl="0">
+                <a:spcBef>
+                  <a:spcPts val="0"/>
+                </a:spcBef>
+                <a:spcAft>
+                  <a:spcPts val="0"/>
+                </a:spcAft>
+                <a:buNone/>
+              </a:pPr>
+              <a:r>
+                <a:rPr lang="en-US" sz="1800">
+                  <a:solidFill>
+                    <a:schemeClr val="dk1"/>
+                  </a:solidFill>
+                  <a:latin typeface="Arial"/>
+                  <a:ea typeface="Arial"/>
+                  <a:cs typeface="Arial"/>
+                  <a:sym typeface="Arial"/>
+                </a:rPr>
+                <a:t>FHIR IG Testing</a:t>
+              </a:r>
+              <a:endParaRPr/>
+            </a:p>
+          </p:txBody>
+        </p:sp>
+        <p:sp>
+          <p:nvSpPr>
+            <p:cNvPr id="522" name="Google Shape;522;p11"/>
+            <p:cNvSpPr/>
+            <p:nvPr/>
+          </p:nvSpPr>
+          <p:spPr>
+            <a:xfrm>
+              <a:off x="8090459" y="927941"/>
+              <a:ext cx="1477272" cy="646331"/>
+            </a:xfrm>
+            <a:prstGeom prst="rect">
+              <a:avLst/>
+            </a:prstGeom>
+            <a:noFill/>
+            <a:ln>
+              <a:noFill/>
+            </a:ln>
+          </p:spPr>
+          <p:txBody>
+            <a:bodyPr spcFirstLastPara="1" wrap="square" lIns="0" tIns="45700" rIns="0" bIns="45700" anchor="t" anchorCtr="0">
+              <a:spAutoFit/>
+            </a:bodyPr>
+            <a:lstStyle/>
+            <a:p>
+              <a:pPr marL="0" marR="0" lvl="0" indent="0" algn="ctr" rtl="0">
+                <a:spcBef>
+                  <a:spcPts val="0"/>
+                </a:spcBef>
+                <a:spcAft>
+                  <a:spcPts val="0"/>
+                </a:spcAft>
+                <a:buNone/>
+              </a:pPr>
+              <a:r>
+                <a:rPr lang="en-US" sz="1800">
+                  <a:solidFill>
+                    <a:schemeClr val="dk1"/>
+                  </a:solidFill>
+                  <a:latin typeface="Arial"/>
+                  <a:ea typeface="Arial"/>
+                  <a:cs typeface="Arial"/>
+                  <a:sym typeface="Arial"/>
+                </a:rPr>
+                <a:t>FHIR IG Development</a:t>
+              </a:r>
+              <a:endParaRPr/>
+            </a:p>
+          </p:txBody>
+        </p:sp>
+        <p:sp>
+          <p:nvSpPr>
+            <p:cNvPr id="528" name="Google Shape;528;p11"/>
+            <p:cNvSpPr/>
+            <p:nvPr/>
+          </p:nvSpPr>
+          <p:spPr>
+            <a:xfrm>
+              <a:off x="3535622" y="1414775"/>
+              <a:ext cx="350683" cy="348551"/>
+            </a:xfrm>
+            <a:prstGeom prst="ellipse">
+              <a:avLst/>
+            </a:prstGeom>
+            <a:solidFill>
+              <a:schemeClr val="accent1"/>
+            </a:solidFill>
+            <a:ln>
+              <a:noFill/>
+            </a:ln>
+          </p:spPr>
+          <p:txBody>
+            <a:bodyPr spcFirstLastPara="1" wrap="square" lIns="91425" tIns="45700" rIns="91425" bIns="45700" anchor="ctr" anchorCtr="0">
+              <a:noAutofit/>
+            </a:bodyPr>
+            <a:lstStyle/>
+            <a:p>
+              <a:pPr marL="0" marR="0" lvl="0" indent="0" algn="ctr" rtl="0">
+                <a:spcBef>
+                  <a:spcPts val="0"/>
+                </a:spcBef>
+                <a:spcAft>
+                  <a:spcPts val="0"/>
+                </a:spcAft>
+                <a:buNone/>
+              </a:pPr>
+              <a:r>
+                <a:rPr lang="en-US" sz="1400">
+                  <a:solidFill>
+                    <a:schemeClr val="lt1"/>
+                  </a:solidFill>
+                  <a:latin typeface="Arial"/>
+                  <a:ea typeface="Arial"/>
+                  <a:cs typeface="Arial"/>
+                  <a:sym typeface="Arial"/>
+                </a:rPr>
+                <a:t>1</a:t>
+              </a:r>
+              <a:endParaRPr/>
+            </a:p>
+          </p:txBody>
+        </p:sp>
+        <p:sp>
+          <p:nvSpPr>
+            <p:cNvPr id="529" name="Google Shape;529;p11"/>
+            <p:cNvSpPr/>
+            <p:nvPr/>
+          </p:nvSpPr>
+          <p:spPr>
+            <a:xfrm>
+              <a:off x="6614935" y="1424017"/>
+              <a:ext cx="350683" cy="348551"/>
+            </a:xfrm>
+            <a:prstGeom prst="ellipse">
+              <a:avLst/>
+            </a:prstGeom>
+            <a:solidFill>
+              <a:schemeClr val="accent1"/>
+            </a:solidFill>
+            <a:ln>
+              <a:noFill/>
+            </a:ln>
+          </p:spPr>
+          <p:txBody>
+            <a:bodyPr spcFirstLastPara="1" wrap="square" lIns="91425" tIns="45700" rIns="91425" bIns="45700" anchor="ctr" anchorCtr="0">
+              <a:noAutofit/>
+            </a:bodyPr>
+            <a:lstStyle/>
+            <a:p>
+              <a:pPr marL="0" marR="0" lvl="0" indent="0" algn="ctr" rtl="0">
+                <a:spcBef>
+                  <a:spcPts val="0"/>
+                </a:spcBef>
+                <a:spcAft>
+                  <a:spcPts val="0"/>
+                </a:spcAft>
+                <a:buNone/>
+              </a:pPr>
+              <a:r>
+                <a:rPr lang="en-US" sz="1400">
+                  <a:solidFill>
+                    <a:schemeClr val="lt1"/>
+                  </a:solidFill>
+                  <a:latin typeface="Arial"/>
+                  <a:ea typeface="Arial"/>
+                  <a:cs typeface="Arial"/>
+                  <a:sym typeface="Arial"/>
+                </a:rPr>
+                <a:t>2</a:t>
+              </a:r>
+              <a:endParaRPr/>
+            </a:p>
+          </p:txBody>
+        </p:sp>
+        <p:sp>
+          <p:nvSpPr>
+            <p:cNvPr id="530" name="Google Shape;530;p11"/>
+            <p:cNvSpPr/>
+            <p:nvPr/>
+          </p:nvSpPr>
+          <p:spPr>
+            <a:xfrm>
+              <a:off x="7381665" y="4918690"/>
+              <a:ext cx="350683" cy="348551"/>
+            </a:xfrm>
+            <a:prstGeom prst="ellipse">
+              <a:avLst/>
+            </a:prstGeom>
+            <a:solidFill>
+              <a:schemeClr val="accent1"/>
+            </a:solidFill>
+            <a:ln>
+              <a:noFill/>
+            </a:ln>
+          </p:spPr>
+          <p:txBody>
+            <a:bodyPr spcFirstLastPara="1" wrap="square" lIns="91425" tIns="45700" rIns="91425" bIns="45700" anchor="ctr" anchorCtr="0">
+              <a:noAutofit/>
+            </a:bodyPr>
+            <a:lstStyle/>
+            <a:p>
+              <a:pPr marL="0" marR="0" lvl="0" indent="0" algn="ctr" rtl="0">
+                <a:spcBef>
+                  <a:spcPts val="0"/>
+                </a:spcBef>
+                <a:spcAft>
+                  <a:spcPts val="0"/>
+                </a:spcAft>
+                <a:buNone/>
+              </a:pPr>
+              <a:r>
+                <a:rPr lang="en-US" sz="1400" dirty="0">
+                  <a:solidFill>
+                    <a:schemeClr val="lt1"/>
+                  </a:solidFill>
+                  <a:latin typeface="Arial"/>
+                  <a:ea typeface="Arial"/>
+                  <a:cs typeface="Arial"/>
+                  <a:sym typeface="Arial"/>
+                </a:rPr>
+                <a:t>3</a:t>
+              </a:r>
+              <a:endParaRPr dirty="0"/>
+            </a:p>
+          </p:txBody>
+        </p:sp>
+        <p:sp>
+          <p:nvSpPr>
+            <p:cNvPr id="532" name="Google Shape;532;p11"/>
+            <p:cNvSpPr/>
+            <p:nvPr/>
+          </p:nvSpPr>
+          <p:spPr>
+            <a:xfrm>
+              <a:off x="2897010" y="4799272"/>
+              <a:ext cx="5015136" cy="608077"/>
+            </a:xfrm>
+            <a:prstGeom prst="roundRect">
+              <a:avLst>
+                <a:gd name="adj" fmla="val 100000"/>
+              </a:avLst>
+            </a:prstGeom>
+            <a:noFill/>
+            <a:ln w="117475">
+              <a:solidFill>
+                <a:schemeClr val="tx2">
+                  <a:lumMod val="90000"/>
+                </a:schemeClr>
+              </a:solidFill>
+            </a:ln>
+          </p:spPr>
+          <p:txBody>
+            <a:bodyPr spcFirstLastPara="1" wrap="square" lIns="91425" tIns="45700" rIns="91425" bIns="45700" anchor="ctr" anchorCtr="0">
+              <a:noAutofit/>
+            </a:bodyPr>
+            <a:lstStyle/>
+            <a:p>
+              <a:pPr marL="0" marR="0" lvl="0" indent="0" algn="ctr" rtl="0">
+                <a:lnSpc>
+                  <a:spcPct val="110000"/>
+                </a:lnSpc>
+                <a:spcBef>
+                  <a:spcPts val="0"/>
+                </a:spcBef>
+                <a:spcAft>
+                  <a:spcPts val="0"/>
+                </a:spcAft>
+                <a:buNone/>
+              </a:pPr>
+              <a:r>
+                <a:rPr lang="en-US" sz="2400" dirty="0">
+                  <a:solidFill>
+                    <a:schemeClr val="accent1"/>
+                  </a:solidFill>
+                  <a:latin typeface="Arial"/>
+                  <a:ea typeface="Arial"/>
+                  <a:cs typeface="Arial"/>
+                  <a:sym typeface="Arial"/>
+                </a:rPr>
+                <a:t>Pilot Workstream</a:t>
+              </a:r>
+              <a:endParaRPr lang="en-US" sz="1800" dirty="0">
+                <a:solidFill>
+                  <a:schemeClr val="accent1"/>
                 </a:solidFill>
                 <a:latin typeface="Arial"/>
                 <a:ea typeface="Arial"/>
                 <a:cs typeface="Arial"/>
                 <a:sym typeface="Arial"/>
-              </a:rPr>
-              <a:t>2</a:t>
-            </a:r>
-            <a:endParaRPr/>
-          </a:p>
-        </p:txBody>
-      </p:sp>
-      <p:sp>
-        <p:nvSpPr>
-          <p:cNvPr id="530" name="Google Shape;530;p11"/>
-          <p:cNvSpPr/>
-          <p:nvPr/>
-        </p:nvSpPr>
-        <p:spPr>
-          <a:xfrm>
-            <a:off x="7991265" y="5917173"/>
-            <a:ext cx="350683" cy="348551"/>
-          </a:xfrm>
-          <a:prstGeom prst="ellipse">
-            <a:avLst/>
-          </a:prstGeom>
-          <a:solidFill>
-            <a:schemeClr val="accent1"/>
-          </a:solidFill>
-          <a:ln>
-            <a:noFill/>
-          </a:ln>
-        </p:spPr>
-        <p:txBody>
-          <a:bodyPr spcFirstLastPara="1" wrap="square" lIns="91425" tIns="45700" rIns="91425" bIns="45700" anchor="ctr" anchorCtr="0">
-            <a:noAutofit/>
-          </a:bodyPr>
-          <a:lstStyle/>
-          <a:p>
-            <a:pPr marL="0" marR="0" lvl="0" indent="0" algn="ctr" rtl="0">
-              <a:spcBef>
-                <a:spcPts val="0"/>
-              </a:spcBef>
-              <a:spcAft>
-                <a:spcPts val="0"/>
-              </a:spcAft>
-              <a:buNone/>
-            </a:pPr>
-            <a:r>
-              <a:rPr lang="en-US" sz="1400" dirty="0">
+              </a:endParaRPr>
+            </a:p>
+          </p:txBody>
+        </p:sp>
+        <p:sp>
+          <p:nvSpPr>
+            <p:cNvPr id="534" name="Google Shape;534;p11"/>
+            <p:cNvSpPr/>
+            <p:nvPr/>
+          </p:nvSpPr>
+          <p:spPr>
+            <a:xfrm>
+              <a:off x="3647819" y="4429998"/>
+              <a:ext cx="175341" cy="287567"/>
+            </a:xfrm>
+            <a:prstGeom prst="downArrow">
+              <a:avLst>
+                <a:gd name="adj1" fmla="val 50000"/>
+                <a:gd name="adj2" fmla="val 50000"/>
+              </a:avLst>
+            </a:prstGeom>
+            <a:solidFill>
+              <a:schemeClr val="tx2">
+                <a:lumMod val="50000"/>
+              </a:schemeClr>
+            </a:solidFill>
+            <a:ln>
+              <a:noFill/>
+            </a:ln>
+          </p:spPr>
+          <p:txBody>
+            <a:bodyPr spcFirstLastPara="1" wrap="square" lIns="91425" tIns="45700" rIns="91425" bIns="45700" anchor="ctr" anchorCtr="0">
+              <a:noAutofit/>
+            </a:bodyPr>
+            <a:lstStyle/>
+            <a:p>
+              <a:pPr marL="0" marR="0" lvl="0" indent="0" algn="ctr" rtl="0">
+                <a:spcBef>
+                  <a:spcPts val="0"/>
+                </a:spcBef>
+                <a:spcAft>
+                  <a:spcPts val="0"/>
+                </a:spcAft>
+                <a:buNone/>
+              </a:pPr>
+              <a:endParaRPr sz="1800">
                 <a:solidFill>
                   <a:schemeClr val="lt1"/>
                 </a:solidFill>
@@ -11837,447 +11953,224 @@
                 <a:ea typeface="Arial"/>
                 <a:cs typeface="Arial"/>
                 <a:sym typeface="Arial"/>
-              </a:rPr>
-              <a:t>3</a:t>
-            </a:r>
-            <a:endParaRPr dirty="0"/>
-          </a:p>
-        </p:txBody>
-      </p:sp>
-      <p:sp>
-        <p:nvSpPr>
-          <p:cNvPr id="531" name="Google Shape;531;p11"/>
-          <p:cNvSpPr txBox="1">
-            <a:spLocks noGrp="1"/>
-          </p:cNvSpPr>
-          <p:nvPr>
-            <p:ph type="sldNum" idx="4294967295"/>
-          </p:nvPr>
-        </p:nvSpPr>
-        <p:spPr>
-          <a:xfrm>
-            <a:off x="11361413" y="6464974"/>
-            <a:ext cx="694265" cy="365125"/>
-          </a:xfrm>
-          <a:prstGeom prst="rect">
-            <a:avLst/>
-          </a:prstGeom>
-          <a:noFill/>
-          <a:ln>
-            <a:noFill/>
-          </a:ln>
-        </p:spPr>
-        <p:txBody>
-          <a:bodyPr spcFirstLastPara="1" wrap="square" lIns="91425" tIns="45700" rIns="91425" bIns="45700" anchor="ctr" anchorCtr="0">
-            <a:noAutofit/>
-          </a:bodyPr>
-          <a:lstStyle/>
-          <a:p>
-            <a:pPr marL="0" lvl="0" indent="0" algn="r" rtl="0">
-              <a:spcBef>
-                <a:spcPts val="0"/>
-              </a:spcBef>
-              <a:spcAft>
-                <a:spcPts val="0"/>
-              </a:spcAft>
-              <a:buClr>
-                <a:srgbClr val="E3B641"/>
-              </a:buClr>
-              <a:buSzPts val="1200"/>
-              <a:buFont typeface="Arial"/>
-              <a:buNone/>
-            </a:pPr>
-            <a:fld id="{00000000-1234-1234-1234-123412341234}" type="slidenum">
-              <a:rPr lang="en-US"/>
-              <a:t>2</a:t>
-            </a:fld>
-            <a:endParaRPr/>
-          </a:p>
-        </p:txBody>
-      </p:sp>
-      <p:sp>
-        <p:nvSpPr>
-          <p:cNvPr id="532" name="Google Shape;532;p11"/>
-          <p:cNvSpPr/>
-          <p:nvPr/>
-        </p:nvSpPr>
-        <p:spPr>
-          <a:xfrm>
-            <a:off x="3506610" y="5797755"/>
-            <a:ext cx="5015136" cy="608077"/>
-          </a:xfrm>
-          <a:prstGeom prst="roundRect">
-            <a:avLst>
-              <a:gd name="adj" fmla="val 100000"/>
-            </a:avLst>
-          </a:prstGeom>
-          <a:noFill/>
-          <a:ln w="117475">
+              </a:endParaRPr>
+            </a:p>
+          </p:txBody>
+        </p:sp>
+        <p:sp>
+          <p:nvSpPr>
+            <p:cNvPr id="535" name="Google Shape;535;p11"/>
+            <p:cNvSpPr/>
+            <p:nvPr/>
+          </p:nvSpPr>
+          <p:spPr>
+            <a:xfrm>
+              <a:off x="6854945" y="4433721"/>
+              <a:ext cx="175341" cy="287567"/>
+            </a:xfrm>
+            <a:prstGeom prst="downArrow">
+              <a:avLst>
+                <a:gd name="adj1" fmla="val 50000"/>
+                <a:gd name="adj2" fmla="val 50000"/>
+              </a:avLst>
+            </a:prstGeom>
             <a:solidFill>
               <a:schemeClr val="tx2">
-                <a:lumMod val="90000"/>
+                <a:lumMod val="50000"/>
               </a:schemeClr>
             </a:solidFill>
-          </a:ln>
-        </p:spPr>
-        <p:txBody>
-          <a:bodyPr spcFirstLastPara="1" wrap="square" lIns="91425" tIns="45700" rIns="91425" bIns="45700" anchor="ctr" anchorCtr="0">
-            <a:noAutofit/>
-          </a:bodyPr>
-          <a:lstStyle/>
-          <a:p>
-            <a:pPr marL="0" marR="0" lvl="0" indent="0" algn="ctr" rtl="0">
-              <a:lnSpc>
-                <a:spcPct val="110000"/>
-              </a:lnSpc>
-              <a:spcBef>
-                <a:spcPts val="0"/>
-              </a:spcBef>
-              <a:spcAft>
-                <a:spcPts val="0"/>
-              </a:spcAft>
-              <a:buNone/>
-            </a:pPr>
-            <a:r>
-              <a:rPr lang="en-US" sz="2400" dirty="0">
-                <a:solidFill>
-                  <a:schemeClr val="accent1"/>
+            <a:ln>
+              <a:noFill/>
+            </a:ln>
+          </p:spPr>
+          <p:txBody>
+            <a:bodyPr spcFirstLastPara="1" wrap="square" lIns="91425" tIns="45700" rIns="91425" bIns="45700" anchor="ctr" anchorCtr="0">
+              <a:noAutofit/>
+            </a:bodyPr>
+            <a:lstStyle/>
+            <a:p>
+              <a:pPr marL="0" marR="0" lvl="0" indent="0" algn="ctr" rtl="0">
+                <a:spcBef>
+                  <a:spcPts val="0"/>
+                </a:spcBef>
+                <a:spcAft>
+                  <a:spcPts val="0"/>
+                </a:spcAft>
+                <a:buNone/>
+              </a:pPr>
+              <a:endParaRPr sz="1800">
+                <a:solidFill>
+                  <a:schemeClr val="lt1"/>
                 </a:solidFill>
                 <a:latin typeface="Arial"/>
                 <a:ea typeface="Arial"/>
                 <a:cs typeface="Arial"/>
                 <a:sym typeface="Arial"/>
-              </a:rPr>
-              <a:t>Pilot Workstream</a:t>
-            </a:r>
-            <a:endParaRPr lang="en-US" sz="1800" dirty="0">
-              <a:solidFill>
-                <a:schemeClr val="accent1"/>
-              </a:solidFill>
-              <a:latin typeface="Arial"/>
-              <a:ea typeface="Arial"/>
-              <a:cs typeface="Arial"/>
-              <a:sym typeface="Arial"/>
-            </a:endParaRPr>
-          </a:p>
-        </p:txBody>
-      </p:sp>
-      <p:sp>
-        <p:nvSpPr>
-          <p:cNvPr id="533" name="Google Shape;533;p11"/>
-          <p:cNvSpPr txBox="1"/>
-          <p:nvPr/>
-        </p:nvSpPr>
-        <p:spPr>
-          <a:xfrm>
-            <a:off x="6522935" y="6514570"/>
-            <a:ext cx="6496335" cy="369332"/>
-          </a:xfrm>
-          <a:prstGeom prst="rect">
-            <a:avLst/>
-          </a:prstGeom>
-          <a:noFill/>
-          <a:ln>
+              </a:endParaRPr>
+            </a:p>
+          </p:txBody>
+        </p:sp>
+        <p:pic>
+          <p:nvPicPr>
+            <p:cNvPr id="536" name="Google Shape;536;p11"/>
+            <p:cNvPicPr preferRelativeResize="0"/>
+            <p:nvPr/>
+          </p:nvPicPr>
+          <p:blipFill rotWithShape="1">
+            <a:blip r:embed="rId3">
+              <a:alphaModFix/>
+            </a:blip>
+            <a:srcRect/>
+            <a:stretch/>
+          </p:blipFill>
+          <p:spPr>
+            <a:xfrm>
+              <a:off x="6189494" y="2729058"/>
+              <a:ext cx="1156891" cy="410589"/>
+            </a:xfrm>
+            <a:prstGeom prst="rect">
+              <a:avLst/>
+            </a:prstGeom>
             <a:noFill/>
-          </a:ln>
-        </p:spPr>
-        <p:txBody>
-          <a:bodyPr spcFirstLastPara="1" wrap="square" lIns="91425" tIns="45700" rIns="91425" bIns="45700" anchor="t" anchorCtr="0">
-            <a:spAutoFit/>
-          </a:bodyPr>
-          <a:lstStyle/>
-          <a:p>
-            <a:pPr marL="0" marR="0" lvl="0" indent="0" algn="ctr" rtl="0">
-              <a:spcBef>
-                <a:spcPts val="0"/>
-              </a:spcBef>
-              <a:spcAft>
-                <a:spcPts val="0"/>
-              </a:spcAft>
-              <a:buNone/>
-            </a:pPr>
-            <a:r>
-              <a:rPr lang="en-US" sz="1800">
-                <a:solidFill>
-                  <a:schemeClr val="lt1"/>
-                </a:solidFill>
-                <a:latin typeface="Arial"/>
-                <a:ea typeface="Arial"/>
-                <a:cs typeface="Arial"/>
-                <a:sym typeface="Arial"/>
-              </a:rPr>
-              <a:t>Pilots (Testing &amp; Implementation) </a:t>
-            </a:r>
-            <a:endParaRPr/>
-          </a:p>
-        </p:txBody>
-      </p:sp>
-      <p:sp>
-        <p:nvSpPr>
-          <p:cNvPr id="534" name="Google Shape;534;p11"/>
-          <p:cNvSpPr/>
-          <p:nvPr/>
-        </p:nvSpPr>
-        <p:spPr>
-          <a:xfrm>
-            <a:off x="4257419" y="5428481"/>
-            <a:ext cx="175341" cy="287567"/>
-          </a:xfrm>
-          <a:prstGeom prst="downArrow">
-            <a:avLst>
-              <a:gd name="adj1" fmla="val 50000"/>
-              <a:gd name="adj2" fmla="val 50000"/>
-            </a:avLst>
-          </a:prstGeom>
-          <a:solidFill>
-            <a:schemeClr val="tx2">
-              <a:lumMod val="50000"/>
-            </a:schemeClr>
-          </a:solidFill>
-          <a:ln>
+            <a:ln>
+              <a:noFill/>
+            </a:ln>
+          </p:spPr>
+        </p:pic>
+        <p:pic>
+          <p:nvPicPr>
+            <p:cNvPr id="537" name="Google Shape;537;p11"/>
+            <p:cNvPicPr preferRelativeResize="0"/>
+            <p:nvPr/>
+          </p:nvPicPr>
+          <p:blipFill rotWithShape="1">
+            <a:blip r:embed="rId4">
+              <a:alphaModFix/>
+            </a:blip>
+            <a:srcRect t="-7435" b="28820"/>
+            <a:stretch/>
+          </p:blipFill>
+          <p:spPr>
+            <a:xfrm>
+              <a:off x="891448" y="1952684"/>
+              <a:ext cx="758058" cy="208968"/>
+            </a:xfrm>
+            <a:prstGeom prst="rect">
+              <a:avLst/>
+            </a:prstGeom>
             <a:noFill/>
-          </a:ln>
-        </p:spPr>
-        <p:txBody>
-          <a:bodyPr spcFirstLastPara="1" wrap="square" lIns="91425" tIns="45700" rIns="91425" bIns="45700" anchor="ctr" anchorCtr="0">
-            <a:noAutofit/>
-          </a:bodyPr>
-          <a:lstStyle/>
-          <a:p>
-            <a:pPr marL="0" marR="0" lvl="0" indent="0" algn="ctr" rtl="0">
-              <a:spcBef>
-                <a:spcPts val="0"/>
-              </a:spcBef>
-              <a:spcAft>
-                <a:spcPts val="0"/>
-              </a:spcAft>
-              <a:buNone/>
-            </a:pPr>
-            <a:endParaRPr sz="1800">
-              <a:solidFill>
-                <a:schemeClr val="lt1"/>
-              </a:solidFill>
-              <a:latin typeface="Arial"/>
-              <a:ea typeface="Arial"/>
-              <a:cs typeface="Arial"/>
-              <a:sym typeface="Arial"/>
-            </a:endParaRPr>
-          </a:p>
-        </p:txBody>
-      </p:sp>
-      <p:sp>
-        <p:nvSpPr>
-          <p:cNvPr id="535" name="Google Shape;535;p11"/>
-          <p:cNvSpPr/>
-          <p:nvPr/>
-        </p:nvSpPr>
-        <p:spPr>
-          <a:xfrm>
-            <a:off x="7464545" y="5432204"/>
-            <a:ext cx="175341" cy="287567"/>
-          </a:xfrm>
-          <a:prstGeom prst="downArrow">
-            <a:avLst>
-              <a:gd name="adj1" fmla="val 50000"/>
-              <a:gd name="adj2" fmla="val 50000"/>
-            </a:avLst>
-          </a:prstGeom>
-          <a:solidFill>
-            <a:schemeClr val="tx2">
-              <a:lumMod val="50000"/>
-            </a:schemeClr>
-          </a:solidFill>
-          <a:ln>
+            <a:ln>
+              <a:noFill/>
+            </a:ln>
+          </p:spPr>
+        </p:pic>
+        <p:pic>
+          <p:nvPicPr>
+            <p:cNvPr id="538" name="Google Shape;538;p11"/>
+            <p:cNvPicPr preferRelativeResize="0"/>
+            <p:nvPr/>
+          </p:nvPicPr>
+          <p:blipFill rotWithShape="1">
+            <a:blip r:embed="rId5">
+              <a:alphaModFix/>
+            </a:blip>
+            <a:srcRect t="-1481"/>
+            <a:stretch/>
+          </p:blipFill>
+          <p:spPr>
+            <a:xfrm>
+              <a:off x="1473747" y="1573751"/>
+              <a:ext cx="758058" cy="223689"/>
+            </a:xfrm>
+            <a:prstGeom prst="rect">
+              <a:avLst/>
+            </a:prstGeom>
             <a:noFill/>
-          </a:ln>
-        </p:spPr>
-        <p:txBody>
-          <a:bodyPr spcFirstLastPara="1" wrap="square" lIns="91425" tIns="45700" rIns="91425" bIns="45700" anchor="ctr" anchorCtr="0">
-            <a:noAutofit/>
-          </a:bodyPr>
-          <a:lstStyle/>
-          <a:p>
-            <a:pPr marL="0" marR="0" lvl="0" indent="0" algn="ctr" rtl="0">
-              <a:spcBef>
-                <a:spcPts val="0"/>
-              </a:spcBef>
-              <a:spcAft>
-                <a:spcPts val="0"/>
-              </a:spcAft>
-              <a:buNone/>
-            </a:pPr>
-            <a:endParaRPr sz="1800">
-              <a:solidFill>
-                <a:schemeClr val="lt1"/>
-              </a:solidFill>
-              <a:latin typeface="Arial"/>
-              <a:ea typeface="Arial"/>
-              <a:cs typeface="Arial"/>
-              <a:sym typeface="Arial"/>
-            </a:endParaRPr>
-          </a:p>
-        </p:txBody>
-      </p:sp>
-      <p:pic>
-        <p:nvPicPr>
-          <p:cNvPr id="536" name="Google Shape;536;p11"/>
-          <p:cNvPicPr preferRelativeResize="0"/>
-          <p:nvPr/>
-        </p:nvPicPr>
-        <p:blipFill rotWithShape="1">
-          <a:blip r:embed="rId3">
-            <a:alphaModFix/>
-          </a:blip>
-          <a:srcRect/>
-          <a:stretch/>
-        </p:blipFill>
-        <p:spPr>
-          <a:xfrm>
-            <a:off x="6799094" y="3727541"/>
-            <a:ext cx="1156891" cy="410589"/>
-          </a:xfrm>
-          <a:prstGeom prst="rect">
-            <a:avLst/>
-          </a:prstGeom>
-          <a:noFill/>
-          <a:ln>
+            <a:ln>
+              <a:noFill/>
+            </a:ln>
+          </p:spPr>
+        </p:pic>
+        <p:pic>
+          <p:nvPicPr>
+            <p:cNvPr id="539" name="Google Shape;539;p11" descr="A picture containing text, screenshot, monitor, computer&#10;&#10;Description automatically generated"/>
+            <p:cNvPicPr preferRelativeResize="0"/>
+            <p:nvPr/>
+          </p:nvPicPr>
+          <p:blipFill rotWithShape="1">
+            <a:blip r:embed="rId6">
+              <a:alphaModFix/>
+            </a:blip>
+            <a:srcRect r="6959" b="-14714"/>
+            <a:stretch/>
+          </p:blipFill>
+          <p:spPr>
+            <a:xfrm>
+              <a:off x="149801" y="1615241"/>
+              <a:ext cx="1145633" cy="208968"/>
+            </a:xfrm>
+            <a:prstGeom prst="rect">
+              <a:avLst/>
+            </a:prstGeom>
             <a:noFill/>
-          </a:ln>
-        </p:spPr>
-      </p:pic>
-      <p:pic>
-        <p:nvPicPr>
-          <p:cNvPr id="537" name="Google Shape;537;p11"/>
-          <p:cNvPicPr preferRelativeResize="0"/>
-          <p:nvPr/>
-        </p:nvPicPr>
-        <p:blipFill rotWithShape="1">
-          <a:blip r:embed="rId4">
-            <a:alphaModFix/>
-          </a:blip>
-          <a:srcRect t="-7435" b="28820"/>
-          <a:stretch/>
-        </p:blipFill>
-        <p:spPr>
-          <a:xfrm>
-            <a:off x="1501048" y="2951167"/>
-            <a:ext cx="758058" cy="208968"/>
-          </a:xfrm>
-          <a:prstGeom prst="rect">
-            <a:avLst/>
-          </a:prstGeom>
-          <a:noFill/>
-          <a:ln>
+            <a:ln>
+              <a:noFill/>
+            </a:ln>
+          </p:spPr>
+        </p:pic>
+        <p:sp>
+          <p:nvSpPr>
+            <p:cNvPr id="7" name="Google Shape;517;p11">
+              <a:extLst>
+                <a:ext uri="{FF2B5EF4-FFF2-40B4-BE49-F238E27FC236}">
+                  <a16:creationId xmlns:a16="http://schemas.microsoft.com/office/drawing/2014/main" id="{C883572E-E70A-5294-9A7B-A91B03B59DB7}"/>
+                </a:ext>
+              </a:extLst>
+            </p:cNvPr>
+            <p:cNvSpPr/>
+            <p:nvPr/>
+          </p:nvSpPr>
+          <p:spPr>
+            <a:xfrm>
+              <a:off x="3880154" y="5475683"/>
+              <a:ext cx="2986754" cy="369291"/>
+            </a:xfrm>
+            <a:prstGeom prst="rect">
+              <a:avLst/>
+            </a:prstGeom>
             <a:noFill/>
-          </a:ln>
-        </p:spPr>
-      </p:pic>
-      <p:pic>
-        <p:nvPicPr>
-          <p:cNvPr id="538" name="Google Shape;538;p11"/>
-          <p:cNvPicPr preferRelativeResize="0"/>
-          <p:nvPr/>
-        </p:nvPicPr>
-        <p:blipFill rotWithShape="1">
-          <a:blip r:embed="rId5">
-            <a:alphaModFix/>
-          </a:blip>
-          <a:srcRect t="-1481"/>
-          <a:stretch/>
-        </p:blipFill>
-        <p:spPr>
-          <a:xfrm>
-            <a:off x="2083347" y="2572234"/>
-            <a:ext cx="758058" cy="223689"/>
-          </a:xfrm>
-          <a:prstGeom prst="rect">
-            <a:avLst/>
-          </a:prstGeom>
-          <a:noFill/>
-          <a:ln>
-            <a:noFill/>
-          </a:ln>
-        </p:spPr>
-      </p:pic>
-      <p:pic>
-        <p:nvPicPr>
-          <p:cNvPr id="539" name="Google Shape;539;p11" descr="A picture containing text, screenshot, monitor, computer&#10;&#10;Description automatically generated"/>
-          <p:cNvPicPr preferRelativeResize="0"/>
-          <p:nvPr/>
-        </p:nvPicPr>
-        <p:blipFill rotWithShape="1">
-          <a:blip r:embed="rId6">
-            <a:alphaModFix/>
-          </a:blip>
-          <a:srcRect r="6959" b="-14714"/>
-          <a:stretch/>
-        </p:blipFill>
-        <p:spPr>
-          <a:xfrm>
-            <a:off x="759401" y="2613724"/>
-            <a:ext cx="1145633" cy="208968"/>
-          </a:xfrm>
-          <a:prstGeom prst="rect">
-            <a:avLst/>
-          </a:prstGeom>
-          <a:noFill/>
-          <a:ln>
-            <a:noFill/>
-          </a:ln>
-        </p:spPr>
-      </p:pic>
-      <p:sp>
-        <p:nvSpPr>
-          <p:cNvPr id="7" name="Google Shape;517;p11">
-            <a:extLst>
-              <a:ext uri="{FF2B5EF4-FFF2-40B4-BE49-F238E27FC236}">
-                <a16:creationId xmlns:a16="http://schemas.microsoft.com/office/drawing/2014/main" id="{C883572E-E70A-5294-9A7B-A91B03B59DB7}"/>
-              </a:ext>
-            </a:extLst>
-          </p:cNvPr>
-          <p:cNvSpPr/>
-          <p:nvPr/>
-        </p:nvSpPr>
-        <p:spPr>
-          <a:xfrm>
-            <a:off x="4489754" y="6474166"/>
-            <a:ext cx="2986754" cy="369291"/>
-          </a:xfrm>
-          <a:prstGeom prst="rect">
-            <a:avLst/>
-          </a:prstGeom>
-          <a:noFill/>
-          <a:ln>
-            <a:noFill/>
-          </a:ln>
-        </p:spPr>
-        <p:txBody>
-          <a:bodyPr spcFirstLastPara="1" wrap="square" lIns="0" tIns="45700" rIns="0" bIns="45700" anchor="t" anchorCtr="0">
-            <a:spAutoFit/>
-          </a:bodyPr>
-          <a:lstStyle/>
-          <a:p>
-            <a:pPr marL="0" marR="0" lvl="0" indent="0" algn="ctr" rtl="0">
-              <a:spcBef>
-                <a:spcPts val="0"/>
-              </a:spcBef>
-              <a:spcAft>
-                <a:spcPts val="0"/>
-              </a:spcAft>
-              <a:buNone/>
-            </a:pPr>
-            <a:r>
-              <a:rPr lang="en-US" sz="1800" dirty="0">
-                <a:solidFill>
-                  <a:schemeClr val="dk1"/>
-                </a:solidFill>
-              </a:rPr>
-              <a:t>Testing and Implementation</a:t>
-            </a:r>
-            <a:endParaRPr dirty="0"/>
-          </a:p>
-        </p:txBody>
-      </p:sp>
+            <a:ln>
+              <a:noFill/>
+            </a:ln>
+          </p:spPr>
+          <p:txBody>
+            <a:bodyPr spcFirstLastPara="1" wrap="square" lIns="0" tIns="45700" rIns="0" bIns="45700" anchor="t" anchorCtr="0">
+              <a:spAutoFit/>
+            </a:bodyPr>
+            <a:lstStyle/>
+            <a:p>
+              <a:pPr marL="0" marR="0" lvl="0" indent="0" algn="ctr" rtl="0">
+                <a:spcBef>
+                  <a:spcPts val="0"/>
+                </a:spcBef>
+                <a:spcAft>
+                  <a:spcPts val="0"/>
+                </a:spcAft>
+                <a:buNone/>
+              </a:pPr>
+              <a:r>
+                <a:rPr lang="en-US" sz="1800" dirty="0">
+                  <a:solidFill>
+                    <a:schemeClr val="dk1"/>
+                  </a:solidFill>
+                </a:rPr>
+                <a:t>Testing and Implementation</a:t>
+              </a:r>
+              <a:endParaRPr dirty="0"/>
+            </a:p>
+          </p:txBody>
+        </p:sp>
+      </p:grpSp>
     </p:spTree>
   </p:cSld>
   <p:clrMapOvr>

--- a/Images Source/GravitySlides.pptx
+++ b/Images Source/GravitySlides.pptx
@@ -20,11 +20,18 @@
       <p:bold r:id="rId6"/>
     </p:embeddedFont>
     <p:embeddedFont>
-      <p:font typeface="Calibri" panose="020F0502020204030204" pitchFamily="34" charset="0"/>
+      <p:font typeface="Bookman Old Style" panose="02050604050505020204" pitchFamily="18" charset="0"/>
       <p:regular r:id="rId7"/>
       <p:bold r:id="rId8"/>
       <p:italic r:id="rId9"/>
       <p:boldItalic r:id="rId10"/>
+    </p:embeddedFont>
+    <p:embeddedFont>
+      <p:font typeface="Calibri" panose="020F0502020204030204" pitchFamily="34" charset="0"/>
+      <p:regular r:id="rId11"/>
+      <p:bold r:id="rId12"/>
+      <p:italic r:id="rId13"/>
+      <p:boldItalic r:id="rId14"/>
     </p:embeddedFont>
   </p:embeddedFontLst>
   <p:defaultTextStyle>
@@ -261,7 +268,7 @@
       <p15:sldGuideLst xmlns:p15="http://schemas.microsoft.com/office/powerpoint/2012/main"/>
     </p:ext>
     <p:ext uri="http://customooxmlschemas.google.com/">
-      <go:slidesCustomData xmlns="" xmlns:mc="http://schemas.openxmlformats.org/markup-compatibility/2006" xmlns:mv="urn:schemas-microsoft-com:mac:vml" xmlns:c="http://schemas.openxmlformats.org/drawingml/2006/chart" xmlns:dgm="http://schemas.openxmlformats.org/drawingml/2006/diagram" xmlns:o="urn:schemas-microsoft-com:office:office" xmlns:v="urn:schemas-microsoft-com:vml" xmlns:pvml="urn:schemas-microsoft-com:office:powerpoint" xmlns:com="http://schemas.openxmlformats.org/drawingml/2006/compatibility" xmlns:p14="http://schemas.microsoft.com/office/powerpoint/2010/main" xmlns:p15="http://schemas.microsoft.com/office/powerpoint/2012/main" xmlns:ahyp="http://schemas.microsoft.com/office/drawing/2018/hyperlinkcolor" xmlns:go="http://customooxmlschemas.google.com/" r:id="rId44" roundtripDataSignature="AMtx7mhurd1H7GBQRbcnBHxCnCHdMa4/Ag=="/>
+      <go:slidesCustomData xmlns:go="http://customooxmlschemas.google.com/" xmlns:ahyp="http://schemas.microsoft.com/office/drawing/2018/hyperlinkcolor" xmlns:p15="http://schemas.microsoft.com/office/powerpoint/2012/main" xmlns:p14="http://schemas.microsoft.com/office/powerpoint/2010/main" xmlns:com="http://schemas.openxmlformats.org/drawingml/2006/compatibility" xmlns:pvml="urn:schemas-microsoft-com:office:powerpoint" xmlns:v="urn:schemas-microsoft-com:vml" xmlns:o="urn:schemas-microsoft-com:office:office" xmlns:dgm="http://schemas.openxmlformats.org/drawingml/2006/diagram" xmlns:c="http://schemas.openxmlformats.org/drawingml/2006/chart" xmlns:mv="urn:schemas-microsoft-com:mac:vml" xmlns:mc="http://schemas.openxmlformats.org/markup-compatibility/2006" xmlns="" r:id="rId44" roundtripDataSignature="AMtx7mhurd1H7GBQRbcnBHxCnCHdMa4/Ag=="/>
     </p:ext>
   </p:extLst>
 </p:presentation>
@@ -9947,7 +9954,7 @@
         </p:nvGrpSpPr>
         <p:grpSpPr>
           <a:xfrm>
-            <a:off x="149801" y="171214"/>
+            <a:off x="154121" y="181725"/>
             <a:ext cx="9919235" cy="5673760"/>
             <a:chOff x="149801" y="171214"/>
             <a:chExt cx="9919235" cy="5673760"/>
@@ -12052,7 +12059,7 @@
           </p:blipFill>
           <p:spPr>
             <a:xfrm>
-              <a:off x="891448" y="1952684"/>
+              <a:off x="1585793" y="1929480"/>
               <a:ext cx="758058" cy="208968"/>
             </a:xfrm>
             <a:prstGeom prst="rect">
@@ -12171,6 +12178,90 @@
           </p:txBody>
         </p:sp>
       </p:grpSp>
+      <p:pic>
+        <p:nvPicPr>
+          <p:cNvPr id="1026" name="Picture 2" descr="Office Evaluation and Management (E/M) CPT Code Revisions ...">
+            <a:extLst>
+              <a:ext uri="{FF2B5EF4-FFF2-40B4-BE49-F238E27FC236}">
+                <a16:creationId xmlns:a16="http://schemas.microsoft.com/office/drawing/2014/main" id="{0D6DDC1A-C496-1F83-ABD6-61251489DC20}"/>
+              </a:ext>
+            </a:extLst>
+          </p:cNvPr>
+          <p:cNvPicPr>
+            <a:picLocks noChangeAspect="1" noChangeArrowheads="1"/>
+          </p:cNvPicPr>
+          <p:nvPr/>
+        </p:nvPicPr>
+        <p:blipFill>
+          <a:blip r:embed="rId7">
+            <a:extLst>
+              <a:ext uri="{28A0092B-C50C-407E-A947-70E740481C1C}">
+                <a14:useLocalDpi xmlns:a14="http://schemas.microsoft.com/office/drawing/2010/main" val="0"/>
+              </a:ext>
+            </a:extLst>
+          </a:blip>
+          <a:srcRect/>
+          <a:stretch>
+            <a:fillRect/>
+          </a:stretch>
+        </p:blipFill>
+        <p:spPr bwMode="auto">
+          <a:xfrm>
+            <a:off x="154121" y="1938089"/>
+            <a:ext cx="608315" cy="304158"/>
+          </a:xfrm>
+          <a:prstGeom prst="rect">
+            <a:avLst/>
+          </a:prstGeom>
+          <a:noFill/>
+          <a:extLst>
+            <a:ext uri="{909E8E84-426E-40DD-AFC4-6F175D3DCCD1}">
+              <a14:hiddenFill xmlns:a14="http://schemas.microsoft.com/office/drawing/2010/main">
+                <a:solidFill>
+                  <a:srgbClr val="FFFFFF"/>
+                </a:solidFill>
+              </a14:hiddenFill>
+            </a:ext>
+          </a:extLst>
+        </p:spPr>
+      </p:pic>
+      <p:sp>
+        <p:nvSpPr>
+          <p:cNvPr id="3" name="TextBox 2">
+            <a:extLst>
+              <a:ext uri="{FF2B5EF4-FFF2-40B4-BE49-F238E27FC236}">
+                <a16:creationId xmlns:a16="http://schemas.microsoft.com/office/drawing/2014/main" id="{4267AD0E-4CEE-790E-CFEA-F6DF60E2868C}"/>
+              </a:ext>
+            </a:extLst>
+          </p:cNvPr>
+          <p:cNvSpPr txBox="1"/>
+          <p:nvPr/>
+        </p:nvSpPr>
+        <p:spPr>
+          <a:xfrm>
+            <a:off x="654057" y="1903693"/>
+            <a:ext cx="915635" cy="338554"/>
+          </a:xfrm>
+          <a:prstGeom prst="rect">
+            <a:avLst/>
+          </a:prstGeom>
+          <a:noFill/>
+        </p:spPr>
+        <p:txBody>
+          <a:bodyPr wrap="none" rtlCol="0">
+            <a:spAutoFit/>
+          </a:bodyPr>
+          <a:lstStyle/>
+          <a:p>
+            <a:r>
+              <a:rPr lang="en-US" sz="1600" dirty="0">
+                <a:latin typeface="Bookman Old Style" panose="02050604050505020204" pitchFamily="18" charset="0"/>
+              </a:rPr>
+              <a:t>HCPCS</a:t>
+            </a:r>
+          </a:p>
+        </p:txBody>
+      </p:sp>
     </p:spTree>
   </p:cSld>
   <p:clrMapOvr>
